--- a/General Morphing.pptx
+++ b/General Morphing.pptx
@@ -6,21 +6,26 @@
   </p:sldMasterIdLst>
   <p:sldIdLst>
     <p:sldId id="256" r:id="rId2"/>
-    <p:sldId id="261" r:id="rId3"/>
-    <p:sldId id="258" r:id="rId4"/>
-    <p:sldId id="262" r:id="rId5"/>
-    <p:sldId id="260" r:id="rId6"/>
-    <p:sldId id="263" r:id="rId7"/>
-    <p:sldId id="264" r:id="rId8"/>
-    <p:sldId id="266" r:id="rId9"/>
-    <p:sldId id="265" r:id="rId10"/>
-    <p:sldId id="267" r:id="rId11"/>
-    <p:sldId id="268" r:id="rId12"/>
-    <p:sldId id="269" r:id="rId13"/>
-    <p:sldId id="272" r:id="rId14"/>
-    <p:sldId id="270" r:id="rId15"/>
-    <p:sldId id="271" r:id="rId16"/>
-    <p:sldId id="273" r:id="rId17"/>
+    <p:sldId id="274" r:id="rId3"/>
+    <p:sldId id="261" r:id="rId4"/>
+    <p:sldId id="258" r:id="rId5"/>
+    <p:sldId id="275" r:id="rId6"/>
+    <p:sldId id="276" r:id="rId7"/>
+    <p:sldId id="277" r:id="rId8"/>
+    <p:sldId id="278" r:id="rId9"/>
+    <p:sldId id="262" r:id="rId10"/>
+    <p:sldId id="260" r:id="rId11"/>
+    <p:sldId id="263" r:id="rId12"/>
+    <p:sldId id="264" r:id="rId13"/>
+    <p:sldId id="266" r:id="rId14"/>
+    <p:sldId id="265" r:id="rId15"/>
+    <p:sldId id="267" r:id="rId16"/>
+    <p:sldId id="268" r:id="rId17"/>
+    <p:sldId id="269" r:id="rId18"/>
+    <p:sldId id="272" r:id="rId19"/>
+    <p:sldId id="270" r:id="rId20"/>
+    <p:sldId id="271" r:id="rId21"/>
+    <p:sldId id="273" r:id="rId22"/>
   </p:sldIdLst>
   <p:sldSz cx="12192000" cy="6858000"/>
   <p:notesSz cx="6858000" cy="9144000"/>
@@ -5367,7 +5372,27 @@
           <a:bodyPr/>
           <a:lstStyle/>
           <a:p>
-            <a:endParaRPr lang="en-US"/>
+            <a:r>
+              <a:rPr lang="en-US" dirty="0" smtClean="0"/>
+              <a:t>Joe </a:t>
+            </a:r>
+            <a:r>
+              <a:rPr lang="en-US" dirty="0" err="1" smtClean="0"/>
+              <a:t>Manke</a:t>
+            </a:r>
+            <a:r>
+              <a:rPr lang="en-US" dirty="0" smtClean="0"/>
+              <a:t>, Adam </a:t>
+            </a:r>
+            <a:r>
+              <a:rPr lang="en-US" dirty="0" err="1" smtClean="0"/>
+              <a:t>Meaney</a:t>
+            </a:r>
+            <a:r>
+              <a:rPr lang="en-US" dirty="0" smtClean="0"/>
+              <a:t>, &amp; Jonathan Tomes</a:t>
+            </a:r>
+            <a:endParaRPr lang="en-US" dirty="0"/>
           </a:p>
         </p:txBody>
       </p:sp>
@@ -5418,7 +5443,404 @@
           <a:p>
             <a:r>
               <a:rPr lang="en-US" dirty="0" smtClean="0"/>
-              <a:t>The Inverse Equations</a:t>
+              <a:t>Bilinear and Perspective</a:t>
+            </a:r>
+            <a:endParaRPr lang="en-US" dirty="0"/>
+          </a:p>
+        </p:txBody>
+      </p:sp>
+    </p:spTree>
+    <p:extLst>
+      <p:ext uri="{BB962C8B-B14F-4D97-AF65-F5344CB8AC3E}">
+        <p14:creationId xmlns:p14="http://schemas.microsoft.com/office/powerpoint/2010/main" val="131088678"/>
+      </p:ext>
+    </p:extLst>
+  </p:cSld>
+  <p:clrMapOvr>
+    <a:masterClrMapping/>
+  </p:clrMapOvr>
+</p:sld>
+</file>
+
+<file path=ppt/slides/slide11.xml><?xml version="1.0" encoding="utf-8"?>
+<p:sld xmlns:a="http://schemas.openxmlformats.org/drawingml/2006/main" xmlns:r="http://schemas.openxmlformats.org/officeDocument/2006/relationships" xmlns:p="http://schemas.openxmlformats.org/presentationml/2006/main">
+  <p:cSld>
+    <p:spTree>
+      <p:nvGrpSpPr>
+        <p:cNvPr id="1" name=""/>
+        <p:cNvGrpSpPr/>
+        <p:nvPr/>
+      </p:nvGrpSpPr>
+      <p:grpSpPr>
+        <a:xfrm>
+          <a:off x="0" y="0"/>
+          <a:ext cx="0" cy="0"/>
+          <a:chOff x="0" y="0"/>
+          <a:chExt cx="0" cy="0"/>
+        </a:xfrm>
+      </p:grpSpPr>
+      <p:sp>
+        <p:nvSpPr>
+          <p:cNvPr id="2" name="Title 1"/>
+          <p:cNvSpPr>
+            <a:spLocks noGrp="1"/>
+          </p:cNvSpPr>
+          <p:nvPr>
+            <p:ph type="title"/>
+          </p:nvPr>
+        </p:nvSpPr>
+        <p:spPr/>
+        <p:txBody>
+          <a:bodyPr/>
+          <a:lstStyle/>
+          <a:p>
+            <a:r>
+              <a:rPr lang="en-US" dirty="0" err="1" smtClean="0"/>
+              <a:t>BilINear</a:t>
+            </a:r>
+            <a:endParaRPr lang="en-US" dirty="0"/>
+          </a:p>
+        </p:txBody>
+      </p:sp>
+      <p:sp>
+        <p:nvSpPr>
+          <p:cNvPr id="3" name="Content Placeholder 2"/>
+          <p:cNvSpPr>
+            <a:spLocks noGrp="1"/>
+          </p:cNvSpPr>
+          <p:nvPr>
+            <p:ph idx="1"/>
+          </p:nvPr>
+        </p:nvSpPr>
+        <p:spPr/>
+        <p:txBody>
+          <a:bodyPr/>
+          <a:lstStyle/>
+          <a:p>
+            <a:pPr marL="0" indent="0">
+              <a:buNone/>
+            </a:pPr>
+            <a:endParaRPr lang="en-US" dirty="0" smtClean="0"/>
+          </a:p>
+          <a:p>
+            <a:r>
+              <a:rPr lang="en-US" dirty="0" smtClean="0"/>
+              <a:t>Pros</a:t>
+            </a:r>
+          </a:p>
+          <a:p>
+            <a:pPr lvl="1"/>
+            <a:r>
+              <a:rPr lang="en-US" dirty="0" smtClean="0"/>
+              <a:t>Non-planar – useful for mapping none 2-D things</a:t>
+            </a:r>
+          </a:p>
+          <a:p>
+            <a:pPr lvl="1"/>
+            <a:r>
+              <a:rPr lang="en-US" dirty="0" smtClean="0"/>
+              <a:t>Very General</a:t>
+            </a:r>
+            <a:endParaRPr lang="en-US" dirty="0"/>
+          </a:p>
+          <a:p>
+            <a:r>
+              <a:rPr lang="en-US" dirty="0" smtClean="0"/>
+              <a:t>Cons</a:t>
+            </a:r>
+          </a:p>
+          <a:p>
+            <a:pPr lvl="1"/>
+            <a:r>
+              <a:rPr lang="en-US" dirty="0" smtClean="0"/>
+              <a:t>Non-planar – none vertical or horizontal lines map to quadratic curves</a:t>
+            </a:r>
+          </a:p>
+          <a:p>
+            <a:pPr lvl="1"/>
+            <a:r>
+              <a:rPr lang="en-US" dirty="0" smtClean="0"/>
+              <a:t>Quadratic in the Inverse</a:t>
+            </a:r>
+          </a:p>
+        </p:txBody>
+      </p:sp>
+      <p:pic>
+        <p:nvPicPr>
+          <p:cNvPr id="4" name="Picture 3"/>
+          <p:cNvPicPr>
+            <a:picLocks noChangeAspect="1"/>
+          </p:cNvPicPr>
+          <p:nvPr/>
+        </p:nvPicPr>
+        <p:blipFill>
+          <a:blip r:embed="rId2">
+            <a:extLst>
+              <a:ext uri="{28A0092B-C50C-407E-A947-70E740481C1C}">
+                <a14:useLocalDpi xmlns:a14="http://schemas.microsoft.com/office/drawing/2010/main" val="0"/>
+              </a:ext>
+            </a:extLst>
+          </a:blip>
+          <a:stretch>
+            <a:fillRect/>
+          </a:stretch>
+        </p:blipFill>
+        <p:spPr>
+          <a:xfrm>
+            <a:off x="5708419" y="3493215"/>
+            <a:ext cx="5441990" cy="3188139"/>
+          </a:xfrm>
+          <a:prstGeom prst="rect">
+            <a:avLst/>
+          </a:prstGeom>
+        </p:spPr>
+      </p:pic>
+    </p:spTree>
+    <p:extLst>
+      <p:ext uri="{BB962C8B-B14F-4D97-AF65-F5344CB8AC3E}">
+        <p14:creationId xmlns:p14="http://schemas.microsoft.com/office/powerpoint/2010/main" val="3407982787"/>
+      </p:ext>
+    </p:extLst>
+  </p:cSld>
+  <p:clrMapOvr>
+    <a:masterClrMapping/>
+  </p:clrMapOvr>
+</p:sld>
+</file>
+
+<file path=ppt/slides/slide12.xml><?xml version="1.0" encoding="utf-8"?>
+<p:sld xmlns:a="http://schemas.openxmlformats.org/drawingml/2006/main" xmlns:r="http://schemas.openxmlformats.org/officeDocument/2006/relationships" xmlns:p="http://schemas.openxmlformats.org/presentationml/2006/main">
+  <p:cSld>
+    <p:spTree>
+      <p:nvGrpSpPr>
+        <p:cNvPr id="1" name=""/>
+        <p:cNvGrpSpPr/>
+        <p:nvPr/>
+      </p:nvGrpSpPr>
+      <p:grpSpPr>
+        <a:xfrm>
+          <a:off x="0" y="0"/>
+          <a:ext cx="0" cy="0"/>
+          <a:chOff x="0" y="0"/>
+          <a:chExt cx="0" cy="0"/>
+        </a:xfrm>
+      </p:grpSpPr>
+      <p:sp>
+        <p:nvSpPr>
+          <p:cNvPr id="2" name="Title 1"/>
+          <p:cNvSpPr>
+            <a:spLocks noGrp="1"/>
+          </p:cNvSpPr>
+          <p:nvPr>
+            <p:ph type="title"/>
+          </p:nvPr>
+        </p:nvSpPr>
+        <p:spPr/>
+        <p:txBody>
+          <a:bodyPr/>
+          <a:lstStyle/>
+          <a:p>
+            <a:r>
+              <a:rPr lang="en-US" dirty="0" smtClean="0"/>
+              <a:t>Perspective Transform</a:t>
+            </a:r>
+            <a:endParaRPr lang="en-US" dirty="0"/>
+          </a:p>
+        </p:txBody>
+      </p:sp>
+      <p:sp>
+        <p:nvSpPr>
+          <p:cNvPr id="3" name="Content Placeholder 2"/>
+          <p:cNvSpPr>
+            <a:spLocks noGrp="1"/>
+          </p:cNvSpPr>
+          <p:nvPr>
+            <p:ph idx="1"/>
+          </p:nvPr>
+        </p:nvSpPr>
+        <p:spPr/>
+        <p:txBody>
+          <a:bodyPr/>
+          <a:lstStyle/>
+          <a:p>
+            <a:r>
+              <a:rPr lang="en-US" dirty="0" smtClean="0"/>
+              <a:t>Pros</a:t>
+            </a:r>
+          </a:p>
+          <a:p>
+            <a:pPr lvl="1"/>
+            <a:r>
+              <a:rPr lang="en-US" dirty="0" smtClean="0"/>
+              <a:t>uses matrix operations much like the affine Transformations</a:t>
+            </a:r>
+          </a:p>
+          <a:p>
+            <a:pPr lvl="1"/>
+            <a:r>
+              <a:rPr lang="en-US" dirty="0" smtClean="0"/>
+              <a:t>Planar like the Affine Transformations – does Quadrilateral transforms well</a:t>
+            </a:r>
+          </a:p>
+          <a:p>
+            <a:pPr lvl="1"/>
+            <a:r>
+              <a:rPr lang="en-US" dirty="0" smtClean="0"/>
+              <a:t>Lines remain lines  - though they foreshorten distant lines to a vanishing point, renders a nice realistic image</a:t>
+            </a:r>
+          </a:p>
+          <a:p>
+            <a:r>
+              <a:rPr lang="en-US" dirty="0" smtClean="0"/>
+              <a:t>Cons</a:t>
+            </a:r>
+          </a:p>
+          <a:p>
+            <a:pPr lvl="1"/>
+            <a:r>
+              <a:rPr lang="en-US" dirty="0" smtClean="0"/>
+              <a:t>Not as general as bilinear</a:t>
+            </a:r>
+            <a:endParaRPr lang="en-US" dirty="0"/>
+          </a:p>
+        </p:txBody>
+      </p:sp>
+    </p:spTree>
+    <p:extLst>
+      <p:ext uri="{BB962C8B-B14F-4D97-AF65-F5344CB8AC3E}">
+        <p14:creationId xmlns:p14="http://schemas.microsoft.com/office/powerpoint/2010/main" val="985594558"/>
+      </p:ext>
+    </p:extLst>
+  </p:cSld>
+  <p:clrMapOvr>
+    <a:masterClrMapping/>
+  </p:clrMapOvr>
+</p:sld>
+</file>
+
+<file path=ppt/slides/slide13.xml><?xml version="1.0" encoding="utf-8"?>
+<p:sld xmlns:a="http://schemas.openxmlformats.org/drawingml/2006/main" xmlns:r="http://schemas.openxmlformats.org/officeDocument/2006/relationships" xmlns:p="http://schemas.openxmlformats.org/presentationml/2006/main">
+  <p:cSld>
+    <p:spTree>
+      <p:nvGrpSpPr>
+        <p:cNvPr id="1" name=""/>
+        <p:cNvGrpSpPr/>
+        <p:nvPr/>
+      </p:nvGrpSpPr>
+      <p:grpSpPr>
+        <a:xfrm>
+          <a:off x="0" y="0"/>
+          <a:ext cx="0" cy="0"/>
+          <a:chOff x="0" y="0"/>
+          <a:chExt cx="0" cy="0"/>
+        </a:xfrm>
+      </p:grpSpPr>
+      <p:sp>
+        <p:nvSpPr>
+          <p:cNvPr id="2" name="Title 1"/>
+          <p:cNvSpPr>
+            <a:spLocks noGrp="1"/>
+          </p:cNvSpPr>
+          <p:nvPr>
+            <p:ph type="title"/>
+          </p:nvPr>
+        </p:nvSpPr>
+        <p:spPr>
+          <a:xfrm>
+            <a:off x="569911" y="4406900"/>
+            <a:ext cx="8534401" cy="2281600"/>
+          </a:xfrm>
+        </p:spPr>
+        <p:txBody>
+          <a:bodyPr/>
+          <a:lstStyle/>
+          <a:p>
+            <a:r>
+              <a:rPr lang="en-US" dirty="0" smtClean="0"/>
+              <a:t>Doing the Perspective Transform</a:t>
+            </a:r>
+            <a:endParaRPr lang="en-US" dirty="0"/>
+          </a:p>
+        </p:txBody>
+      </p:sp>
+      <p:pic>
+        <p:nvPicPr>
+          <p:cNvPr id="4" name="Picture 3"/>
+          <p:cNvPicPr>
+            <a:picLocks noChangeAspect="1"/>
+          </p:cNvPicPr>
+          <p:nvPr/>
+        </p:nvPicPr>
+        <p:blipFill>
+          <a:blip r:embed="rId2">
+            <a:extLst>
+              <a:ext uri="{28A0092B-C50C-407E-A947-70E740481C1C}">
+                <a14:useLocalDpi xmlns:a14="http://schemas.microsoft.com/office/drawing/2010/main" val="0"/>
+              </a:ext>
+            </a:extLst>
+          </a:blip>
+          <a:stretch>
+            <a:fillRect/>
+          </a:stretch>
+        </p:blipFill>
+        <p:spPr>
+          <a:xfrm>
+            <a:off x="1475509" y="1083751"/>
+            <a:ext cx="8427027" cy="4277354"/>
+          </a:xfrm>
+          <a:prstGeom prst="rect">
+            <a:avLst/>
+          </a:prstGeom>
+        </p:spPr>
+      </p:pic>
+    </p:spTree>
+    <p:extLst>
+      <p:ext uri="{BB962C8B-B14F-4D97-AF65-F5344CB8AC3E}">
+        <p14:creationId xmlns:p14="http://schemas.microsoft.com/office/powerpoint/2010/main" val="3328658586"/>
+      </p:ext>
+    </p:extLst>
+  </p:cSld>
+  <p:clrMapOvr>
+    <a:masterClrMapping/>
+  </p:clrMapOvr>
+</p:sld>
+</file>
+
+<file path=ppt/slides/slide14.xml><?xml version="1.0" encoding="utf-8"?>
+<p:sld xmlns:a="http://schemas.openxmlformats.org/drawingml/2006/main" xmlns:r="http://schemas.openxmlformats.org/officeDocument/2006/relationships" xmlns:p="http://schemas.openxmlformats.org/presentationml/2006/main">
+  <p:cSld>
+    <p:spTree>
+      <p:nvGrpSpPr>
+        <p:cNvPr id="1" name=""/>
+        <p:cNvGrpSpPr/>
+        <p:nvPr/>
+      </p:nvGrpSpPr>
+      <p:grpSpPr>
+        <a:xfrm>
+          <a:off x="0" y="0"/>
+          <a:ext cx="0" cy="0"/>
+          <a:chOff x="0" y="0"/>
+          <a:chExt cx="0" cy="0"/>
+        </a:xfrm>
+      </p:grpSpPr>
+      <p:sp>
+        <p:nvSpPr>
+          <p:cNvPr id="2" name="Title 1"/>
+          <p:cNvSpPr>
+            <a:spLocks noGrp="1"/>
+          </p:cNvSpPr>
+          <p:nvPr>
+            <p:ph type="title"/>
+          </p:nvPr>
+        </p:nvSpPr>
+        <p:spPr/>
+        <p:txBody>
+          <a:bodyPr/>
+          <a:lstStyle/>
+          <a:p>
+            <a:r>
+              <a:rPr lang="en-US" dirty="0" smtClean="0"/>
+              <a:t>The Forward Equations</a:t>
             </a:r>
             <a:endParaRPr lang="en-US" dirty="0"/>
           </a:p>
@@ -5426,6 +5848,813 @@
       </p:sp>
       <mc:AlternateContent xmlns:mc="http://schemas.openxmlformats.org/markup-compatibility/2006" xmlns:a14="http://schemas.microsoft.com/office/drawing/2010/main">
         <mc:Choice Requires="a14">
+          <p:sp>
+            <p:nvSpPr>
+              <p:cNvPr id="7" name="Content Placeholder 6"/>
+              <p:cNvSpPr>
+                <a:spLocks noGrp="1"/>
+              </p:cNvSpPr>
+              <p:nvPr>
+                <p:ph idx="1"/>
+              </p:nvPr>
+            </p:nvSpPr>
+            <p:spPr/>
+            <p:txBody>
+              <a:bodyPr/>
+              <a:lstStyle/>
+              <a:p>
+                <a14:m>
+                  <m:oMath xmlns:m="http://schemas.openxmlformats.org/officeDocument/2006/math">
+                    <m:d>
+                      <m:dPr>
+                        <m:begChr m:val="["/>
+                        <m:endChr m:val="]"/>
+                        <m:ctrlPr>
+                          <a:rPr lang="en-US" i="1">
+                            <a:latin typeface="Cambria Math" panose="02040503050406030204" pitchFamily="18" charset="0"/>
+                          </a:rPr>
+                        </m:ctrlPr>
+                      </m:dPr>
+                      <m:e>
+                        <m:sSup>
+                          <m:sSupPr>
+                            <m:ctrlPr>
+                              <a:rPr lang="en-US" i="1">
+                                <a:latin typeface="Cambria Math" panose="02040503050406030204" pitchFamily="18" charset="0"/>
+                              </a:rPr>
+                            </m:ctrlPr>
+                          </m:sSupPr>
+                          <m:e>
+                            <m:r>
+                              <a:rPr lang="en-US" i="1">
+                                <a:latin typeface="Cambria Math" panose="02040503050406030204" pitchFamily="18" charset="0"/>
+                              </a:rPr>
+                              <m:t>𝑥</m:t>
+                            </m:r>
+                          </m:e>
+                          <m:sup>
+                            <m:r>
+                              <a:rPr lang="en-US" i="1">
+                                <a:latin typeface="Cambria Math" panose="02040503050406030204" pitchFamily="18" charset="0"/>
+                              </a:rPr>
+                              <m:t>′</m:t>
+                            </m:r>
+                          </m:sup>
+                        </m:sSup>
+                        <m:r>
+                          <a:rPr lang="en-US" i="1">
+                            <a:latin typeface="Cambria Math" panose="02040503050406030204" pitchFamily="18" charset="0"/>
+                          </a:rPr>
+                          <m:t>, </m:t>
+                        </m:r>
+                        <m:sSup>
+                          <m:sSupPr>
+                            <m:ctrlPr>
+                              <a:rPr lang="en-US" i="1">
+                                <a:latin typeface="Cambria Math" panose="02040503050406030204" pitchFamily="18" charset="0"/>
+                              </a:rPr>
+                            </m:ctrlPr>
+                          </m:sSupPr>
+                          <m:e>
+                            <m:r>
+                              <a:rPr lang="en-US" i="1">
+                                <a:latin typeface="Cambria Math" panose="02040503050406030204" pitchFamily="18" charset="0"/>
+                              </a:rPr>
+                              <m:t>𝑦</m:t>
+                            </m:r>
+                          </m:e>
+                          <m:sup>
+                            <m:r>
+                              <a:rPr lang="en-US" i="1">
+                                <a:latin typeface="Cambria Math" panose="02040503050406030204" pitchFamily="18" charset="0"/>
+                              </a:rPr>
+                              <m:t>′</m:t>
+                            </m:r>
+                          </m:sup>
+                        </m:sSup>
+                        <m:r>
+                          <a:rPr lang="en-US" i="1">
+                            <a:latin typeface="Cambria Math" panose="02040503050406030204" pitchFamily="18" charset="0"/>
+                          </a:rPr>
+                          <m:t>,</m:t>
+                        </m:r>
+                        <m:r>
+                          <a:rPr lang="en-US" i="1">
+                            <a:latin typeface="Cambria Math" panose="02040503050406030204" pitchFamily="18" charset="0"/>
+                          </a:rPr>
+                          <m:t>𝑤</m:t>
+                        </m:r>
+                        <m:r>
+                          <a:rPr lang="en-US" i="1">
+                            <a:latin typeface="Cambria Math" panose="02040503050406030204" pitchFamily="18" charset="0"/>
+                          </a:rPr>
+                          <m:t>′</m:t>
+                        </m:r>
+                      </m:e>
+                    </m:d>
+                    <m:r>
+                      <a:rPr lang="en-US" i="1">
+                        <a:latin typeface="Cambria Math" panose="02040503050406030204" pitchFamily="18" charset="0"/>
+                      </a:rPr>
+                      <m:t>= </m:t>
+                    </m:r>
+                    <m:d>
+                      <m:dPr>
+                        <m:begChr m:val="["/>
+                        <m:endChr m:val="]"/>
+                        <m:ctrlPr>
+                          <a:rPr lang="en-US" i="1">
+                            <a:latin typeface="Cambria Math" panose="02040503050406030204" pitchFamily="18" charset="0"/>
+                          </a:rPr>
+                        </m:ctrlPr>
+                      </m:dPr>
+                      <m:e>
+                        <m:r>
+                          <a:rPr lang="en-US" i="1">
+                            <a:latin typeface="Cambria Math" panose="02040503050406030204" pitchFamily="18" charset="0"/>
+                          </a:rPr>
+                          <m:t>𝑢</m:t>
+                        </m:r>
+                        <m:r>
+                          <a:rPr lang="en-US" i="1">
+                            <a:latin typeface="Cambria Math" panose="02040503050406030204" pitchFamily="18" charset="0"/>
+                          </a:rPr>
+                          <m:t>,</m:t>
+                        </m:r>
+                        <m:r>
+                          <a:rPr lang="en-US" i="1">
+                            <a:latin typeface="Cambria Math" panose="02040503050406030204" pitchFamily="18" charset="0"/>
+                          </a:rPr>
+                          <m:t>𝑣</m:t>
+                        </m:r>
+                        <m:r>
+                          <a:rPr lang="en-US" i="1">
+                            <a:latin typeface="Cambria Math" panose="02040503050406030204" pitchFamily="18" charset="0"/>
+                          </a:rPr>
+                          <m:t>,</m:t>
+                        </m:r>
+                        <m:r>
+                          <a:rPr lang="en-US" i="1">
+                            <a:latin typeface="Cambria Math" panose="02040503050406030204" pitchFamily="18" charset="0"/>
+                          </a:rPr>
+                          <m:t>𝑤</m:t>
+                        </m:r>
+                      </m:e>
+                    </m:d>
+                    <m:r>
+                      <a:rPr lang="en-US" i="1">
+                        <a:latin typeface="Cambria Math" panose="02040503050406030204" pitchFamily="18" charset="0"/>
+                      </a:rPr>
+                      <m:t> </m:t>
+                    </m:r>
+                    <m:r>
+                      <a:rPr lang="en-US" i="1">
+                        <a:latin typeface="Cambria Math" panose="02040503050406030204" pitchFamily="18" charset="0"/>
+                      </a:rPr>
+                      <m:t>𝐴</m:t>
+                    </m:r>
+                  </m:oMath>
+                </a14:m>
+                <a:endParaRPr lang="en-US" dirty="0" smtClean="0"/>
+              </a:p>
+              <a:p>
+                <a14:m>
+                  <m:oMath xmlns:m="http://schemas.openxmlformats.org/officeDocument/2006/math">
+                    <m:r>
+                      <a:rPr lang="en-US" i="1">
+                        <a:latin typeface="Cambria Math" panose="02040503050406030204" pitchFamily="18" charset="0"/>
+                      </a:rPr>
+                      <m:t>𝑥</m:t>
+                    </m:r>
+                    <m:r>
+                      <a:rPr lang="en-US" i="1">
+                        <a:latin typeface="Cambria Math" panose="02040503050406030204" pitchFamily="18" charset="0"/>
+                      </a:rPr>
+                      <m:t>= </m:t>
+                    </m:r>
+                    <m:f>
+                      <m:fPr>
+                        <m:ctrlPr>
+                          <a:rPr lang="en-US" i="1">
+                            <a:latin typeface="Cambria Math" panose="02040503050406030204" pitchFamily="18" charset="0"/>
+                          </a:rPr>
+                        </m:ctrlPr>
+                      </m:fPr>
+                      <m:num>
+                        <m:r>
+                          <a:rPr lang="en-US" i="1">
+                            <a:latin typeface="Cambria Math" panose="02040503050406030204" pitchFamily="18" charset="0"/>
+                          </a:rPr>
+                          <m:t>𝑥</m:t>
+                        </m:r>
+                        <m:r>
+                          <a:rPr lang="en-US" i="1">
+                            <a:latin typeface="Cambria Math" panose="02040503050406030204" pitchFamily="18" charset="0"/>
+                          </a:rPr>
+                          <m:t>′</m:t>
+                        </m:r>
+                      </m:num>
+                      <m:den>
+                        <m:r>
+                          <a:rPr lang="en-US" i="1">
+                            <a:latin typeface="Cambria Math" panose="02040503050406030204" pitchFamily="18" charset="0"/>
+                          </a:rPr>
+                          <m:t>𝑤</m:t>
+                        </m:r>
+                        <m:r>
+                          <a:rPr lang="en-US" i="1">
+                            <a:latin typeface="Cambria Math" panose="02040503050406030204" pitchFamily="18" charset="0"/>
+                          </a:rPr>
+                          <m:t>′</m:t>
+                        </m:r>
+                      </m:den>
+                    </m:f>
+                    <m:r>
+                      <a:rPr lang="en-US" i="1">
+                        <a:latin typeface="Cambria Math" panose="02040503050406030204" pitchFamily="18" charset="0"/>
+                      </a:rPr>
+                      <m:t>= </m:t>
+                    </m:r>
+                    <m:f>
+                      <m:fPr>
+                        <m:ctrlPr>
+                          <a:rPr lang="en-US" i="1">
+                            <a:latin typeface="Cambria Math" panose="02040503050406030204" pitchFamily="18" charset="0"/>
+                          </a:rPr>
+                        </m:ctrlPr>
+                      </m:fPr>
+                      <m:num>
+                        <m:sSub>
+                          <m:sSubPr>
+                            <m:ctrlPr>
+                              <a:rPr lang="en-US" i="1">
+                                <a:latin typeface="Cambria Math" panose="02040503050406030204" pitchFamily="18" charset="0"/>
+                              </a:rPr>
+                            </m:ctrlPr>
+                          </m:sSubPr>
+                          <m:e>
+                            <m:r>
+                              <a:rPr lang="en-US" i="1">
+                                <a:latin typeface="Cambria Math" panose="02040503050406030204" pitchFamily="18" charset="0"/>
+                              </a:rPr>
+                              <m:t>𝑎</m:t>
+                            </m:r>
+                          </m:e>
+                          <m:sub>
+                            <m:r>
+                              <a:rPr lang="en-US" i="1">
+                                <a:latin typeface="Cambria Math" panose="02040503050406030204" pitchFamily="18" charset="0"/>
+                              </a:rPr>
+                              <m:t>11</m:t>
+                            </m:r>
+                          </m:sub>
+                        </m:sSub>
+                        <m:r>
+                          <a:rPr lang="en-US" i="1">
+                            <a:latin typeface="Cambria Math" panose="02040503050406030204" pitchFamily="18" charset="0"/>
+                          </a:rPr>
+                          <m:t>𝑢</m:t>
+                        </m:r>
+                        <m:r>
+                          <a:rPr lang="en-US" i="1">
+                            <a:latin typeface="Cambria Math" panose="02040503050406030204" pitchFamily="18" charset="0"/>
+                          </a:rPr>
+                          <m:t>+</m:t>
+                        </m:r>
+                        <m:sSub>
+                          <m:sSubPr>
+                            <m:ctrlPr>
+                              <a:rPr lang="en-US" i="1">
+                                <a:latin typeface="Cambria Math" panose="02040503050406030204" pitchFamily="18" charset="0"/>
+                              </a:rPr>
+                            </m:ctrlPr>
+                          </m:sSubPr>
+                          <m:e>
+                            <m:r>
+                              <a:rPr lang="en-US" i="1">
+                                <a:latin typeface="Cambria Math" panose="02040503050406030204" pitchFamily="18" charset="0"/>
+                              </a:rPr>
+                              <m:t>𝑎</m:t>
+                            </m:r>
+                          </m:e>
+                          <m:sub>
+                            <m:r>
+                              <a:rPr lang="en-US" i="1">
+                                <a:latin typeface="Cambria Math" panose="02040503050406030204" pitchFamily="18" charset="0"/>
+                              </a:rPr>
+                              <m:t>21</m:t>
+                            </m:r>
+                          </m:sub>
+                        </m:sSub>
+                        <m:r>
+                          <a:rPr lang="en-US" i="1">
+                            <a:latin typeface="Cambria Math" panose="02040503050406030204" pitchFamily="18" charset="0"/>
+                          </a:rPr>
+                          <m:t>𝑣</m:t>
+                        </m:r>
+                        <m:r>
+                          <a:rPr lang="en-US" i="1">
+                            <a:latin typeface="Cambria Math" panose="02040503050406030204" pitchFamily="18" charset="0"/>
+                          </a:rPr>
+                          <m:t>+</m:t>
+                        </m:r>
+                        <m:sSub>
+                          <m:sSubPr>
+                            <m:ctrlPr>
+                              <a:rPr lang="en-US" i="1">
+                                <a:latin typeface="Cambria Math" panose="02040503050406030204" pitchFamily="18" charset="0"/>
+                              </a:rPr>
+                            </m:ctrlPr>
+                          </m:sSubPr>
+                          <m:e>
+                            <m:r>
+                              <a:rPr lang="en-US" i="1">
+                                <a:latin typeface="Cambria Math" panose="02040503050406030204" pitchFamily="18" charset="0"/>
+                              </a:rPr>
+                              <m:t>𝑎</m:t>
+                            </m:r>
+                          </m:e>
+                          <m:sub>
+                            <m:r>
+                              <a:rPr lang="en-US" i="1">
+                                <a:latin typeface="Cambria Math" panose="02040503050406030204" pitchFamily="18" charset="0"/>
+                              </a:rPr>
+                              <m:t>31</m:t>
+                            </m:r>
+                          </m:sub>
+                        </m:sSub>
+                      </m:num>
+                      <m:den>
+                        <m:sSub>
+                          <m:sSubPr>
+                            <m:ctrlPr>
+                              <a:rPr lang="en-US" i="1">
+                                <a:latin typeface="Cambria Math" panose="02040503050406030204" pitchFamily="18" charset="0"/>
+                              </a:rPr>
+                            </m:ctrlPr>
+                          </m:sSubPr>
+                          <m:e>
+                            <m:r>
+                              <a:rPr lang="en-US" i="1">
+                                <a:latin typeface="Cambria Math" panose="02040503050406030204" pitchFamily="18" charset="0"/>
+                              </a:rPr>
+                              <m:t>𝑎</m:t>
+                            </m:r>
+                          </m:e>
+                          <m:sub>
+                            <m:r>
+                              <a:rPr lang="en-US" i="1">
+                                <a:latin typeface="Cambria Math" panose="02040503050406030204" pitchFamily="18" charset="0"/>
+                              </a:rPr>
+                              <m:t>13</m:t>
+                            </m:r>
+                          </m:sub>
+                        </m:sSub>
+                        <m:r>
+                          <a:rPr lang="en-US" i="1">
+                            <a:latin typeface="Cambria Math" panose="02040503050406030204" pitchFamily="18" charset="0"/>
+                          </a:rPr>
+                          <m:t>𝑢</m:t>
+                        </m:r>
+                        <m:r>
+                          <a:rPr lang="en-US" i="1">
+                            <a:latin typeface="Cambria Math" panose="02040503050406030204" pitchFamily="18" charset="0"/>
+                          </a:rPr>
+                          <m:t>+</m:t>
+                        </m:r>
+                        <m:sSub>
+                          <m:sSubPr>
+                            <m:ctrlPr>
+                              <a:rPr lang="en-US" i="1">
+                                <a:latin typeface="Cambria Math" panose="02040503050406030204" pitchFamily="18" charset="0"/>
+                              </a:rPr>
+                            </m:ctrlPr>
+                          </m:sSubPr>
+                          <m:e>
+                            <m:r>
+                              <a:rPr lang="en-US" i="1">
+                                <a:latin typeface="Cambria Math" panose="02040503050406030204" pitchFamily="18" charset="0"/>
+                              </a:rPr>
+                              <m:t>𝑎</m:t>
+                            </m:r>
+                          </m:e>
+                          <m:sub>
+                            <m:r>
+                              <a:rPr lang="en-US" i="1">
+                                <a:latin typeface="Cambria Math" panose="02040503050406030204" pitchFamily="18" charset="0"/>
+                              </a:rPr>
+                              <m:t>23</m:t>
+                            </m:r>
+                          </m:sub>
+                        </m:sSub>
+                        <m:r>
+                          <a:rPr lang="en-US" i="1">
+                            <a:latin typeface="Cambria Math" panose="02040503050406030204" pitchFamily="18" charset="0"/>
+                          </a:rPr>
+                          <m:t>𝑣</m:t>
+                        </m:r>
+                        <m:r>
+                          <a:rPr lang="en-US" i="1">
+                            <a:latin typeface="Cambria Math" panose="02040503050406030204" pitchFamily="18" charset="0"/>
+                          </a:rPr>
+                          <m:t>+</m:t>
+                        </m:r>
+                        <m:sSub>
+                          <m:sSubPr>
+                            <m:ctrlPr>
+                              <a:rPr lang="en-US" i="1">
+                                <a:latin typeface="Cambria Math" panose="02040503050406030204" pitchFamily="18" charset="0"/>
+                              </a:rPr>
+                            </m:ctrlPr>
+                          </m:sSubPr>
+                          <m:e>
+                            <m:r>
+                              <a:rPr lang="en-US" i="1">
+                                <a:latin typeface="Cambria Math" panose="02040503050406030204" pitchFamily="18" charset="0"/>
+                              </a:rPr>
+                              <m:t>𝑎</m:t>
+                            </m:r>
+                          </m:e>
+                          <m:sub>
+                            <m:r>
+                              <a:rPr lang="en-US" i="1">
+                                <a:latin typeface="Cambria Math" panose="02040503050406030204" pitchFamily="18" charset="0"/>
+                              </a:rPr>
+                              <m:t>33</m:t>
+                            </m:r>
+                          </m:sub>
+                        </m:sSub>
+                      </m:den>
+                    </m:f>
+                  </m:oMath>
+                </a14:m>
+                <a:endParaRPr lang="en-US" dirty="0" smtClean="0"/>
+              </a:p>
+              <a:p>
+                <a14:m>
+                  <m:oMath xmlns:m="http://schemas.openxmlformats.org/officeDocument/2006/math">
+                    <m:r>
+                      <a:rPr lang="en-US" i="1">
+                        <a:latin typeface="Cambria Math" panose="02040503050406030204" pitchFamily="18" charset="0"/>
+                      </a:rPr>
+                      <m:t>𝑦</m:t>
+                    </m:r>
+                    <m:r>
+                      <a:rPr lang="en-US" i="1">
+                        <a:latin typeface="Cambria Math" panose="02040503050406030204" pitchFamily="18" charset="0"/>
+                      </a:rPr>
+                      <m:t>= </m:t>
+                    </m:r>
+                    <m:f>
+                      <m:fPr>
+                        <m:ctrlPr>
+                          <a:rPr lang="en-US" i="1">
+                            <a:latin typeface="Cambria Math" panose="02040503050406030204" pitchFamily="18" charset="0"/>
+                          </a:rPr>
+                        </m:ctrlPr>
+                      </m:fPr>
+                      <m:num>
+                        <m:r>
+                          <a:rPr lang="en-US" i="1">
+                            <a:latin typeface="Cambria Math" panose="02040503050406030204" pitchFamily="18" charset="0"/>
+                          </a:rPr>
+                          <m:t>𝑦</m:t>
+                        </m:r>
+                        <m:r>
+                          <a:rPr lang="en-US" i="1">
+                            <a:latin typeface="Cambria Math" panose="02040503050406030204" pitchFamily="18" charset="0"/>
+                          </a:rPr>
+                          <m:t>′</m:t>
+                        </m:r>
+                      </m:num>
+                      <m:den>
+                        <m:r>
+                          <a:rPr lang="en-US" i="1">
+                            <a:latin typeface="Cambria Math" panose="02040503050406030204" pitchFamily="18" charset="0"/>
+                          </a:rPr>
+                          <m:t>𝑤</m:t>
+                        </m:r>
+                        <m:r>
+                          <a:rPr lang="en-US" i="1">
+                            <a:latin typeface="Cambria Math" panose="02040503050406030204" pitchFamily="18" charset="0"/>
+                          </a:rPr>
+                          <m:t>′</m:t>
+                        </m:r>
+                      </m:den>
+                    </m:f>
+                    <m:r>
+                      <a:rPr lang="en-US" i="1">
+                        <a:latin typeface="Cambria Math" panose="02040503050406030204" pitchFamily="18" charset="0"/>
+                      </a:rPr>
+                      <m:t>= </m:t>
+                    </m:r>
+                    <m:f>
+                      <m:fPr>
+                        <m:ctrlPr>
+                          <a:rPr lang="en-US" i="1">
+                            <a:latin typeface="Cambria Math" panose="02040503050406030204" pitchFamily="18" charset="0"/>
+                          </a:rPr>
+                        </m:ctrlPr>
+                      </m:fPr>
+                      <m:num>
+                        <m:sSub>
+                          <m:sSubPr>
+                            <m:ctrlPr>
+                              <a:rPr lang="en-US" i="1">
+                                <a:latin typeface="Cambria Math" panose="02040503050406030204" pitchFamily="18" charset="0"/>
+                              </a:rPr>
+                            </m:ctrlPr>
+                          </m:sSubPr>
+                          <m:e>
+                            <m:r>
+                              <a:rPr lang="en-US" i="1">
+                                <a:latin typeface="Cambria Math" panose="02040503050406030204" pitchFamily="18" charset="0"/>
+                              </a:rPr>
+                              <m:t>𝑎</m:t>
+                            </m:r>
+                          </m:e>
+                          <m:sub>
+                            <m:r>
+                              <a:rPr lang="en-US" i="1">
+                                <a:latin typeface="Cambria Math" panose="02040503050406030204" pitchFamily="18" charset="0"/>
+                              </a:rPr>
+                              <m:t>12</m:t>
+                            </m:r>
+                          </m:sub>
+                        </m:sSub>
+                        <m:r>
+                          <a:rPr lang="en-US" i="1">
+                            <a:latin typeface="Cambria Math" panose="02040503050406030204" pitchFamily="18" charset="0"/>
+                          </a:rPr>
+                          <m:t>𝑢</m:t>
+                        </m:r>
+                        <m:r>
+                          <a:rPr lang="en-US" i="1">
+                            <a:latin typeface="Cambria Math" panose="02040503050406030204" pitchFamily="18" charset="0"/>
+                          </a:rPr>
+                          <m:t>+</m:t>
+                        </m:r>
+                        <m:sSub>
+                          <m:sSubPr>
+                            <m:ctrlPr>
+                              <a:rPr lang="en-US" i="1">
+                                <a:latin typeface="Cambria Math" panose="02040503050406030204" pitchFamily="18" charset="0"/>
+                              </a:rPr>
+                            </m:ctrlPr>
+                          </m:sSubPr>
+                          <m:e>
+                            <m:r>
+                              <a:rPr lang="en-US" i="1">
+                                <a:latin typeface="Cambria Math" panose="02040503050406030204" pitchFamily="18" charset="0"/>
+                              </a:rPr>
+                              <m:t>𝑎</m:t>
+                            </m:r>
+                          </m:e>
+                          <m:sub>
+                            <m:r>
+                              <a:rPr lang="en-US" i="1">
+                                <a:latin typeface="Cambria Math" panose="02040503050406030204" pitchFamily="18" charset="0"/>
+                              </a:rPr>
+                              <m:t>22</m:t>
+                            </m:r>
+                          </m:sub>
+                        </m:sSub>
+                        <m:r>
+                          <a:rPr lang="en-US" i="1">
+                            <a:latin typeface="Cambria Math" panose="02040503050406030204" pitchFamily="18" charset="0"/>
+                          </a:rPr>
+                          <m:t>𝑣</m:t>
+                        </m:r>
+                        <m:r>
+                          <a:rPr lang="en-US" i="1">
+                            <a:latin typeface="Cambria Math" panose="02040503050406030204" pitchFamily="18" charset="0"/>
+                          </a:rPr>
+                          <m:t>+</m:t>
+                        </m:r>
+                        <m:sSub>
+                          <m:sSubPr>
+                            <m:ctrlPr>
+                              <a:rPr lang="en-US" i="1">
+                                <a:latin typeface="Cambria Math" panose="02040503050406030204" pitchFamily="18" charset="0"/>
+                              </a:rPr>
+                            </m:ctrlPr>
+                          </m:sSubPr>
+                          <m:e>
+                            <m:r>
+                              <a:rPr lang="en-US" i="1">
+                                <a:latin typeface="Cambria Math" panose="02040503050406030204" pitchFamily="18" charset="0"/>
+                              </a:rPr>
+                              <m:t>𝑎</m:t>
+                            </m:r>
+                          </m:e>
+                          <m:sub>
+                            <m:r>
+                              <a:rPr lang="en-US" i="1">
+                                <a:latin typeface="Cambria Math" panose="02040503050406030204" pitchFamily="18" charset="0"/>
+                              </a:rPr>
+                              <m:t>32</m:t>
+                            </m:r>
+                          </m:sub>
+                        </m:sSub>
+                      </m:num>
+                      <m:den>
+                        <m:sSub>
+                          <m:sSubPr>
+                            <m:ctrlPr>
+                              <a:rPr lang="en-US" i="1">
+                                <a:latin typeface="Cambria Math" panose="02040503050406030204" pitchFamily="18" charset="0"/>
+                              </a:rPr>
+                            </m:ctrlPr>
+                          </m:sSubPr>
+                          <m:e>
+                            <m:r>
+                              <a:rPr lang="en-US" i="1">
+                                <a:latin typeface="Cambria Math" panose="02040503050406030204" pitchFamily="18" charset="0"/>
+                              </a:rPr>
+                              <m:t>𝑎</m:t>
+                            </m:r>
+                          </m:e>
+                          <m:sub>
+                            <m:r>
+                              <a:rPr lang="en-US" i="1">
+                                <a:latin typeface="Cambria Math" panose="02040503050406030204" pitchFamily="18" charset="0"/>
+                              </a:rPr>
+                              <m:t>13</m:t>
+                            </m:r>
+                          </m:sub>
+                        </m:sSub>
+                        <m:r>
+                          <a:rPr lang="en-US" i="1">
+                            <a:latin typeface="Cambria Math" panose="02040503050406030204" pitchFamily="18" charset="0"/>
+                          </a:rPr>
+                          <m:t>𝑢</m:t>
+                        </m:r>
+                        <m:r>
+                          <a:rPr lang="en-US" i="1">
+                            <a:latin typeface="Cambria Math" panose="02040503050406030204" pitchFamily="18" charset="0"/>
+                          </a:rPr>
+                          <m:t>+</m:t>
+                        </m:r>
+                        <m:sSub>
+                          <m:sSubPr>
+                            <m:ctrlPr>
+                              <a:rPr lang="en-US" i="1">
+                                <a:latin typeface="Cambria Math" panose="02040503050406030204" pitchFamily="18" charset="0"/>
+                              </a:rPr>
+                            </m:ctrlPr>
+                          </m:sSubPr>
+                          <m:e>
+                            <m:r>
+                              <a:rPr lang="en-US" i="1">
+                                <a:latin typeface="Cambria Math" panose="02040503050406030204" pitchFamily="18" charset="0"/>
+                              </a:rPr>
+                              <m:t>𝑎</m:t>
+                            </m:r>
+                          </m:e>
+                          <m:sub>
+                            <m:r>
+                              <a:rPr lang="en-US" i="1">
+                                <a:latin typeface="Cambria Math" panose="02040503050406030204" pitchFamily="18" charset="0"/>
+                              </a:rPr>
+                              <m:t>23</m:t>
+                            </m:r>
+                          </m:sub>
+                        </m:sSub>
+                        <m:r>
+                          <a:rPr lang="en-US" i="1">
+                            <a:latin typeface="Cambria Math" panose="02040503050406030204" pitchFamily="18" charset="0"/>
+                          </a:rPr>
+                          <m:t>𝑣</m:t>
+                        </m:r>
+                        <m:r>
+                          <a:rPr lang="en-US" i="1">
+                            <a:latin typeface="Cambria Math" panose="02040503050406030204" pitchFamily="18" charset="0"/>
+                          </a:rPr>
+                          <m:t>+</m:t>
+                        </m:r>
+                        <m:sSub>
+                          <m:sSubPr>
+                            <m:ctrlPr>
+                              <a:rPr lang="en-US" i="1">
+                                <a:latin typeface="Cambria Math" panose="02040503050406030204" pitchFamily="18" charset="0"/>
+                              </a:rPr>
+                            </m:ctrlPr>
+                          </m:sSubPr>
+                          <m:e>
+                            <m:r>
+                              <a:rPr lang="en-US" i="1">
+                                <a:latin typeface="Cambria Math" panose="02040503050406030204" pitchFamily="18" charset="0"/>
+                              </a:rPr>
+                              <m:t>𝑎</m:t>
+                            </m:r>
+                          </m:e>
+                          <m:sub>
+                            <m:r>
+                              <a:rPr lang="en-US" i="1">
+                                <a:latin typeface="Cambria Math" panose="02040503050406030204" pitchFamily="18" charset="0"/>
+                              </a:rPr>
+                              <m:t>33</m:t>
+                            </m:r>
+                          </m:sub>
+                        </m:sSub>
+                      </m:den>
+                    </m:f>
+                  </m:oMath>
+                </a14:m>
+                <a:endParaRPr lang="en-US" dirty="0"/>
+              </a:p>
+            </p:txBody>
+          </p:sp>
+        </mc:Choice>
+        <mc:Fallback xmlns="">
+          <p:sp>
+            <p:nvSpPr>
+              <p:cNvPr id="7" name="Content Placeholder 6"/>
+              <p:cNvSpPr>
+                <a:spLocks noGrp="1" noRot="1" noChangeAspect="1" noMove="1" noResize="1" noEditPoints="1" noAdjustHandles="1" noChangeArrowheads="1" noChangeShapeType="1" noTextEdit="1"/>
+              </p:cNvSpPr>
+              <p:nvPr>
+                <p:ph idx="1"/>
+              </p:nvPr>
+            </p:nvSpPr>
+            <p:spPr>
+              <a:blipFill rotWithShape="0">
+                <a:blip r:embed="rId2"/>
+                <a:stretch>
+                  <a:fillRect l="-286"/>
+                </a:stretch>
+              </a:blipFill>
+            </p:spPr>
+            <p:txBody>
+              <a:bodyPr/>
+              <a:lstStyle/>
+              <a:p>
+                <a:r>
+                  <a:rPr lang="en-US">
+                    <a:noFill/>
+                  </a:rPr>
+                  <a:t> </a:t>
+                </a:r>
+              </a:p>
+            </p:txBody>
+          </p:sp>
+        </mc:Fallback>
+      </mc:AlternateContent>
+    </p:spTree>
+    <p:extLst>
+      <p:ext uri="{BB962C8B-B14F-4D97-AF65-F5344CB8AC3E}">
+        <p14:creationId xmlns:p14="http://schemas.microsoft.com/office/powerpoint/2010/main" val="1242843694"/>
+      </p:ext>
+    </p:extLst>
+  </p:cSld>
+  <p:clrMapOvr>
+    <a:masterClrMapping/>
+  </p:clrMapOvr>
+</p:sld>
+</file>
+
+<file path=ppt/slides/slide15.xml><?xml version="1.0" encoding="utf-8"?>
+<p:sld xmlns:a="http://schemas.openxmlformats.org/drawingml/2006/main" xmlns:r="http://schemas.openxmlformats.org/officeDocument/2006/relationships" xmlns:p="http://schemas.openxmlformats.org/presentationml/2006/main">
+  <p:cSld>
+    <p:spTree>
+      <p:nvGrpSpPr>
+        <p:cNvPr id="1" name=""/>
+        <p:cNvGrpSpPr/>
+        <p:nvPr/>
+      </p:nvGrpSpPr>
+      <p:grpSpPr>
+        <a:xfrm>
+          <a:off x="0" y="0"/>
+          <a:ext cx="0" cy="0"/>
+          <a:chOff x="0" y="0"/>
+          <a:chExt cx="0" cy="0"/>
+        </a:xfrm>
+      </p:grpSpPr>
+      <p:sp>
+        <p:nvSpPr>
+          <p:cNvPr id="2" name="Title 1"/>
+          <p:cNvSpPr>
+            <a:spLocks noGrp="1"/>
+          </p:cNvSpPr>
+          <p:nvPr>
+            <p:ph type="title"/>
+          </p:nvPr>
+        </p:nvSpPr>
+        <p:spPr/>
+        <p:txBody>
+          <a:bodyPr/>
+          <a:lstStyle/>
+          <a:p>
+            <a:r>
+              <a:rPr lang="en-US" dirty="0" smtClean="0"/>
+              <a:t>The Inverse Equations</a:t>
+            </a:r>
+            <a:endParaRPr lang="en-US" dirty="0"/>
+          </a:p>
+        </p:txBody>
+      </p:sp>
+      <mc:AlternateContent xmlns:mc="http://schemas.openxmlformats.org/markup-compatibility/2006">
+        <mc:Choice xmlns:a14="http://schemas.microsoft.com/office/drawing/2010/main" Requires="a14">
           <p:sp>
             <p:nvSpPr>
               <p:cNvPr id="3" name="Content Placeholder 2"/>
@@ -5443,7 +6672,15 @@
               <a:p>
                 <a:r>
                   <a:rPr lang="en-US" dirty="0" smtClean="0"/>
-                  <a:t>The Invers is:</a:t>
+                  <a:t>The </a:t>
+                </a:r>
+                <a:r>
+                  <a:rPr lang="en-US" dirty="0" smtClean="0"/>
+                  <a:t>Inverse </a:t>
+                </a:r>
+                <a:r>
+                  <a:rPr lang="en-US" dirty="0" smtClean="0"/>
+                  <a:t>is:</a:t>
                 </a:r>
               </a:p>
               <a:p>
@@ -5659,7 +6896,7 @@
             </p:txBody>
           </p:sp>
         </mc:Choice>
-        <mc:Fallback xmlns="">
+        <mc:Fallback>
           <p:sp>
             <p:nvSpPr>
               <p:cNvPr id="3" name="Content Placeholder 2"/>
@@ -5706,7 +6943,7 @@
 </p:sld>
 </file>
 
-<file path=ppt/slides/slide11.xml><?xml version="1.0" encoding="utf-8"?>
+<file path=ppt/slides/slide16.xml><?xml version="1.0" encoding="utf-8"?>
 <p:sld xmlns:a="http://schemas.openxmlformats.org/drawingml/2006/main" xmlns:r="http://schemas.openxmlformats.org/officeDocument/2006/relationships" xmlns:p="http://schemas.openxmlformats.org/presentationml/2006/main">
   <p:cSld>
     <p:spTree>
@@ -6244,7 +7481,7 @@
 </p:sld>
 </file>
 
-<file path=ppt/slides/slide12.xml><?xml version="1.0" encoding="utf-8"?>
+<file path=ppt/slides/slide17.xml><?xml version="1.0" encoding="utf-8"?>
 <p:sld xmlns:a="http://schemas.openxmlformats.org/drawingml/2006/main" xmlns:r="http://schemas.openxmlformats.org/officeDocument/2006/relationships" xmlns:p="http://schemas.openxmlformats.org/presentationml/2006/main">
   <p:cSld>
     <p:spTree>
@@ -7092,7 +8329,7 @@
 </p:sld>
 </file>
 
-<file path=ppt/slides/slide13.xml><?xml version="1.0" encoding="utf-8"?>
+<file path=ppt/slides/slide18.xml><?xml version="1.0" encoding="utf-8"?>
 <p:sld xmlns:a="http://schemas.openxmlformats.org/drawingml/2006/main" xmlns:r="http://schemas.openxmlformats.org/officeDocument/2006/relationships" xmlns:p="http://schemas.openxmlformats.org/presentationml/2006/main">
   <p:cSld>
     <p:spTree>
@@ -8932,7 +10169,7 @@
 </p:sld>
 </file>
 
-<file path=ppt/slides/slide14.xml><?xml version="1.0" encoding="utf-8"?>
+<file path=ppt/slides/slide19.xml><?xml version="1.0" encoding="utf-8"?>
 <p:sld xmlns:a="http://schemas.openxmlformats.org/drawingml/2006/main" xmlns:r="http://schemas.openxmlformats.org/officeDocument/2006/relationships" xmlns:p="http://schemas.openxmlformats.org/presentationml/2006/main">
   <p:cSld>
     <p:spTree>
@@ -9007,207 +10244,6 @@
     <p:extLst>
       <p:ext uri="{BB962C8B-B14F-4D97-AF65-F5344CB8AC3E}">
         <p14:creationId xmlns:p14="http://schemas.microsoft.com/office/powerpoint/2010/main" val="3974130409"/>
-      </p:ext>
-    </p:extLst>
-  </p:cSld>
-  <p:clrMapOvr>
-    <a:masterClrMapping/>
-  </p:clrMapOvr>
-</p:sld>
-</file>
-
-<file path=ppt/slides/slide15.xml><?xml version="1.0" encoding="utf-8"?>
-<p:sld xmlns:a="http://schemas.openxmlformats.org/drawingml/2006/main" xmlns:r="http://schemas.openxmlformats.org/officeDocument/2006/relationships" xmlns:p="http://schemas.openxmlformats.org/presentationml/2006/main">
-  <p:cSld>
-    <p:spTree>
-      <p:nvGrpSpPr>
-        <p:cNvPr id="1" name=""/>
-        <p:cNvGrpSpPr/>
-        <p:nvPr/>
-      </p:nvGrpSpPr>
-      <p:grpSpPr>
-        <a:xfrm>
-          <a:off x="0" y="0"/>
-          <a:ext cx="0" cy="0"/>
-          <a:chOff x="0" y="0"/>
-          <a:chExt cx="0" cy="0"/>
-        </a:xfrm>
-      </p:grpSpPr>
-      <p:sp>
-        <p:nvSpPr>
-          <p:cNvPr id="2" name="Title 1"/>
-          <p:cNvSpPr>
-            <a:spLocks noGrp="1"/>
-          </p:cNvSpPr>
-          <p:nvPr>
-            <p:ph type="title"/>
-          </p:nvPr>
-        </p:nvSpPr>
-        <p:spPr/>
-        <p:txBody>
-          <a:bodyPr/>
-          <a:lstStyle/>
-          <a:p>
-            <a:r>
-              <a:rPr lang="en-US" dirty="0" smtClean="0"/>
-              <a:t>Case 3: Quadrilateral to Quadrilateral</a:t>
-            </a:r>
-            <a:endParaRPr lang="en-US" dirty="0"/>
-          </a:p>
-        </p:txBody>
-      </p:sp>
-      <p:sp>
-        <p:nvSpPr>
-          <p:cNvPr id="3" name="Content Placeholder 2"/>
-          <p:cNvSpPr>
-            <a:spLocks noGrp="1"/>
-          </p:cNvSpPr>
-          <p:nvPr>
-            <p:ph idx="1"/>
-          </p:nvPr>
-        </p:nvSpPr>
-        <p:spPr/>
-        <p:txBody>
-          <a:bodyPr/>
-          <a:lstStyle/>
-          <a:p>
-            <a:r>
-              <a:rPr lang="en-US" dirty="0" smtClean="0"/>
-              <a:t>Do case 2 then Case 1</a:t>
-            </a:r>
-            <a:endParaRPr lang="en-US" dirty="0"/>
-          </a:p>
-        </p:txBody>
-      </p:sp>
-    </p:spTree>
-    <p:extLst>
-      <p:ext uri="{BB962C8B-B14F-4D97-AF65-F5344CB8AC3E}">
-        <p14:creationId xmlns:p14="http://schemas.microsoft.com/office/powerpoint/2010/main" val="690822989"/>
-      </p:ext>
-    </p:extLst>
-  </p:cSld>
-  <p:clrMapOvr>
-    <a:masterClrMapping/>
-  </p:clrMapOvr>
-</p:sld>
-</file>
-
-<file path=ppt/slides/slide16.xml><?xml version="1.0" encoding="utf-8"?>
-<p:sld xmlns:a="http://schemas.openxmlformats.org/drawingml/2006/main" xmlns:r="http://schemas.openxmlformats.org/officeDocument/2006/relationships" xmlns:p="http://schemas.openxmlformats.org/presentationml/2006/main">
-  <p:cSld>
-    <p:spTree>
-      <p:nvGrpSpPr>
-        <p:cNvPr id="1" name=""/>
-        <p:cNvGrpSpPr/>
-        <p:nvPr/>
-      </p:nvGrpSpPr>
-      <p:grpSpPr>
-        <a:xfrm>
-          <a:off x="0" y="0"/>
-          <a:ext cx="0" cy="0"/>
-          <a:chOff x="0" y="0"/>
-          <a:chExt cx="0" cy="0"/>
-        </a:xfrm>
-      </p:grpSpPr>
-      <p:sp>
-        <p:nvSpPr>
-          <p:cNvPr id="2" name="TextBox 1"/>
-          <p:cNvSpPr txBox="1"/>
-          <p:nvPr/>
-        </p:nvSpPr>
-        <p:spPr>
-          <a:xfrm>
-            <a:off x="1278082" y="1205345"/>
-            <a:ext cx="6678431" cy="2031325"/>
-          </a:xfrm>
-          <a:prstGeom prst="rect">
-            <a:avLst/>
-          </a:prstGeom>
-          <a:noFill/>
-        </p:spPr>
-        <p:txBody>
-          <a:bodyPr wrap="none" rtlCol="0">
-            <a:spAutoFit/>
-          </a:bodyPr>
-          <a:lstStyle/>
-          <a:p>
-            <a:r>
-              <a:rPr lang="en-US" dirty="0" smtClean="0"/>
-              <a:t>References:</a:t>
-            </a:r>
-          </a:p>
-          <a:p>
-            <a:r>
-              <a:rPr lang="en-US" dirty="0" smtClean="0"/>
-              <a:t>Warping and Morphing of Graphical Objects </a:t>
-            </a:r>
-          </a:p>
-          <a:p>
-            <a:r>
-              <a:rPr lang="en-US" dirty="0"/>
-              <a:t>	</a:t>
-            </a:r>
-            <a:r>
-              <a:rPr lang="en-US" dirty="0" smtClean="0"/>
-              <a:t>by Jonas Gomes, Lucia </a:t>
-            </a:r>
-            <a:r>
-              <a:rPr lang="en-US" dirty="0" err="1" smtClean="0"/>
-              <a:t>Darsa</a:t>
-            </a:r>
-            <a:r>
-              <a:rPr lang="en-US" dirty="0" smtClean="0"/>
-              <a:t>, Bruno Costa, Luiz Velho</a:t>
-            </a:r>
-          </a:p>
-          <a:p>
-            <a:r>
-              <a:rPr lang="en-US" dirty="0" smtClean="0"/>
-              <a:t>Digital Image Warping</a:t>
-            </a:r>
-          </a:p>
-          <a:p>
-            <a:r>
-              <a:rPr lang="en-US" dirty="0"/>
-              <a:t>	</a:t>
-            </a:r>
-            <a:r>
-              <a:rPr lang="en-US" dirty="0" smtClean="0"/>
-              <a:t>by George </a:t>
-            </a:r>
-            <a:r>
-              <a:rPr lang="en-US" dirty="0" err="1" smtClean="0"/>
-              <a:t>Wolberg</a:t>
-            </a:r>
-            <a:endParaRPr lang="en-US" dirty="0" smtClean="0"/>
-          </a:p>
-          <a:p>
-            <a:r>
-              <a:rPr lang="en-US" dirty="0" smtClean="0"/>
-              <a:t>Digital Image Processing </a:t>
-            </a:r>
-          </a:p>
-          <a:p>
-            <a:r>
-              <a:rPr lang="en-US" dirty="0"/>
-              <a:t>	</a:t>
-            </a:r>
-            <a:r>
-              <a:rPr lang="en-US" dirty="0" smtClean="0"/>
-              <a:t>by Rafael C. Gonzalez , Richard E. </a:t>
-            </a:r>
-            <a:r>
-              <a:rPr lang="en-US" smtClean="0"/>
-              <a:t>Woods</a:t>
-            </a:r>
-            <a:endParaRPr lang="en-US" dirty="0"/>
-          </a:p>
-        </p:txBody>
-      </p:sp>
-    </p:spTree>
-    <p:extLst>
-      <p:ext uri="{BB962C8B-B14F-4D97-AF65-F5344CB8AC3E}">
-        <p14:creationId xmlns:p14="http://schemas.microsoft.com/office/powerpoint/2010/main" val="1724105266"/>
       </p:ext>
     </p:extLst>
   </p:cSld>
@@ -9251,7 +10287,7 @@
           <a:p>
             <a:r>
               <a:rPr lang="en-US" dirty="0" smtClean="0"/>
-              <a:t>Multiple Approaches</a:t>
+              <a:t>The basics</a:t>
             </a:r>
             <a:endParaRPr lang="en-US" dirty="0"/>
           </a:p>
@@ -9273,23 +10309,33 @@
           <a:lstStyle/>
           <a:p>
             <a:r>
+              <a:rPr lang="en-US" dirty="0"/>
+              <a:t>Modify the spatial relationship between pixels in an image</a:t>
+            </a:r>
+          </a:p>
+          <a:p>
+            <a:r>
+              <a:rPr lang="en-US" dirty="0"/>
+              <a:t>Consists of 2 basic operations</a:t>
+            </a:r>
+          </a:p>
+          <a:p>
+            <a:pPr lvl="1"/>
+            <a:r>
+              <a:rPr lang="en-US" dirty="0"/>
+              <a:t>Spatial transformation of coordinates</a:t>
+            </a:r>
+          </a:p>
+          <a:p>
+            <a:pPr lvl="1"/>
+            <a:r>
+              <a:rPr lang="en-US" dirty="0"/>
+              <a:t>Intensity </a:t>
+            </a:r>
+            <a:r>
               <a:rPr lang="en-US" dirty="0" smtClean="0"/>
-              <a:t>Affine</a:t>
-            </a:r>
-          </a:p>
-          <a:p>
-            <a:r>
-              <a:rPr lang="en-US" dirty="0" smtClean="0"/>
-              <a:t>Bilinear Transformation</a:t>
-            </a:r>
-          </a:p>
-          <a:p>
-            <a:r>
-              <a:rPr lang="en-US" dirty="0" smtClean="0"/>
-              <a:t>Perspective</a:t>
-            </a:r>
-          </a:p>
-          <a:p>
+              <a:t>interpolation</a:t>
+            </a:r>
             <a:endParaRPr lang="en-US" dirty="0"/>
           </a:p>
         </p:txBody>
@@ -9297,7 +10343,208 @@
     </p:spTree>
     <p:extLst>
       <p:ext uri="{BB962C8B-B14F-4D97-AF65-F5344CB8AC3E}">
-        <p14:creationId xmlns:p14="http://schemas.microsoft.com/office/powerpoint/2010/main" val="1608886606"/>
+        <p14:creationId xmlns:p14="http://schemas.microsoft.com/office/powerpoint/2010/main" val="768394349"/>
+      </p:ext>
+    </p:extLst>
+  </p:cSld>
+  <p:clrMapOvr>
+    <a:masterClrMapping/>
+  </p:clrMapOvr>
+</p:sld>
+</file>
+
+<file path=ppt/slides/slide20.xml><?xml version="1.0" encoding="utf-8"?>
+<p:sld xmlns:a="http://schemas.openxmlformats.org/drawingml/2006/main" xmlns:r="http://schemas.openxmlformats.org/officeDocument/2006/relationships" xmlns:p="http://schemas.openxmlformats.org/presentationml/2006/main">
+  <p:cSld>
+    <p:spTree>
+      <p:nvGrpSpPr>
+        <p:cNvPr id="1" name=""/>
+        <p:cNvGrpSpPr/>
+        <p:nvPr/>
+      </p:nvGrpSpPr>
+      <p:grpSpPr>
+        <a:xfrm>
+          <a:off x="0" y="0"/>
+          <a:ext cx="0" cy="0"/>
+          <a:chOff x="0" y="0"/>
+          <a:chExt cx="0" cy="0"/>
+        </a:xfrm>
+      </p:grpSpPr>
+      <p:sp>
+        <p:nvSpPr>
+          <p:cNvPr id="2" name="Title 1"/>
+          <p:cNvSpPr>
+            <a:spLocks noGrp="1"/>
+          </p:cNvSpPr>
+          <p:nvPr>
+            <p:ph type="title"/>
+          </p:nvPr>
+        </p:nvSpPr>
+        <p:spPr/>
+        <p:txBody>
+          <a:bodyPr/>
+          <a:lstStyle/>
+          <a:p>
+            <a:r>
+              <a:rPr lang="en-US" dirty="0" smtClean="0"/>
+              <a:t>Case 3: Quadrilateral to Quadrilateral</a:t>
+            </a:r>
+            <a:endParaRPr lang="en-US" dirty="0"/>
+          </a:p>
+        </p:txBody>
+      </p:sp>
+      <p:sp>
+        <p:nvSpPr>
+          <p:cNvPr id="3" name="Content Placeholder 2"/>
+          <p:cNvSpPr>
+            <a:spLocks noGrp="1"/>
+          </p:cNvSpPr>
+          <p:nvPr>
+            <p:ph idx="1"/>
+          </p:nvPr>
+        </p:nvSpPr>
+        <p:spPr/>
+        <p:txBody>
+          <a:bodyPr/>
+          <a:lstStyle/>
+          <a:p>
+            <a:r>
+              <a:rPr lang="en-US" dirty="0" smtClean="0"/>
+              <a:t>Do case 2 then Case 1</a:t>
+            </a:r>
+            <a:endParaRPr lang="en-US" dirty="0"/>
+          </a:p>
+        </p:txBody>
+      </p:sp>
+    </p:spTree>
+    <p:extLst>
+      <p:ext uri="{BB962C8B-B14F-4D97-AF65-F5344CB8AC3E}">
+        <p14:creationId xmlns:p14="http://schemas.microsoft.com/office/powerpoint/2010/main" val="690822989"/>
+      </p:ext>
+    </p:extLst>
+  </p:cSld>
+  <p:clrMapOvr>
+    <a:masterClrMapping/>
+  </p:clrMapOvr>
+</p:sld>
+</file>
+
+<file path=ppt/slides/slide21.xml><?xml version="1.0" encoding="utf-8"?>
+<p:sld xmlns:a="http://schemas.openxmlformats.org/drawingml/2006/main" xmlns:r="http://schemas.openxmlformats.org/officeDocument/2006/relationships" xmlns:p="http://schemas.openxmlformats.org/presentationml/2006/main">
+  <p:cSld>
+    <p:spTree>
+      <p:nvGrpSpPr>
+        <p:cNvPr id="1" name=""/>
+        <p:cNvGrpSpPr/>
+        <p:nvPr/>
+      </p:nvGrpSpPr>
+      <p:grpSpPr>
+        <a:xfrm>
+          <a:off x="0" y="0"/>
+          <a:ext cx="0" cy="0"/>
+          <a:chOff x="0" y="0"/>
+          <a:chExt cx="0" cy="0"/>
+        </a:xfrm>
+      </p:grpSpPr>
+      <p:sp>
+        <p:nvSpPr>
+          <p:cNvPr id="2" name="TextBox 1"/>
+          <p:cNvSpPr txBox="1"/>
+          <p:nvPr/>
+        </p:nvSpPr>
+        <p:spPr>
+          <a:xfrm>
+            <a:off x="1278082" y="1205345"/>
+            <a:ext cx="6678431" cy="2031325"/>
+          </a:xfrm>
+          <a:prstGeom prst="rect">
+            <a:avLst/>
+          </a:prstGeom>
+          <a:noFill/>
+        </p:spPr>
+        <p:txBody>
+          <a:bodyPr wrap="none" rtlCol="0">
+            <a:spAutoFit/>
+          </a:bodyPr>
+          <a:lstStyle/>
+          <a:p>
+            <a:r>
+              <a:rPr lang="en-US" dirty="0" smtClean="0"/>
+              <a:t>References:</a:t>
+            </a:r>
+          </a:p>
+          <a:p>
+            <a:r>
+              <a:rPr lang="en-US" dirty="0" smtClean="0"/>
+              <a:t>Warping and Morphing of Graphical Objects </a:t>
+            </a:r>
+          </a:p>
+          <a:p>
+            <a:r>
+              <a:rPr lang="en-US" dirty="0"/>
+              <a:t>	</a:t>
+            </a:r>
+            <a:r>
+              <a:rPr lang="en-US" dirty="0" smtClean="0"/>
+              <a:t>by Jonas Gomes, Lucia </a:t>
+            </a:r>
+            <a:r>
+              <a:rPr lang="en-US" dirty="0" err="1" smtClean="0"/>
+              <a:t>Darsa</a:t>
+            </a:r>
+            <a:r>
+              <a:rPr lang="en-US" dirty="0" smtClean="0"/>
+              <a:t>, Bruno Costa, Luiz Velho</a:t>
+            </a:r>
+          </a:p>
+          <a:p>
+            <a:r>
+              <a:rPr lang="en-US" dirty="0" smtClean="0"/>
+              <a:t>Digital Image Warping</a:t>
+            </a:r>
+          </a:p>
+          <a:p>
+            <a:r>
+              <a:rPr lang="en-US" dirty="0"/>
+              <a:t>	</a:t>
+            </a:r>
+            <a:r>
+              <a:rPr lang="en-US" dirty="0" smtClean="0"/>
+              <a:t>by George </a:t>
+            </a:r>
+            <a:r>
+              <a:rPr lang="en-US" dirty="0" err="1" smtClean="0"/>
+              <a:t>Wolberg</a:t>
+            </a:r>
+            <a:endParaRPr lang="en-US" dirty="0" smtClean="0"/>
+          </a:p>
+          <a:p>
+            <a:r>
+              <a:rPr lang="en-US" dirty="0" smtClean="0"/>
+              <a:t>Digital Image Processing </a:t>
+            </a:r>
+          </a:p>
+          <a:p>
+            <a:r>
+              <a:rPr lang="en-US" dirty="0"/>
+              <a:t>	</a:t>
+            </a:r>
+            <a:r>
+              <a:rPr lang="en-US" dirty="0" smtClean="0"/>
+              <a:t>by Rafael C. Gonzalez , Richard E. </a:t>
+            </a:r>
+            <a:r>
+              <a:rPr lang="en-US" smtClean="0"/>
+              <a:t>Woods</a:t>
+            </a:r>
+            <a:endParaRPr lang="en-US" dirty="0"/>
+          </a:p>
+        </p:txBody>
+      </p:sp>
+    </p:spTree>
+    <p:extLst>
+      <p:ext uri="{BB962C8B-B14F-4D97-AF65-F5344CB8AC3E}">
+        <p14:creationId xmlns:p14="http://schemas.microsoft.com/office/powerpoint/2010/main" val="1724105266"/>
       </p:ext>
     </p:extLst>
   </p:cSld>
@@ -9341,7 +10588,7 @@
           <a:p>
             <a:r>
               <a:rPr lang="en-US" dirty="0" smtClean="0"/>
-              <a:t>Affine Transformation</a:t>
+              <a:t>Multiple Approaches</a:t>
             </a:r>
             <a:endParaRPr lang="en-US" dirty="0"/>
           </a:p>
@@ -9349,12 +10596,12 @@
       </p:sp>
       <p:sp>
         <p:nvSpPr>
-          <p:cNvPr id="3" name="Text Placeholder 2"/>
+          <p:cNvPr id="3" name="Content Placeholder 2"/>
           <p:cNvSpPr>
             <a:spLocks noGrp="1"/>
           </p:cNvSpPr>
           <p:nvPr>
-            <p:ph type="body" idx="1"/>
+            <p:ph idx="1"/>
           </p:nvPr>
         </p:nvSpPr>
         <p:spPr/>
@@ -9362,14 +10609,32 @@
           <a:bodyPr/>
           <a:lstStyle/>
           <a:p>
-            <a:endParaRPr lang="en-US"/>
+            <a:r>
+              <a:rPr lang="en-US" dirty="0" smtClean="0"/>
+              <a:t>Affine</a:t>
+            </a:r>
+          </a:p>
+          <a:p>
+            <a:r>
+              <a:rPr lang="en-US" dirty="0" smtClean="0"/>
+              <a:t>Bilinear Transformation</a:t>
+            </a:r>
+          </a:p>
+          <a:p>
+            <a:r>
+              <a:rPr lang="en-US" dirty="0" smtClean="0"/>
+              <a:t>Perspective</a:t>
+            </a:r>
+          </a:p>
+          <a:p>
+            <a:endParaRPr lang="en-US" dirty="0"/>
           </a:p>
         </p:txBody>
       </p:sp>
     </p:spTree>
     <p:extLst>
       <p:ext uri="{BB962C8B-B14F-4D97-AF65-F5344CB8AC3E}">
-        <p14:creationId xmlns:p14="http://schemas.microsoft.com/office/powerpoint/2010/main" val="4081831385"/>
+        <p14:creationId xmlns:p14="http://schemas.microsoft.com/office/powerpoint/2010/main" val="1608886606"/>
       </p:ext>
     </p:extLst>
   </p:cSld>
@@ -9413,7 +10678,7 @@
           <a:p>
             <a:r>
               <a:rPr lang="en-US" dirty="0" smtClean="0"/>
-              <a:t>Not the Best Solution</a:t>
+              <a:t>Affine Transformation</a:t>
             </a:r>
             <a:endParaRPr lang="en-US" dirty="0"/>
           </a:p>
@@ -9421,12 +10686,12 @@
       </p:sp>
       <p:sp>
         <p:nvSpPr>
-          <p:cNvPr id="3" name="Content Placeholder 2"/>
+          <p:cNvPr id="3" name="Text Placeholder 2"/>
           <p:cNvSpPr>
             <a:spLocks noGrp="1"/>
           </p:cNvSpPr>
           <p:nvPr>
-            <p:ph idx="1"/>
+            <p:ph type="body" idx="1"/>
           </p:nvPr>
         </p:nvSpPr>
         <p:spPr/>
@@ -9434,67 +10699,14 @@
           <a:bodyPr/>
           <a:lstStyle/>
           <a:p>
-            <a:r>
-              <a:rPr lang="en-US" dirty="0" smtClean="0"/>
-              <a:t>Works well On Triangles to Triangles</a:t>
-            </a:r>
-          </a:p>
-          <a:p>
-            <a:r>
-              <a:rPr lang="en-US" dirty="0" smtClean="0"/>
-              <a:t>Done Piecewise on other shapes</a:t>
-            </a:r>
-          </a:p>
-          <a:p>
-            <a:r>
-              <a:rPr lang="en-US" dirty="0" smtClean="0"/>
-              <a:t>The transformation is Continuous</a:t>
-            </a:r>
-          </a:p>
-          <a:p>
-            <a:pPr lvl="1"/>
-            <a:r>
-              <a:rPr lang="en-US" dirty="0" smtClean="0"/>
-              <a:t>But there is discontinuity in the first derivative</a:t>
-            </a:r>
-            <a:endParaRPr lang="en-US" dirty="0"/>
+            <a:endParaRPr lang="en-US"/>
           </a:p>
         </p:txBody>
       </p:sp>
-      <p:pic>
-        <p:nvPicPr>
-          <p:cNvPr id="7" name="Picture 6"/>
-          <p:cNvPicPr>
-            <a:picLocks noChangeAspect="1"/>
-          </p:cNvPicPr>
-          <p:nvPr/>
-        </p:nvPicPr>
-        <p:blipFill>
-          <a:blip r:embed="rId2">
-            <a:extLst>
-              <a:ext uri="{28A0092B-C50C-407E-A947-70E740481C1C}">
-                <a14:useLocalDpi xmlns:a14="http://schemas.microsoft.com/office/drawing/2010/main" val="0"/>
-              </a:ext>
-            </a:extLst>
-          </a:blip>
-          <a:stretch>
-            <a:fillRect/>
-          </a:stretch>
-        </p:blipFill>
-        <p:spPr>
-          <a:xfrm>
-            <a:off x="6855259" y="1091045"/>
-            <a:ext cx="4726706" cy="2836719"/>
-          </a:xfrm>
-          <a:prstGeom prst="rect">
-            <a:avLst/>
-          </a:prstGeom>
-        </p:spPr>
-      </p:pic>
     </p:spTree>
     <p:extLst>
       <p:ext uri="{BB962C8B-B14F-4D97-AF65-F5344CB8AC3E}">
-        <p14:creationId xmlns:p14="http://schemas.microsoft.com/office/powerpoint/2010/main" val="4098256161"/>
+        <p14:creationId xmlns:p14="http://schemas.microsoft.com/office/powerpoint/2010/main" val="4081831385"/>
       </p:ext>
     </p:extLst>
   </p:cSld>
@@ -9523,7 +10735,7 @@
       </p:grpSpPr>
       <p:sp>
         <p:nvSpPr>
-          <p:cNvPr id="2" name="Title 1"/>
+          <p:cNvPr id="4" name="Title 3"/>
           <p:cNvSpPr>
             <a:spLocks noGrp="1"/>
           </p:cNvSpPr>
@@ -9538,39 +10750,534 @@
           <a:p>
             <a:r>
               <a:rPr lang="en-US" dirty="0" smtClean="0"/>
-              <a:t>Bilinear and Perspective</a:t>
+              <a:t>Affine Transformations</a:t>
             </a:r>
             <a:endParaRPr lang="en-US" dirty="0"/>
           </a:p>
         </p:txBody>
       </p:sp>
-      <p:sp>
-        <p:nvSpPr>
-          <p:cNvPr id="3" name="Text Placeholder 2"/>
-          <p:cNvSpPr>
-            <a:spLocks noGrp="1"/>
-          </p:cNvSpPr>
-          <p:nvPr>
-            <p:ph type="body" idx="1"/>
-          </p:nvPr>
-        </p:nvSpPr>
-        <p:spPr/>
-        <p:txBody>
-          <a:bodyPr/>
-          <a:lstStyle/>
-          <a:p>
-            <a:r>
-              <a:rPr lang="en-US" dirty="0" smtClean="0"/>
-              <a:t>The two useful ones</a:t>
-            </a:r>
-            <a:endParaRPr lang="en-US" dirty="0"/>
-          </a:p>
-        </p:txBody>
-      </p:sp>
+      <mc:AlternateContent xmlns:mc="http://schemas.openxmlformats.org/markup-compatibility/2006">
+        <mc:Choice xmlns:a14="http://schemas.microsoft.com/office/drawing/2010/main" Requires="a14">
+          <p:sp>
+            <p:nvSpPr>
+              <p:cNvPr id="5" name="Content Placeholder 4"/>
+              <p:cNvSpPr>
+                <a:spLocks noGrp="1"/>
+              </p:cNvSpPr>
+              <p:nvPr>
+                <p:ph idx="1"/>
+              </p:nvPr>
+            </p:nvSpPr>
+            <p:spPr/>
+            <p:txBody>
+              <a:bodyPr/>
+              <a:lstStyle/>
+              <a:p>
+                <a:r>
+                  <a:rPr lang="en-US" dirty="0"/>
+                  <a:t>Transform an image using the affine transformation matrix</a:t>
+                </a:r>
+              </a:p>
+              <a:p>
+                <a14:m>
+                  <m:oMath xmlns:m="http://schemas.openxmlformats.org/officeDocument/2006/math">
+                    <m:d>
+                      <m:dPr>
+                        <m:begChr m:val="["/>
+                        <m:endChr m:val="]"/>
+                        <m:ctrlPr>
+                          <a:rPr lang="en-US" i="1">
+                            <a:latin typeface="Cambria Math" panose="02040503050406030204" pitchFamily="18" charset="0"/>
+                          </a:rPr>
+                        </m:ctrlPr>
+                      </m:dPr>
+                      <m:e>
+                        <m:m>
+                          <m:mPr>
+                            <m:mcs>
+                              <m:mc>
+                                <m:mcPr>
+                                  <m:count m:val="3"/>
+                                  <m:mcJc m:val="center"/>
+                                </m:mcPr>
+                              </m:mc>
+                            </m:mcs>
+                            <m:ctrlPr>
+                              <a:rPr lang="en-US" i="1">
+                                <a:latin typeface="Cambria Math" panose="02040503050406030204" pitchFamily="18" charset="0"/>
+                              </a:rPr>
+                            </m:ctrlPr>
+                          </m:mPr>
+                          <m:mr>
+                            <m:e>
+                              <m:r>
+                                <m:rPr>
+                                  <m:brk m:alnAt="7"/>
+                                </m:rPr>
+                                <a:rPr lang="en-US" i="1">
+                                  <a:latin typeface="Cambria Math" panose="02040503050406030204" pitchFamily="18" charset="0"/>
+                                </a:rPr>
+                                <m:t>𝑥</m:t>
+                              </m:r>
+                            </m:e>
+                            <m:e>
+                              <m:r>
+                                <a:rPr lang="en-US" i="1">
+                                  <a:latin typeface="Cambria Math" panose="02040503050406030204" pitchFamily="18" charset="0"/>
+                                </a:rPr>
+                                <m:t>𝑦</m:t>
+                              </m:r>
+                            </m:e>
+                            <m:e>
+                              <m:r>
+                                <a:rPr lang="en-US" i="1">
+                                  <a:latin typeface="Cambria Math" panose="02040503050406030204" pitchFamily="18" charset="0"/>
+                                </a:rPr>
+                                <m:t>1</m:t>
+                              </m:r>
+                            </m:e>
+                          </m:mr>
+                        </m:m>
+                      </m:e>
+                    </m:d>
+                    <m:r>
+                      <a:rPr lang="en-US" i="1">
+                        <a:latin typeface="Cambria Math" panose="02040503050406030204" pitchFamily="18" charset="0"/>
+                      </a:rPr>
+                      <m:t>= </m:t>
+                    </m:r>
+                    <m:d>
+                      <m:dPr>
+                        <m:begChr m:val="["/>
+                        <m:endChr m:val="]"/>
+                        <m:ctrlPr>
+                          <a:rPr lang="en-US" i="1">
+                            <a:latin typeface="Cambria Math" panose="02040503050406030204" pitchFamily="18" charset="0"/>
+                          </a:rPr>
+                        </m:ctrlPr>
+                      </m:dPr>
+                      <m:e>
+                        <m:m>
+                          <m:mPr>
+                            <m:mcs>
+                              <m:mc>
+                                <m:mcPr>
+                                  <m:count m:val="3"/>
+                                  <m:mcJc m:val="center"/>
+                                </m:mcPr>
+                              </m:mc>
+                            </m:mcs>
+                            <m:ctrlPr>
+                              <a:rPr lang="en-US" i="1">
+                                <a:latin typeface="Cambria Math" panose="02040503050406030204" pitchFamily="18" charset="0"/>
+                              </a:rPr>
+                            </m:ctrlPr>
+                          </m:mPr>
+                          <m:mr>
+                            <m:e>
+                              <m:r>
+                                <m:rPr>
+                                  <m:brk m:alnAt="7"/>
+                                </m:rPr>
+                                <a:rPr lang="en-US" i="1">
+                                  <a:latin typeface="Cambria Math" panose="02040503050406030204" pitchFamily="18" charset="0"/>
+                                </a:rPr>
+                                <m:t>𝑣</m:t>
+                              </m:r>
+                            </m:e>
+                            <m:e>
+                              <m:r>
+                                <a:rPr lang="en-US" i="1">
+                                  <a:latin typeface="Cambria Math" panose="02040503050406030204" pitchFamily="18" charset="0"/>
+                                </a:rPr>
+                                <m:t>𝑤</m:t>
+                              </m:r>
+                            </m:e>
+                            <m:e>
+                              <m:r>
+                                <a:rPr lang="en-US" i="1">
+                                  <a:latin typeface="Cambria Math" panose="02040503050406030204" pitchFamily="18" charset="0"/>
+                                </a:rPr>
+                                <m:t>1</m:t>
+                              </m:r>
+                            </m:e>
+                          </m:mr>
+                        </m:m>
+                      </m:e>
+                    </m:d>
+                    <m:r>
+                      <a:rPr lang="en-US" i="1">
+                        <a:latin typeface="Cambria Math" panose="02040503050406030204" pitchFamily="18" charset="0"/>
+                      </a:rPr>
+                      <m:t>𝑇</m:t>
+                    </m:r>
+                    <m:r>
+                      <a:rPr lang="en-US" i="1">
+                        <a:latin typeface="Cambria Math" panose="02040503050406030204" pitchFamily="18" charset="0"/>
+                      </a:rPr>
+                      <m:t>= </m:t>
+                    </m:r>
+                    <m:d>
+                      <m:dPr>
+                        <m:begChr m:val="["/>
+                        <m:endChr m:val="]"/>
+                        <m:ctrlPr>
+                          <a:rPr lang="en-US" i="1">
+                            <a:latin typeface="Cambria Math" panose="02040503050406030204" pitchFamily="18" charset="0"/>
+                          </a:rPr>
+                        </m:ctrlPr>
+                      </m:dPr>
+                      <m:e>
+                        <m:m>
+                          <m:mPr>
+                            <m:mcs>
+                              <m:mc>
+                                <m:mcPr>
+                                  <m:count m:val="3"/>
+                                  <m:mcJc m:val="center"/>
+                                </m:mcPr>
+                              </m:mc>
+                            </m:mcs>
+                            <m:ctrlPr>
+                              <a:rPr lang="en-US" i="1">
+                                <a:latin typeface="Cambria Math" panose="02040503050406030204" pitchFamily="18" charset="0"/>
+                              </a:rPr>
+                            </m:ctrlPr>
+                          </m:mPr>
+                          <m:mr>
+                            <m:e>
+                              <m:r>
+                                <m:rPr>
+                                  <m:brk m:alnAt="7"/>
+                                </m:rPr>
+                                <a:rPr lang="en-US" i="1">
+                                  <a:latin typeface="Cambria Math" panose="02040503050406030204" pitchFamily="18" charset="0"/>
+                                </a:rPr>
+                                <m:t>𝑣</m:t>
+                              </m:r>
+                            </m:e>
+                            <m:e>
+                              <m:r>
+                                <a:rPr lang="en-US" i="1">
+                                  <a:latin typeface="Cambria Math" panose="02040503050406030204" pitchFamily="18" charset="0"/>
+                                </a:rPr>
+                                <m:t>𝑤</m:t>
+                              </m:r>
+                            </m:e>
+                            <m:e>
+                              <m:r>
+                                <a:rPr lang="en-US" i="1">
+                                  <a:latin typeface="Cambria Math" panose="02040503050406030204" pitchFamily="18" charset="0"/>
+                                </a:rPr>
+                                <m:t>1</m:t>
+                              </m:r>
+                            </m:e>
+                          </m:mr>
+                        </m:m>
+                      </m:e>
+                    </m:d>
+                    <m:d>
+                      <m:dPr>
+                        <m:begChr m:val="["/>
+                        <m:endChr m:val="]"/>
+                        <m:ctrlPr>
+                          <a:rPr lang="en-US" i="1">
+                            <a:latin typeface="Cambria Math" panose="02040503050406030204" pitchFamily="18" charset="0"/>
+                          </a:rPr>
+                        </m:ctrlPr>
+                      </m:dPr>
+                      <m:e>
+                        <m:m>
+                          <m:mPr>
+                            <m:mcs>
+                              <m:mc>
+                                <m:mcPr>
+                                  <m:count m:val="3"/>
+                                  <m:mcJc m:val="center"/>
+                                </m:mcPr>
+                              </m:mc>
+                            </m:mcs>
+                            <m:ctrlPr>
+                              <a:rPr lang="en-US" i="1">
+                                <a:latin typeface="Cambria Math" panose="02040503050406030204" pitchFamily="18" charset="0"/>
+                              </a:rPr>
+                            </m:ctrlPr>
+                          </m:mPr>
+                          <m:mr>
+                            <m:e>
+                              <m:sSub>
+                                <m:sSubPr>
+                                  <m:ctrlPr>
+                                    <a:rPr lang="en-US" i="1">
+                                      <a:latin typeface="Cambria Math" panose="02040503050406030204" pitchFamily="18" charset="0"/>
+                                    </a:rPr>
+                                  </m:ctrlPr>
+                                </m:sSubPr>
+                                <m:e>
+                                  <m:r>
+                                    <a:rPr lang="en-US" i="1">
+                                      <a:latin typeface="Cambria Math" panose="02040503050406030204" pitchFamily="18" charset="0"/>
+                                    </a:rPr>
+                                    <m:t>𝑡</m:t>
+                                  </m:r>
+                                </m:e>
+                                <m:sub>
+                                  <m:r>
+                                    <a:rPr lang="en-US" i="1">
+                                      <a:latin typeface="Cambria Math" panose="02040503050406030204" pitchFamily="18" charset="0"/>
+                                    </a:rPr>
+                                    <m:t>11</m:t>
+                                  </m:r>
+                                </m:sub>
+                              </m:sSub>
+                            </m:e>
+                            <m:e>
+                              <m:sSub>
+                                <m:sSubPr>
+                                  <m:ctrlPr>
+                                    <a:rPr lang="en-US" i="1">
+                                      <a:latin typeface="Cambria Math" panose="02040503050406030204" pitchFamily="18" charset="0"/>
+                                    </a:rPr>
+                                  </m:ctrlPr>
+                                </m:sSubPr>
+                                <m:e>
+                                  <m:r>
+                                    <a:rPr lang="en-US" i="1">
+                                      <a:latin typeface="Cambria Math" panose="02040503050406030204" pitchFamily="18" charset="0"/>
+                                    </a:rPr>
+                                    <m:t>𝑡</m:t>
+                                  </m:r>
+                                </m:e>
+                                <m:sub>
+                                  <m:r>
+                                    <a:rPr lang="en-US" i="1">
+                                      <a:latin typeface="Cambria Math" panose="02040503050406030204" pitchFamily="18" charset="0"/>
+                                    </a:rPr>
+                                    <m:t>12</m:t>
+                                  </m:r>
+                                </m:sub>
+                              </m:sSub>
+                            </m:e>
+                            <m:e>
+                              <m:r>
+                                <a:rPr lang="en-US" i="1">
+                                  <a:latin typeface="Cambria Math" panose="02040503050406030204" pitchFamily="18" charset="0"/>
+                                </a:rPr>
+                                <m:t>0</m:t>
+                              </m:r>
+                            </m:e>
+                          </m:mr>
+                          <m:mr>
+                            <m:e>
+                              <m:sSub>
+                                <m:sSubPr>
+                                  <m:ctrlPr>
+                                    <a:rPr lang="en-US" i="1">
+                                      <a:latin typeface="Cambria Math" panose="02040503050406030204" pitchFamily="18" charset="0"/>
+                                    </a:rPr>
+                                  </m:ctrlPr>
+                                </m:sSubPr>
+                                <m:e>
+                                  <m:r>
+                                    <a:rPr lang="en-US" i="1">
+                                      <a:latin typeface="Cambria Math" panose="02040503050406030204" pitchFamily="18" charset="0"/>
+                                    </a:rPr>
+                                    <m:t>𝑡</m:t>
+                                  </m:r>
+                                </m:e>
+                                <m:sub>
+                                  <m:r>
+                                    <a:rPr lang="en-US" i="1">
+                                      <a:latin typeface="Cambria Math" panose="02040503050406030204" pitchFamily="18" charset="0"/>
+                                    </a:rPr>
+                                    <m:t>21</m:t>
+                                  </m:r>
+                                </m:sub>
+                              </m:sSub>
+                            </m:e>
+                            <m:e>
+                              <m:sSub>
+                                <m:sSubPr>
+                                  <m:ctrlPr>
+                                    <a:rPr lang="en-US" i="1">
+                                      <a:latin typeface="Cambria Math" panose="02040503050406030204" pitchFamily="18" charset="0"/>
+                                    </a:rPr>
+                                  </m:ctrlPr>
+                                </m:sSubPr>
+                                <m:e>
+                                  <m:r>
+                                    <a:rPr lang="en-US" i="1">
+                                      <a:latin typeface="Cambria Math" panose="02040503050406030204" pitchFamily="18" charset="0"/>
+                                    </a:rPr>
+                                    <m:t>𝑡</m:t>
+                                  </m:r>
+                                </m:e>
+                                <m:sub>
+                                  <m:r>
+                                    <a:rPr lang="en-US" i="1">
+                                      <a:latin typeface="Cambria Math" panose="02040503050406030204" pitchFamily="18" charset="0"/>
+                                    </a:rPr>
+                                    <m:t>22</m:t>
+                                  </m:r>
+                                </m:sub>
+                              </m:sSub>
+                            </m:e>
+                            <m:e>
+                              <m:r>
+                                <a:rPr lang="en-US" i="1">
+                                  <a:latin typeface="Cambria Math" panose="02040503050406030204" pitchFamily="18" charset="0"/>
+                                </a:rPr>
+                                <m:t>0</m:t>
+                              </m:r>
+                            </m:e>
+                          </m:mr>
+                          <m:mr>
+                            <m:e>
+                              <m:sSub>
+                                <m:sSubPr>
+                                  <m:ctrlPr>
+                                    <a:rPr lang="en-US" i="1">
+                                      <a:latin typeface="Cambria Math" panose="02040503050406030204" pitchFamily="18" charset="0"/>
+                                    </a:rPr>
+                                  </m:ctrlPr>
+                                </m:sSubPr>
+                                <m:e>
+                                  <m:r>
+                                    <a:rPr lang="en-US" i="1">
+                                      <a:latin typeface="Cambria Math" panose="02040503050406030204" pitchFamily="18" charset="0"/>
+                                    </a:rPr>
+                                    <m:t>𝑡</m:t>
+                                  </m:r>
+                                </m:e>
+                                <m:sub>
+                                  <m:r>
+                                    <a:rPr lang="en-US" i="1">
+                                      <a:latin typeface="Cambria Math" panose="02040503050406030204" pitchFamily="18" charset="0"/>
+                                    </a:rPr>
+                                    <m:t>31</m:t>
+                                  </m:r>
+                                </m:sub>
+                              </m:sSub>
+                            </m:e>
+                            <m:e>
+                              <m:sSub>
+                                <m:sSubPr>
+                                  <m:ctrlPr>
+                                    <a:rPr lang="en-US" i="1">
+                                      <a:latin typeface="Cambria Math" panose="02040503050406030204" pitchFamily="18" charset="0"/>
+                                    </a:rPr>
+                                  </m:ctrlPr>
+                                </m:sSubPr>
+                                <m:e>
+                                  <m:r>
+                                    <a:rPr lang="en-US" i="1">
+                                      <a:latin typeface="Cambria Math" panose="02040503050406030204" pitchFamily="18" charset="0"/>
+                                    </a:rPr>
+                                    <m:t>𝑡</m:t>
+                                  </m:r>
+                                </m:e>
+                                <m:sub>
+                                  <m:r>
+                                    <a:rPr lang="en-US" i="1">
+                                      <a:latin typeface="Cambria Math" panose="02040503050406030204" pitchFamily="18" charset="0"/>
+                                    </a:rPr>
+                                    <m:t>32</m:t>
+                                  </m:r>
+                                </m:sub>
+                              </m:sSub>
+                            </m:e>
+                            <m:e>
+                              <m:r>
+                                <a:rPr lang="en-US" i="1">
+                                  <a:latin typeface="Cambria Math" panose="02040503050406030204" pitchFamily="18" charset="0"/>
+                                </a:rPr>
+                                <m:t>1</m:t>
+                              </m:r>
+                            </m:e>
+                          </m:mr>
+                        </m:m>
+                      </m:e>
+                    </m:d>
+                    <m:r>
+                      <a:rPr lang="en-US" i="1">
+                        <a:latin typeface="Cambria Math" panose="02040503050406030204" pitchFamily="18" charset="0"/>
+                      </a:rPr>
+                      <m:t> </m:t>
+                    </m:r>
+                  </m:oMath>
+                </a14:m>
+                <a:endParaRPr lang="en-US" dirty="0"/>
+              </a:p>
+              <a:p>
+                <a:r>
+                  <a:rPr lang="en-US" dirty="0"/>
+                  <a:t>Scale, rotate, translate, or shear depending on the values in </a:t>
+                </a:r>
+                <a:r>
+                  <a:rPr lang="en-US" i="1" dirty="0"/>
+                  <a:t>T</a:t>
+                </a:r>
+              </a:p>
+              <a:p>
+                <a:r>
+                  <a:rPr lang="en-US" dirty="0"/>
+                  <a:t>Can </a:t>
+                </a:r>
+                <a:r>
+                  <a:rPr lang="en-US" dirty="0" smtClean="0"/>
+                  <a:t>chain </a:t>
+                </a:r>
+                <a:r>
+                  <a:rPr lang="en-US" dirty="0"/>
+                  <a:t>multiple transformations by multiplying their </a:t>
+                </a:r>
+                <a:r>
+                  <a:rPr lang="en-US" dirty="0" smtClean="0"/>
+                  <a:t>matrices</a:t>
+                </a:r>
+                <a:endParaRPr lang="en-US" dirty="0"/>
+              </a:p>
+            </p:txBody>
+          </p:sp>
+        </mc:Choice>
+        <mc:Fallback>
+          <p:sp>
+            <p:nvSpPr>
+              <p:cNvPr id="5" name="Content Placeholder 4"/>
+              <p:cNvSpPr>
+                <a:spLocks noGrp="1" noRot="1" noChangeAspect="1" noMove="1" noResize="1" noEditPoints="1" noAdjustHandles="1" noChangeArrowheads="1" noChangeShapeType="1" noTextEdit="1"/>
+              </p:cNvSpPr>
+              <p:nvPr>
+                <p:ph idx="1"/>
+              </p:nvPr>
+            </p:nvSpPr>
+            <p:spPr>
+              <a:blipFill rotWithShape="0">
+                <a:blip r:embed="rId2"/>
+                <a:stretch>
+                  <a:fillRect l="-286"/>
+                </a:stretch>
+              </a:blipFill>
+            </p:spPr>
+            <p:txBody>
+              <a:bodyPr/>
+              <a:lstStyle/>
+              <a:p>
+                <a:r>
+                  <a:rPr lang="en-US">
+                    <a:noFill/>
+                  </a:rPr>
+                  <a:t> </a:t>
+                </a:r>
+              </a:p>
+            </p:txBody>
+          </p:sp>
+        </mc:Fallback>
+      </mc:AlternateContent>
     </p:spTree>
     <p:extLst>
       <p:ext uri="{BB962C8B-B14F-4D97-AF65-F5344CB8AC3E}">
-        <p14:creationId xmlns:p14="http://schemas.microsoft.com/office/powerpoint/2010/main" val="131088678"/>
+        <p14:creationId xmlns:p14="http://schemas.microsoft.com/office/powerpoint/2010/main" val="4172464430"/>
       </p:ext>
     </p:extLst>
   </p:cSld>
@@ -9607,116 +11314,1955 @@
             <p:ph type="title"/>
           </p:nvPr>
         </p:nvSpPr>
-        <p:spPr/>
+        <p:spPr>
+          <a:xfrm>
+            <a:off x="684212" y="4892581"/>
+            <a:ext cx="8534400" cy="1507067"/>
+          </a:xfrm>
+        </p:spPr>
         <p:txBody>
           <a:bodyPr/>
           <a:lstStyle/>
           <a:p>
             <a:r>
-              <a:rPr lang="en-US" dirty="0" err="1" smtClean="0"/>
-              <a:t>BilINear</a:t>
+              <a:rPr lang="en-US" dirty="0" smtClean="0"/>
+              <a:t>Affine Matrices and </a:t>
+            </a:r>
+            <a:br>
+              <a:rPr lang="en-US" dirty="0" smtClean="0"/>
+            </a:br>
+            <a:r>
+              <a:rPr lang="en-US" dirty="0" smtClean="0"/>
+              <a:t>coordinate equations</a:t>
             </a:r>
             <a:endParaRPr lang="en-US" dirty="0"/>
           </a:p>
         </p:txBody>
       </p:sp>
-      <p:sp>
-        <p:nvSpPr>
-          <p:cNvPr id="3" name="Content Placeholder 2"/>
-          <p:cNvSpPr>
-            <a:spLocks noGrp="1"/>
-          </p:cNvSpPr>
-          <p:nvPr>
-            <p:ph idx="1"/>
-          </p:nvPr>
-        </p:nvSpPr>
-        <p:spPr/>
-        <p:txBody>
-          <a:bodyPr/>
-          <a:lstStyle/>
-          <a:p>
-            <a:pPr marL="0" indent="0">
-              <a:buNone/>
-            </a:pPr>
-            <a:endParaRPr lang="en-US" dirty="0" smtClean="0"/>
-          </a:p>
-          <a:p>
-            <a:r>
-              <a:rPr lang="en-US" dirty="0" smtClean="0"/>
-              <a:t>Pros</a:t>
-            </a:r>
-          </a:p>
-          <a:p>
-            <a:pPr lvl="1"/>
-            <a:r>
-              <a:rPr lang="en-US" dirty="0" smtClean="0"/>
-              <a:t>Non-planar – useful for mapping none 2-D things</a:t>
-            </a:r>
-          </a:p>
-          <a:p>
-            <a:pPr lvl="1"/>
-            <a:r>
-              <a:rPr lang="en-US" dirty="0" smtClean="0"/>
-              <a:t>Very General</a:t>
-            </a:r>
-            <a:endParaRPr lang="en-US" dirty="0"/>
-          </a:p>
-          <a:p>
-            <a:r>
-              <a:rPr lang="en-US" dirty="0" smtClean="0"/>
-              <a:t>Cons</a:t>
-            </a:r>
-          </a:p>
-          <a:p>
-            <a:pPr lvl="1"/>
-            <a:r>
-              <a:rPr lang="en-US" dirty="0" smtClean="0"/>
-              <a:t>Non-planar – none vertical or horizontal lines map to quadratic curves</a:t>
-            </a:r>
-          </a:p>
-          <a:p>
-            <a:pPr lvl="1"/>
-            <a:r>
-              <a:rPr lang="en-US" dirty="0" smtClean="0"/>
-              <a:t>Quadratic in the Inverse</a:t>
-            </a:r>
-          </a:p>
-        </p:txBody>
-      </p:sp>
-      <p:pic>
-        <p:nvPicPr>
-          <p:cNvPr id="4" name="Picture 3"/>
-          <p:cNvPicPr>
-            <a:picLocks noChangeAspect="1"/>
-          </p:cNvPicPr>
-          <p:nvPr/>
-        </p:nvPicPr>
-        <p:blipFill>
-          <a:blip r:embed="rId2">
-            <a:extLst>
-              <a:ext uri="{28A0092B-C50C-407E-A947-70E740481C1C}">
-                <a14:useLocalDpi xmlns:a14="http://schemas.microsoft.com/office/drawing/2010/main" val="0"/>
-              </a:ext>
-            </a:extLst>
-          </a:blip>
-          <a:stretch>
-            <a:fillRect/>
-          </a:stretch>
-        </p:blipFill>
-        <p:spPr>
-          <a:xfrm>
-            <a:off x="5708419" y="3493215"/>
-            <a:ext cx="5441990" cy="3188139"/>
-          </a:xfrm>
-          <a:prstGeom prst="rect">
-            <a:avLst/>
-          </a:prstGeom>
-        </p:spPr>
-      </p:pic>
+      <mc:AlternateContent xmlns:mc="http://schemas.openxmlformats.org/markup-compatibility/2006">
+        <mc:Choice xmlns:a14="http://schemas.microsoft.com/office/drawing/2010/main" Requires="a14">
+          <p:graphicFrame>
+            <p:nvGraphicFramePr>
+              <p:cNvPr id="4" name="Content Placeholder 3"/>
+              <p:cNvGraphicFramePr>
+                <a:graphicFrameLocks noGrp="1"/>
+              </p:cNvGraphicFramePr>
+              <p:nvPr>
+                <p:ph idx="1"/>
+                <p:extLst>
+                  <p:ext uri="{D42A27DB-BD31-4B8C-83A1-F6EECF244321}">
+                    <p14:modId xmlns:p14="http://schemas.microsoft.com/office/powerpoint/2010/main" val="112231162"/>
+                  </p:ext>
+                </p:extLst>
+              </p:nvPr>
+            </p:nvGraphicFramePr>
+            <p:xfrm>
+              <a:off x="684212" y="197427"/>
+              <a:ext cx="8534400" cy="4663441"/>
+            </p:xfrm>
+            <a:graphic>
+              <a:graphicData uri="http://schemas.openxmlformats.org/drawingml/2006/table">
+                <a:tbl>
+                  <a:tblPr firstRow="1" bandRow="1">
+                    <a:tableStyleId>{5C22544A-7EE6-4342-B048-85BDC9FD1C3A}</a:tableStyleId>
+                  </a:tblPr>
+                  <a:tblGrid>
+                    <a:gridCol w="2844800"/>
+                    <a:gridCol w="2844800"/>
+                    <a:gridCol w="2844800"/>
+                  </a:tblGrid>
+                  <a:tr h="370840">
+                    <a:tc>
+                      <a:txBody>
+                        <a:bodyPr/>
+                        <a:lstStyle/>
+                        <a:p>
+                          <a:r>
+                            <a:rPr lang="en-US" dirty="0" smtClean="0"/>
+                            <a:t>Transformation</a:t>
+                          </a:r>
+                          <a:endParaRPr lang="en-US" dirty="0"/>
+                        </a:p>
+                      </a:txBody>
+                      <a:tcPr/>
+                    </a:tc>
+                    <a:tc>
+                      <a:txBody>
+                        <a:bodyPr/>
+                        <a:lstStyle/>
+                        <a:p>
+                          <a:r>
+                            <a:rPr lang="en-US" dirty="0" smtClean="0"/>
+                            <a:t>Affine Matrix </a:t>
+                          </a:r>
+                          <a:r>
+                            <a:rPr lang="en-US" i="1" dirty="0" smtClean="0"/>
+                            <a:t>T</a:t>
+                          </a:r>
+                          <a:endParaRPr lang="en-US" dirty="0"/>
+                        </a:p>
+                      </a:txBody>
+                      <a:tcPr/>
+                    </a:tc>
+                    <a:tc>
+                      <a:txBody>
+                        <a:bodyPr/>
+                        <a:lstStyle/>
+                        <a:p>
+                          <a:r>
+                            <a:rPr lang="en-US" dirty="0" smtClean="0"/>
+                            <a:t>Coordinate Equations</a:t>
+                          </a:r>
+                          <a:endParaRPr lang="en-US" dirty="0"/>
+                        </a:p>
+                      </a:txBody>
+                      <a:tcPr/>
+                    </a:tc>
+                  </a:tr>
+                  <a:tr h="370840">
+                    <a:tc>
+                      <a:txBody>
+                        <a:bodyPr/>
+                        <a:lstStyle/>
+                        <a:p>
+                          <a:pPr algn="ctr"/>
+                          <a:r>
+                            <a:rPr lang="en-US" dirty="0" smtClean="0"/>
+                            <a:t>Scaling</a:t>
+                          </a:r>
+                          <a:endParaRPr lang="en-US" dirty="0"/>
+                        </a:p>
+                      </a:txBody>
+                      <a:tcPr anchor="ctr"/>
+                    </a:tc>
+                    <a:tc>
+                      <a:txBody>
+                        <a:bodyPr/>
+                        <a:lstStyle/>
+                        <a:p>
+                          <a:pPr algn="ctr"/>
+                          <a14:m>
+                            <m:oMathPara xmlns:m="http://schemas.openxmlformats.org/officeDocument/2006/math">
+                              <m:oMathParaPr>
+                                <m:jc m:val="centerGroup"/>
+                              </m:oMathParaPr>
+                              <m:oMath xmlns:m="http://schemas.openxmlformats.org/officeDocument/2006/math">
+                                <m:d>
+                                  <m:dPr>
+                                    <m:begChr m:val="["/>
+                                    <m:endChr m:val="]"/>
+                                    <m:ctrlPr>
+                                      <a:rPr lang="en-US" i="1" smtClean="0">
+                                        <a:latin typeface="Cambria Math" panose="02040503050406030204" pitchFamily="18" charset="0"/>
+                                      </a:rPr>
+                                    </m:ctrlPr>
+                                  </m:dPr>
+                                  <m:e>
+                                    <m:m>
+                                      <m:mPr>
+                                        <m:mcs>
+                                          <m:mc>
+                                            <m:mcPr>
+                                              <m:count m:val="3"/>
+                                              <m:mcJc m:val="center"/>
+                                            </m:mcPr>
+                                          </m:mc>
+                                        </m:mcs>
+                                        <m:ctrlPr>
+                                          <a:rPr lang="en-US" i="1" smtClean="0">
+                                            <a:latin typeface="Cambria Math" panose="02040503050406030204" pitchFamily="18" charset="0"/>
+                                          </a:rPr>
+                                        </m:ctrlPr>
+                                      </m:mPr>
+                                      <m:mr>
+                                        <m:e>
+                                          <m:sSub>
+                                            <m:sSubPr>
+                                              <m:ctrlPr>
+                                                <a:rPr lang="en-US" i="1" smtClean="0">
+                                                  <a:latin typeface="Cambria Math" panose="02040503050406030204" pitchFamily="18" charset="0"/>
+                                                </a:rPr>
+                                              </m:ctrlPr>
+                                            </m:sSubPr>
+                                            <m:e>
+                                              <m:r>
+                                                <a:rPr lang="en-US" b="0" i="1" smtClean="0">
+                                                  <a:latin typeface="Cambria Math" panose="02040503050406030204" pitchFamily="18" charset="0"/>
+                                                </a:rPr>
+                                                <m:t>𝐶</m:t>
+                                              </m:r>
+                                            </m:e>
+                                            <m:sub>
+                                              <m:r>
+                                                <a:rPr lang="en-US" b="0" i="1" smtClean="0">
+                                                  <a:latin typeface="Cambria Math" panose="02040503050406030204" pitchFamily="18" charset="0"/>
+                                                </a:rPr>
+                                                <m:t>𝑥</m:t>
+                                              </m:r>
+                                            </m:sub>
+                                          </m:sSub>
+                                        </m:e>
+                                        <m:e>
+                                          <m:r>
+                                            <a:rPr lang="en-US" b="0" i="1" smtClean="0">
+                                              <a:latin typeface="Cambria Math" panose="02040503050406030204" pitchFamily="18" charset="0"/>
+                                            </a:rPr>
+                                            <m:t>0</m:t>
+                                          </m:r>
+                                        </m:e>
+                                        <m:e>
+                                          <m:r>
+                                            <a:rPr lang="en-US" b="0" i="1" smtClean="0">
+                                              <a:latin typeface="Cambria Math" panose="02040503050406030204" pitchFamily="18" charset="0"/>
+                                            </a:rPr>
+                                            <m:t>0</m:t>
+                                          </m:r>
+                                        </m:e>
+                                      </m:mr>
+                                      <m:mr>
+                                        <m:e>
+                                          <m:r>
+                                            <a:rPr lang="en-US" b="0" i="1" smtClean="0">
+                                              <a:latin typeface="Cambria Math" panose="02040503050406030204" pitchFamily="18" charset="0"/>
+                                            </a:rPr>
+                                            <m:t>0</m:t>
+                                          </m:r>
+                                        </m:e>
+                                        <m:e>
+                                          <m:sSub>
+                                            <m:sSubPr>
+                                              <m:ctrlPr>
+                                                <a:rPr lang="en-US" i="1" smtClean="0">
+                                                  <a:latin typeface="Cambria Math" panose="02040503050406030204" pitchFamily="18" charset="0"/>
+                                                </a:rPr>
+                                              </m:ctrlPr>
+                                            </m:sSubPr>
+                                            <m:e>
+                                              <m:r>
+                                                <a:rPr lang="en-US" b="0" i="1" smtClean="0">
+                                                  <a:latin typeface="Cambria Math" panose="02040503050406030204" pitchFamily="18" charset="0"/>
+                                                </a:rPr>
+                                                <m:t>𝐶</m:t>
+                                              </m:r>
+                                            </m:e>
+                                            <m:sub>
+                                              <m:r>
+                                                <a:rPr lang="en-US" b="0" i="1" smtClean="0">
+                                                  <a:latin typeface="Cambria Math" panose="02040503050406030204" pitchFamily="18" charset="0"/>
+                                                </a:rPr>
+                                                <m:t>𝑦</m:t>
+                                              </m:r>
+                                            </m:sub>
+                                          </m:sSub>
+                                        </m:e>
+                                        <m:e>
+                                          <m:r>
+                                            <a:rPr lang="en-US" b="0" i="1" smtClean="0">
+                                              <a:latin typeface="Cambria Math" panose="02040503050406030204" pitchFamily="18" charset="0"/>
+                                            </a:rPr>
+                                            <m:t>0</m:t>
+                                          </m:r>
+                                        </m:e>
+                                      </m:mr>
+                                      <m:mr>
+                                        <m:e>
+                                          <m:r>
+                                            <a:rPr lang="en-US" b="0" i="1" smtClean="0">
+                                              <a:latin typeface="Cambria Math" panose="02040503050406030204" pitchFamily="18" charset="0"/>
+                                            </a:rPr>
+                                            <m:t>0</m:t>
+                                          </m:r>
+                                        </m:e>
+                                        <m:e>
+                                          <m:r>
+                                            <a:rPr lang="en-US" b="0" i="1" smtClean="0">
+                                              <a:latin typeface="Cambria Math" panose="02040503050406030204" pitchFamily="18" charset="0"/>
+                                            </a:rPr>
+                                            <m:t>0</m:t>
+                                          </m:r>
+                                        </m:e>
+                                        <m:e>
+                                          <m:r>
+                                            <a:rPr lang="en-US" b="0" i="1" smtClean="0">
+                                              <a:latin typeface="Cambria Math" panose="02040503050406030204" pitchFamily="18" charset="0"/>
+                                            </a:rPr>
+                                            <m:t>1</m:t>
+                                          </m:r>
+                                        </m:e>
+                                      </m:mr>
+                                    </m:m>
+                                  </m:e>
+                                </m:d>
+                              </m:oMath>
+                            </m:oMathPara>
+                          </a14:m>
+                          <a:endParaRPr lang="en-US" dirty="0"/>
+                        </a:p>
+                      </a:txBody>
+                      <a:tcPr anchor="ctr"/>
+                    </a:tc>
+                    <a:tc>
+                      <a:txBody>
+                        <a:bodyPr/>
+                        <a:lstStyle/>
+                        <a:p>
+                          <a:pPr algn="ctr"/>
+                          <a14:m>
+                            <m:oMathPara xmlns:m="http://schemas.openxmlformats.org/officeDocument/2006/math">
+                              <m:oMathParaPr>
+                                <m:jc m:val="centerGroup"/>
+                              </m:oMathParaPr>
+                              <m:oMath xmlns:m="http://schemas.openxmlformats.org/officeDocument/2006/math">
+                                <m:r>
+                                  <a:rPr lang="en-US" b="0" i="1" smtClean="0">
+                                    <a:latin typeface="Cambria Math" panose="02040503050406030204" pitchFamily="18" charset="0"/>
+                                  </a:rPr>
+                                  <m:t>𝑥</m:t>
+                                </m:r>
+                                <m:r>
+                                  <a:rPr lang="en-US" b="0" i="1" smtClean="0">
+                                    <a:latin typeface="Cambria Math" panose="02040503050406030204" pitchFamily="18" charset="0"/>
+                                  </a:rPr>
+                                  <m:t>= </m:t>
+                                </m:r>
+                                <m:sSub>
+                                  <m:sSubPr>
+                                    <m:ctrlPr>
+                                      <a:rPr lang="en-US" b="0" i="1" smtClean="0">
+                                        <a:latin typeface="Cambria Math" panose="02040503050406030204" pitchFamily="18" charset="0"/>
+                                      </a:rPr>
+                                    </m:ctrlPr>
+                                  </m:sSubPr>
+                                  <m:e>
+                                    <m:r>
+                                      <a:rPr lang="en-US" b="0" i="1" smtClean="0">
+                                        <a:latin typeface="Cambria Math" panose="02040503050406030204" pitchFamily="18" charset="0"/>
+                                      </a:rPr>
+                                      <m:t>𝐶</m:t>
+                                    </m:r>
+                                  </m:e>
+                                  <m:sub>
+                                    <m:r>
+                                      <a:rPr lang="en-US" b="0" i="1" smtClean="0">
+                                        <a:latin typeface="Cambria Math" panose="02040503050406030204" pitchFamily="18" charset="0"/>
+                                      </a:rPr>
+                                      <m:t>𝑥</m:t>
+                                    </m:r>
+                                  </m:sub>
+                                </m:sSub>
+                                <m:r>
+                                  <a:rPr lang="en-US" b="0" i="1" smtClean="0">
+                                    <a:latin typeface="Cambria Math" panose="02040503050406030204" pitchFamily="18" charset="0"/>
+                                  </a:rPr>
+                                  <m:t>𝑣</m:t>
+                                </m:r>
+                              </m:oMath>
+                            </m:oMathPara>
+                          </a14:m>
+                          <a:endParaRPr lang="en-US" b="0" dirty="0" smtClean="0"/>
+                        </a:p>
+                        <a:p>
+                          <a:pPr algn="ctr"/>
+                          <a14:m>
+                            <m:oMath xmlns:m="http://schemas.openxmlformats.org/officeDocument/2006/math">
+                              <m:r>
+                                <a:rPr lang="en-US" b="0" i="1" smtClean="0">
+                                  <a:latin typeface="Cambria Math" panose="02040503050406030204" pitchFamily="18" charset="0"/>
+                                </a:rPr>
+                                <m:t>𝑦</m:t>
+                              </m:r>
+                              <m:r>
+                                <a:rPr lang="en-US" b="0" i="1" smtClean="0">
+                                  <a:latin typeface="Cambria Math" panose="02040503050406030204" pitchFamily="18" charset="0"/>
+                                </a:rPr>
+                                <m:t>= </m:t>
+                              </m:r>
+                              <m:sSub>
+                                <m:sSubPr>
+                                  <m:ctrlPr>
+                                    <a:rPr lang="en-US" b="0" i="1" smtClean="0">
+                                      <a:latin typeface="Cambria Math" panose="02040503050406030204" pitchFamily="18" charset="0"/>
+                                    </a:rPr>
+                                  </m:ctrlPr>
+                                </m:sSubPr>
+                                <m:e>
+                                  <m:r>
+                                    <a:rPr lang="en-US" b="0" i="1" smtClean="0">
+                                      <a:latin typeface="Cambria Math" panose="02040503050406030204" pitchFamily="18" charset="0"/>
+                                    </a:rPr>
+                                    <m:t>𝐶</m:t>
+                                  </m:r>
+                                </m:e>
+                                <m:sub>
+                                  <m:r>
+                                    <a:rPr lang="en-US" b="0" i="1" smtClean="0">
+                                      <a:latin typeface="Cambria Math" panose="02040503050406030204" pitchFamily="18" charset="0"/>
+                                    </a:rPr>
+                                    <m:t>𝑦</m:t>
+                                  </m:r>
+                                </m:sub>
+                              </m:sSub>
+                              <m:r>
+                                <a:rPr lang="en-US" b="0" i="1" smtClean="0">
+                                  <a:latin typeface="Cambria Math" panose="02040503050406030204" pitchFamily="18" charset="0"/>
+                                </a:rPr>
+                                <m:t>𝑤</m:t>
+                              </m:r>
+                            </m:oMath>
+                          </a14:m>
+                          <a:r>
+                            <a:rPr lang="en-US" dirty="0" smtClean="0"/>
+                            <a:t> </a:t>
+                          </a:r>
+                          <a:endParaRPr lang="en-US" dirty="0"/>
+                        </a:p>
+                      </a:txBody>
+                      <a:tcPr anchor="ctr"/>
+                    </a:tc>
+                  </a:tr>
+                  <a:tr h="370840">
+                    <a:tc>
+                      <a:txBody>
+                        <a:bodyPr/>
+                        <a:lstStyle/>
+                        <a:p>
+                          <a:pPr algn="ctr"/>
+                          <a:r>
+                            <a:rPr lang="en-US" dirty="0" smtClean="0"/>
+                            <a:t>Rotation</a:t>
+                          </a:r>
+                          <a:endParaRPr lang="en-US" dirty="0"/>
+                        </a:p>
+                      </a:txBody>
+                      <a:tcPr anchor="ctr"/>
+                    </a:tc>
+                    <a:tc>
+                      <a:txBody>
+                        <a:bodyPr/>
+                        <a:lstStyle/>
+                        <a:p>
+                          <a:pPr algn="ctr"/>
+                          <a14:m>
+                            <m:oMathPara xmlns:m="http://schemas.openxmlformats.org/officeDocument/2006/math">
+                              <m:oMathParaPr>
+                                <m:jc m:val="centerGroup"/>
+                              </m:oMathParaPr>
+                              <m:oMath xmlns:m="http://schemas.openxmlformats.org/officeDocument/2006/math">
+                                <m:d>
+                                  <m:dPr>
+                                    <m:begChr m:val="["/>
+                                    <m:endChr m:val="]"/>
+                                    <m:ctrlPr>
+                                      <a:rPr lang="en-US" i="1" smtClean="0">
+                                        <a:latin typeface="Cambria Math" panose="02040503050406030204" pitchFamily="18" charset="0"/>
+                                      </a:rPr>
+                                    </m:ctrlPr>
+                                  </m:dPr>
+                                  <m:e>
+                                    <m:m>
+                                      <m:mPr>
+                                        <m:mcs>
+                                          <m:mc>
+                                            <m:mcPr>
+                                              <m:count m:val="3"/>
+                                              <m:mcJc m:val="center"/>
+                                            </m:mcPr>
+                                          </m:mc>
+                                        </m:mcs>
+                                        <m:ctrlPr>
+                                          <a:rPr lang="en-US" i="1" smtClean="0">
+                                            <a:latin typeface="Cambria Math" panose="02040503050406030204" pitchFamily="18" charset="0"/>
+                                          </a:rPr>
+                                        </m:ctrlPr>
+                                      </m:mPr>
+                                      <m:mr>
+                                        <m:e>
+                                          <m:r>
+                                            <m:rPr>
+                                              <m:brk m:alnAt="7"/>
+                                            </m:rPr>
+                                            <a:rPr lang="en-US" b="0" i="1" smtClean="0">
+                                              <a:latin typeface="Cambria Math" panose="02040503050406030204" pitchFamily="18" charset="0"/>
+                                            </a:rPr>
+                                            <m:t>𝑐</m:t>
+                                          </m:r>
+                                          <m:r>
+                                            <a:rPr lang="en-US" b="0" i="1" smtClean="0">
+                                              <a:latin typeface="Cambria Math" panose="02040503050406030204" pitchFamily="18" charset="0"/>
+                                            </a:rPr>
+                                            <m:t>𝑜𝑠</m:t>
+                                          </m:r>
+                                          <m:r>
+                                            <a:rPr lang="en-US" b="0" i="1" smtClean="0">
+                                              <a:latin typeface="Cambria Math" panose="02040503050406030204" pitchFamily="18" charset="0"/>
+                                              <a:ea typeface="Cambria Math" panose="02040503050406030204" pitchFamily="18" charset="0"/>
+                                            </a:rPr>
+                                            <m:t>𝜃</m:t>
+                                          </m:r>
+                                        </m:e>
+                                        <m:e>
+                                          <m:r>
+                                            <a:rPr lang="en-US" b="0" i="1" smtClean="0">
+                                              <a:latin typeface="Cambria Math" panose="02040503050406030204" pitchFamily="18" charset="0"/>
+                                            </a:rPr>
+                                            <m:t>𝑠𝑖𝑛</m:t>
+                                          </m:r>
+                                          <m:r>
+                                            <a:rPr lang="en-US" b="0" i="1" smtClean="0">
+                                              <a:latin typeface="Cambria Math" panose="02040503050406030204" pitchFamily="18" charset="0"/>
+                                              <a:ea typeface="Cambria Math" panose="02040503050406030204" pitchFamily="18" charset="0"/>
+                                            </a:rPr>
+                                            <m:t>𝜃</m:t>
+                                          </m:r>
+                                        </m:e>
+                                        <m:e>
+                                          <m:r>
+                                            <a:rPr lang="en-US" b="0" i="1" smtClean="0">
+                                              <a:latin typeface="Cambria Math" panose="02040503050406030204" pitchFamily="18" charset="0"/>
+                                            </a:rPr>
+                                            <m:t>0</m:t>
+                                          </m:r>
+                                        </m:e>
+                                      </m:mr>
+                                      <m:mr>
+                                        <m:e>
+                                          <m:r>
+                                            <a:rPr lang="en-US" b="0" i="1" smtClean="0">
+                                              <a:latin typeface="Cambria Math" panose="02040503050406030204" pitchFamily="18" charset="0"/>
+                                            </a:rPr>
+                                            <m:t>−</m:t>
+                                          </m:r>
+                                          <m:r>
+                                            <a:rPr lang="en-US" b="0" i="1" smtClean="0">
+                                              <a:latin typeface="Cambria Math" panose="02040503050406030204" pitchFamily="18" charset="0"/>
+                                            </a:rPr>
+                                            <m:t>𝑠𝑖𝑛</m:t>
+                                          </m:r>
+                                          <m:r>
+                                            <a:rPr lang="en-US" b="0" i="1" smtClean="0">
+                                              <a:latin typeface="Cambria Math" panose="02040503050406030204" pitchFamily="18" charset="0"/>
+                                              <a:ea typeface="Cambria Math" panose="02040503050406030204" pitchFamily="18" charset="0"/>
+                                            </a:rPr>
+                                            <m:t>𝜃</m:t>
+                                          </m:r>
+                                        </m:e>
+                                        <m:e>
+                                          <m:r>
+                                            <a:rPr lang="en-US" b="0" i="1" smtClean="0">
+                                              <a:latin typeface="Cambria Math" panose="02040503050406030204" pitchFamily="18" charset="0"/>
+                                            </a:rPr>
+                                            <m:t>𝑐𝑜𝑠</m:t>
+                                          </m:r>
+                                          <m:r>
+                                            <a:rPr lang="en-US" b="0" i="1" smtClean="0">
+                                              <a:latin typeface="Cambria Math" panose="02040503050406030204" pitchFamily="18" charset="0"/>
+                                              <a:ea typeface="Cambria Math" panose="02040503050406030204" pitchFamily="18" charset="0"/>
+                                            </a:rPr>
+                                            <m:t>𝜃</m:t>
+                                          </m:r>
+                                        </m:e>
+                                        <m:e>
+                                          <m:r>
+                                            <a:rPr lang="en-US" b="0" i="1" smtClean="0">
+                                              <a:latin typeface="Cambria Math" panose="02040503050406030204" pitchFamily="18" charset="0"/>
+                                            </a:rPr>
+                                            <m:t>0</m:t>
+                                          </m:r>
+                                        </m:e>
+                                      </m:mr>
+                                      <m:mr>
+                                        <m:e>
+                                          <m:r>
+                                            <a:rPr lang="en-US" b="0" i="1" smtClean="0">
+                                              <a:latin typeface="Cambria Math" panose="02040503050406030204" pitchFamily="18" charset="0"/>
+                                            </a:rPr>
+                                            <m:t>0</m:t>
+                                          </m:r>
+                                        </m:e>
+                                        <m:e>
+                                          <m:r>
+                                            <a:rPr lang="en-US" b="0" i="1" smtClean="0">
+                                              <a:latin typeface="Cambria Math" panose="02040503050406030204" pitchFamily="18" charset="0"/>
+                                            </a:rPr>
+                                            <m:t>0</m:t>
+                                          </m:r>
+                                        </m:e>
+                                        <m:e>
+                                          <m:r>
+                                            <a:rPr lang="en-US" b="0" i="1" smtClean="0">
+                                              <a:latin typeface="Cambria Math" panose="02040503050406030204" pitchFamily="18" charset="0"/>
+                                            </a:rPr>
+                                            <m:t>1</m:t>
+                                          </m:r>
+                                        </m:e>
+                                      </m:mr>
+                                    </m:m>
+                                  </m:e>
+                                </m:d>
+                              </m:oMath>
+                            </m:oMathPara>
+                          </a14:m>
+                          <a:endParaRPr lang="en-US" dirty="0"/>
+                        </a:p>
+                      </a:txBody>
+                      <a:tcPr anchor="ctr"/>
+                    </a:tc>
+                    <a:tc>
+                      <a:txBody>
+                        <a:bodyPr/>
+                        <a:lstStyle/>
+                        <a:p>
+                          <a:pPr algn="ctr"/>
+                          <a14:m>
+                            <m:oMathPara xmlns:m="http://schemas.openxmlformats.org/officeDocument/2006/math">
+                              <m:oMathParaPr>
+                                <m:jc m:val="centerGroup"/>
+                              </m:oMathParaPr>
+                              <m:oMath xmlns:m="http://schemas.openxmlformats.org/officeDocument/2006/math">
+                                <m:r>
+                                  <a:rPr lang="en-US" b="0" i="1" smtClean="0">
+                                    <a:latin typeface="Cambria Math" panose="02040503050406030204" pitchFamily="18" charset="0"/>
+                                  </a:rPr>
+                                  <m:t>𝑥</m:t>
+                                </m:r>
+                                <m:r>
+                                  <a:rPr lang="en-US" b="0" i="1" smtClean="0">
+                                    <a:latin typeface="Cambria Math" panose="02040503050406030204" pitchFamily="18" charset="0"/>
+                                  </a:rPr>
+                                  <m:t>=</m:t>
+                                </m:r>
+                                <m:r>
+                                  <a:rPr lang="en-US" b="0" i="1" smtClean="0">
+                                    <a:latin typeface="Cambria Math" panose="02040503050406030204" pitchFamily="18" charset="0"/>
+                                  </a:rPr>
+                                  <m:t>𝑣𝑐𝑜𝑠</m:t>
+                                </m:r>
+                                <m:r>
+                                  <a:rPr lang="en-US" b="0" i="1" smtClean="0">
+                                    <a:latin typeface="Cambria Math" panose="02040503050406030204" pitchFamily="18" charset="0"/>
+                                    <a:ea typeface="Cambria Math" panose="02040503050406030204" pitchFamily="18" charset="0"/>
+                                  </a:rPr>
+                                  <m:t>𝜃</m:t>
+                                </m:r>
+                                <m:r>
+                                  <a:rPr lang="en-US" b="0" i="1" smtClean="0">
+                                    <a:latin typeface="Cambria Math" panose="02040503050406030204" pitchFamily="18" charset="0"/>
+                                    <a:ea typeface="Cambria Math" panose="02040503050406030204" pitchFamily="18" charset="0"/>
+                                  </a:rPr>
+                                  <m:t> −</m:t>
+                                </m:r>
+                                <m:r>
+                                  <a:rPr lang="en-US" b="0" i="1" smtClean="0">
+                                    <a:latin typeface="Cambria Math" panose="02040503050406030204" pitchFamily="18" charset="0"/>
+                                    <a:ea typeface="Cambria Math" panose="02040503050406030204" pitchFamily="18" charset="0"/>
+                                  </a:rPr>
+                                  <m:t>𝑤𝑠𝑖𝑛</m:t>
+                                </m:r>
+                                <m:r>
+                                  <a:rPr lang="en-US" b="0" i="1" smtClean="0">
+                                    <a:latin typeface="Cambria Math" panose="02040503050406030204" pitchFamily="18" charset="0"/>
+                                    <a:ea typeface="Cambria Math" panose="02040503050406030204" pitchFamily="18" charset="0"/>
+                                  </a:rPr>
+                                  <m:t>𝜃</m:t>
+                                </m:r>
+                              </m:oMath>
+                            </m:oMathPara>
+                          </a14:m>
+                          <a:endParaRPr lang="en-US" b="0" i="1" dirty="0" smtClean="0">
+                            <a:latin typeface="Cambria Math" panose="02040503050406030204" pitchFamily="18" charset="0"/>
+                            <a:ea typeface="Cambria Math" panose="02040503050406030204" pitchFamily="18" charset="0"/>
+                          </a:endParaRPr>
+                        </a:p>
+                        <a:p>
+                          <a:pPr algn="ctr"/>
+                          <a14:m>
+                            <m:oMathPara xmlns:m="http://schemas.openxmlformats.org/officeDocument/2006/math">
+                              <m:oMathParaPr>
+                                <m:jc m:val="centerGroup"/>
+                              </m:oMathParaPr>
+                              <m:oMath xmlns:m="http://schemas.openxmlformats.org/officeDocument/2006/math">
+                                <m:r>
+                                  <a:rPr lang="en-US" b="0" i="1" smtClean="0">
+                                    <a:latin typeface="Cambria Math" panose="02040503050406030204" pitchFamily="18" charset="0"/>
+                                  </a:rPr>
+                                  <m:t>𝑦</m:t>
+                                </m:r>
+                                <m:r>
+                                  <a:rPr lang="en-US" b="0" i="1" smtClean="0">
+                                    <a:latin typeface="Cambria Math" panose="02040503050406030204" pitchFamily="18" charset="0"/>
+                                  </a:rPr>
+                                  <m:t>=</m:t>
+                                </m:r>
+                                <m:r>
+                                  <a:rPr lang="en-US" b="0" i="1" smtClean="0">
+                                    <a:latin typeface="Cambria Math" panose="02040503050406030204" pitchFamily="18" charset="0"/>
+                                  </a:rPr>
+                                  <m:t>𝑣𝑠𝑖𝑛</m:t>
+                                </m:r>
+                                <m:r>
+                                  <a:rPr lang="en-US" b="0" i="1" smtClean="0">
+                                    <a:latin typeface="Cambria Math" panose="02040503050406030204" pitchFamily="18" charset="0"/>
+                                    <a:ea typeface="Cambria Math" panose="02040503050406030204" pitchFamily="18" charset="0"/>
+                                  </a:rPr>
+                                  <m:t>𝜃</m:t>
+                                </m:r>
+                                <m:r>
+                                  <a:rPr lang="en-US" b="0" i="1" smtClean="0">
+                                    <a:latin typeface="Cambria Math" panose="02040503050406030204" pitchFamily="18" charset="0"/>
+                                    <a:ea typeface="Cambria Math" panose="02040503050406030204" pitchFamily="18" charset="0"/>
+                                  </a:rPr>
+                                  <m:t>+</m:t>
+                                </m:r>
+                                <m:r>
+                                  <a:rPr lang="en-US" b="0" i="1" smtClean="0">
+                                    <a:latin typeface="Cambria Math" panose="02040503050406030204" pitchFamily="18" charset="0"/>
+                                    <a:ea typeface="Cambria Math" panose="02040503050406030204" pitchFamily="18" charset="0"/>
+                                  </a:rPr>
+                                  <m:t>𝑤𝑐𝑜𝑠</m:t>
+                                </m:r>
+                                <m:r>
+                                  <a:rPr lang="en-US" b="0" i="1" smtClean="0">
+                                    <a:latin typeface="Cambria Math" panose="02040503050406030204" pitchFamily="18" charset="0"/>
+                                    <a:ea typeface="Cambria Math" panose="02040503050406030204" pitchFamily="18" charset="0"/>
+                                  </a:rPr>
+                                  <m:t>𝜃</m:t>
+                                </m:r>
+                              </m:oMath>
+                            </m:oMathPara>
+                          </a14:m>
+                          <a:endParaRPr lang="en-US" dirty="0"/>
+                        </a:p>
+                      </a:txBody>
+                      <a:tcPr anchor="ctr"/>
+                    </a:tc>
+                  </a:tr>
+                  <a:tr h="370840">
+                    <a:tc>
+                      <a:txBody>
+                        <a:bodyPr/>
+                        <a:lstStyle/>
+                        <a:p>
+                          <a:pPr algn="ctr"/>
+                          <a:r>
+                            <a:rPr lang="en-US" dirty="0" smtClean="0"/>
+                            <a:t>Translation</a:t>
+                          </a:r>
+                          <a:endParaRPr lang="en-US" dirty="0"/>
+                        </a:p>
+                      </a:txBody>
+                      <a:tcPr anchor="ctr"/>
+                    </a:tc>
+                    <a:tc>
+                      <a:txBody>
+                        <a:bodyPr/>
+                        <a:lstStyle/>
+                        <a:p>
+                          <a:pPr algn="ctr"/>
+                          <a14:m>
+                            <m:oMathPara xmlns:m="http://schemas.openxmlformats.org/officeDocument/2006/math">
+                              <m:oMathParaPr>
+                                <m:jc m:val="centerGroup"/>
+                              </m:oMathParaPr>
+                              <m:oMath xmlns:m="http://schemas.openxmlformats.org/officeDocument/2006/math">
+                                <m:d>
+                                  <m:dPr>
+                                    <m:begChr m:val="["/>
+                                    <m:endChr m:val="]"/>
+                                    <m:ctrlPr>
+                                      <a:rPr lang="en-US" i="1" smtClean="0">
+                                        <a:latin typeface="Cambria Math" panose="02040503050406030204" pitchFamily="18" charset="0"/>
+                                      </a:rPr>
+                                    </m:ctrlPr>
+                                  </m:dPr>
+                                  <m:e>
+                                    <m:m>
+                                      <m:mPr>
+                                        <m:mcs>
+                                          <m:mc>
+                                            <m:mcPr>
+                                              <m:count m:val="3"/>
+                                              <m:mcJc m:val="center"/>
+                                            </m:mcPr>
+                                          </m:mc>
+                                        </m:mcs>
+                                        <m:ctrlPr>
+                                          <a:rPr lang="en-US" i="1" smtClean="0">
+                                            <a:latin typeface="Cambria Math" panose="02040503050406030204" pitchFamily="18" charset="0"/>
+                                          </a:rPr>
+                                        </m:ctrlPr>
+                                      </m:mPr>
+                                      <m:mr>
+                                        <m:e>
+                                          <m:r>
+                                            <a:rPr lang="en-US" b="0" i="1" smtClean="0">
+                                              <a:latin typeface="Cambria Math" panose="02040503050406030204" pitchFamily="18" charset="0"/>
+                                            </a:rPr>
+                                            <m:t>1</m:t>
+                                          </m:r>
+                                        </m:e>
+                                        <m:e>
+                                          <m:r>
+                                            <a:rPr lang="en-US" b="0" i="1" smtClean="0">
+                                              <a:latin typeface="Cambria Math" panose="02040503050406030204" pitchFamily="18" charset="0"/>
+                                            </a:rPr>
+                                            <m:t>0</m:t>
+                                          </m:r>
+                                        </m:e>
+                                        <m:e>
+                                          <m:r>
+                                            <a:rPr lang="en-US" b="0" i="1" smtClean="0">
+                                              <a:latin typeface="Cambria Math" panose="02040503050406030204" pitchFamily="18" charset="0"/>
+                                            </a:rPr>
+                                            <m:t>0</m:t>
+                                          </m:r>
+                                        </m:e>
+                                      </m:mr>
+                                      <m:mr>
+                                        <m:e>
+                                          <m:r>
+                                            <a:rPr lang="en-US" b="0" i="1" smtClean="0">
+                                              <a:latin typeface="Cambria Math" panose="02040503050406030204" pitchFamily="18" charset="0"/>
+                                            </a:rPr>
+                                            <m:t>0</m:t>
+                                          </m:r>
+                                        </m:e>
+                                        <m:e>
+                                          <m:r>
+                                            <a:rPr lang="en-US" b="0" i="1" smtClean="0">
+                                              <a:latin typeface="Cambria Math" panose="02040503050406030204" pitchFamily="18" charset="0"/>
+                                              <a:ea typeface="Cambria Math" panose="02040503050406030204" pitchFamily="18" charset="0"/>
+                                            </a:rPr>
+                                            <m:t>1</m:t>
+                                          </m:r>
+                                        </m:e>
+                                        <m:e>
+                                          <m:r>
+                                            <a:rPr lang="en-US" b="0" i="1" smtClean="0">
+                                              <a:latin typeface="Cambria Math" panose="02040503050406030204" pitchFamily="18" charset="0"/>
+                                            </a:rPr>
+                                            <m:t>0</m:t>
+                                          </m:r>
+                                        </m:e>
+                                      </m:mr>
+                                      <m:mr>
+                                        <m:e>
+                                          <m:sSub>
+                                            <m:sSubPr>
+                                              <m:ctrlPr>
+                                                <a:rPr lang="en-US" b="0" i="1" smtClean="0">
+                                                  <a:latin typeface="Cambria Math" panose="02040503050406030204" pitchFamily="18" charset="0"/>
+                                                </a:rPr>
+                                              </m:ctrlPr>
+                                            </m:sSubPr>
+                                            <m:e>
+                                              <m:r>
+                                                <a:rPr lang="en-US" b="0" i="1" smtClean="0">
+                                                  <a:latin typeface="Cambria Math" panose="02040503050406030204" pitchFamily="18" charset="0"/>
+                                                </a:rPr>
+                                                <m:t>𝑇</m:t>
+                                              </m:r>
+                                            </m:e>
+                                            <m:sub>
+                                              <m:r>
+                                                <a:rPr lang="en-US" b="0" i="1" smtClean="0">
+                                                  <a:latin typeface="Cambria Math" panose="02040503050406030204" pitchFamily="18" charset="0"/>
+                                                </a:rPr>
+                                                <m:t>𝑥</m:t>
+                                              </m:r>
+                                            </m:sub>
+                                          </m:sSub>
+                                        </m:e>
+                                        <m:e>
+                                          <m:sSub>
+                                            <m:sSubPr>
+                                              <m:ctrlPr>
+                                                <a:rPr lang="en-US" b="0" i="1" smtClean="0">
+                                                  <a:latin typeface="Cambria Math" panose="02040503050406030204" pitchFamily="18" charset="0"/>
+                                                </a:rPr>
+                                              </m:ctrlPr>
+                                            </m:sSubPr>
+                                            <m:e>
+                                              <m:r>
+                                                <a:rPr lang="en-US" b="0" i="1" smtClean="0">
+                                                  <a:latin typeface="Cambria Math" panose="02040503050406030204" pitchFamily="18" charset="0"/>
+                                                </a:rPr>
+                                                <m:t>𝑇</m:t>
+                                              </m:r>
+                                            </m:e>
+                                            <m:sub>
+                                              <m:r>
+                                                <a:rPr lang="en-US" b="0" i="1" smtClean="0">
+                                                  <a:latin typeface="Cambria Math" panose="02040503050406030204" pitchFamily="18" charset="0"/>
+                                                </a:rPr>
+                                                <m:t>𝑦</m:t>
+                                              </m:r>
+                                            </m:sub>
+                                          </m:sSub>
+                                        </m:e>
+                                        <m:e>
+                                          <m:r>
+                                            <a:rPr lang="en-US" b="0" i="1" smtClean="0">
+                                              <a:latin typeface="Cambria Math" panose="02040503050406030204" pitchFamily="18" charset="0"/>
+                                            </a:rPr>
+                                            <m:t>1</m:t>
+                                          </m:r>
+                                        </m:e>
+                                      </m:mr>
+                                    </m:m>
+                                  </m:e>
+                                </m:d>
+                              </m:oMath>
+                            </m:oMathPara>
+                          </a14:m>
+                          <a:endParaRPr lang="en-US" dirty="0"/>
+                        </a:p>
+                      </a:txBody>
+                      <a:tcPr anchor="ctr"/>
+                    </a:tc>
+                    <a:tc>
+                      <a:txBody>
+                        <a:bodyPr/>
+                        <a:lstStyle/>
+                        <a:p>
+                          <a:pPr algn="ctr"/>
+                          <a14:m>
+                            <m:oMathPara xmlns:m="http://schemas.openxmlformats.org/officeDocument/2006/math">
+                              <m:oMathParaPr>
+                                <m:jc m:val="centerGroup"/>
+                              </m:oMathParaPr>
+                              <m:oMath xmlns:m="http://schemas.openxmlformats.org/officeDocument/2006/math">
+                                <m:r>
+                                  <a:rPr lang="en-US" b="0" i="1" smtClean="0">
+                                    <a:latin typeface="Cambria Math" panose="02040503050406030204" pitchFamily="18" charset="0"/>
+                                  </a:rPr>
+                                  <m:t>𝑥</m:t>
+                                </m:r>
+                                <m:r>
+                                  <a:rPr lang="en-US" b="0" i="1" smtClean="0">
+                                    <a:latin typeface="Cambria Math" panose="02040503050406030204" pitchFamily="18" charset="0"/>
+                                  </a:rPr>
+                                  <m:t>=</m:t>
+                                </m:r>
+                                <m:r>
+                                  <a:rPr lang="en-US" b="0" i="1" smtClean="0">
+                                    <a:latin typeface="Cambria Math" panose="02040503050406030204" pitchFamily="18" charset="0"/>
+                                  </a:rPr>
+                                  <m:t>𝑣</m:t>
+                                </m:r>
+                                <m:r>
+                                  <a:rPr lang="en-US" b="0" i="1" smtClean="0">
+                                    <a:latin typeface="Cambria Math" panose="02040503050406030204" pitchFamily="18" charset="0"/>
+                                  </a:rPr>
+                                  <m:t>+ </m:t>
+                                </m:r>
+                                <m:sSub>
+                                  <m:sSubPr>
+                                    <m:ctrlPr>
+                                      <a:rPr lang="en-US" b="0" i="1" smtClean="0">
+                                        <a:latin typeface="Cambria Math" panose="02040503050406030204" pitchFamily="18" charset="0"/>
+                                      </a:rPr>
+                                    </m:ctrlPr>
+                                  </m:sSubPr>
+                                  <m:e>
+                                    <m:r>
+                                      <a:rPr lang="en-US" b="0" i="1" smtClean="0">
+                                        <a:latin typeface="Cambria Math" panose="02040503050406030204" pitchFamily="18" charset="0"/>
+                                      </a:rPr>
+                                      <m:t>𝑇</m:t>
+                                    </m:r>
+                                  </m:e>
+                                  <m:sub>
+                                    <m:r>
+                                      <a:rPr lang="en-US" b="0" i="1" smtClean="0">
+                                        <a:latin typeface="Cambria Math" panose="02040503050406030204" pitchFamily="18" charset="0"/>
+                                      </a:rPr>
+                                      <m:t>𝑥</m:t>
+                                    </m:r>
+                                  </m:sub>
+                                </m:sSub>
+                              </m:oMath>
+                            </m:oMathPara>
+                          </a14:m>
+                          <a:endParaRPr lang="en-US" b="0" i="1" dirty="0" smtClean="0">
+                            <a:latin typeface="Cambria Math" panose="02040503050406030204" pitchFamily="18" charset="0"/>
+                            <a:ea typeface="Cambria Math" panose="02040503050406030204" pitchFamily="18" charset="0"/>
+                          </a:endParaRPr>
+                        </a:p>
+                        <a:p>
+                          <a:pPr algn="ctr"/>
+                          <a14:m>
+                            <m:oMathPara xmlns:m="http://schemas.openxmlformats.org/officeDocument/2006/math">
+                              <m:oMathParaPr>
+                                <m:jc m:val="centerGroup"/>
+                              </m:oMathParaPr>
+                              <m:oMath xmlns:m="http://schemas.openxmlformats.org/officeDocument/2006/math">
+                                <m:r>
+                                  <a:rPr lang="en-US" b="0" i="1" smtClean="0">
+                                    <a:latin typeface="Cambria Math" panose="02040503050406030204" pitchFamily="18" charset="0"/>
+                                  </a:rPr>
+                                  <m:t>𝑦</m:t>
+                                </m:r>
+                                <m:r>
+                                  <a:rPr lang="en-US" b="0" i="1" smtClean="0">
+                                    <a:latin typeface="Cambria Math" panose="02040503050406030204" pitchFamily="18" charset="0"/>
+                                  </a:rPr>
+                                  <m:t>=</m:t>
+                                </m:r>
+                                <m:r>
+                                  <a:rPr lang="en-US" b="0" i="1" smtClean="0">
+                                    <a:latin typeface="Cambria Math" panose="02040503050406030204" pitchFamily="18" charset="0"/>
+                                  </a:rPr>
+                                  <m:t>𝑤</m:t>
+                                </m:r>
+                                <m:r>
+                                  <a:rPr lang="en-US" b="0" i="1" smtClean="0">
+                                    <a:latin typeface="Cambria Math" panose="02040503050406030204" pitchFamily="18" charset="0"/>
+                                  </a:rPr>
+                                  <m:t>+ </m:t>
+                                </m:r>
+                                <m:sSub>
+                                  <m:sSubPr>
+                                    <m:ctrlPr>
+                                      <a:rPr lang="en-US" b="0" i="1" smtClean="0">
+                                        <a:latin typeface="Cambria Math" panose="02040503050406030204" pitchFamily="18" charset="0"/>
+                                      </a:rPr>
+                                    </m:ctrlPr>
+                                  </m:sSubPr>
+                                  <m:e>
+                                    <m:r>
+                                      <a:rPr lang="en-US" b="0" i="1" smtClean="0">
+                                        <a:latin typeface="Cambria Math" panose="02040503050406030204" pitchFamily="18" charset="0"/>
+                                      </a:rPr>
+                                      <m:t>𝑇</m:t>
+                                    </m:r>
+                                  </m:e>
+                                  <m:sub>
+                                    <m:r>
+                                      <a:rPr lang="en-US" b="0" i="1" smtClean="0">
+                                        <a:latin typeface="Cambria Math" panose="02040503050406030204" pitchFamily="18" charset="0"/>
+                                      </a:rPr>
+                                      <m:t>𝑦</m:t>
+                                    </m:r>
+                                  </m:sub>
+                                </m:sSub>
+                              </m:oMath>
+                            </m:oMathPara>
+                          </a14:m>
+                          <a:endParaRPr lang="en-US" dirty="0"/>
+                        </a:p>
+                      </a:txBody>
+                      <a:tcPr anchor="ctr"/>
+                    </a:tc>
+                  </a:tr>
+                  <a:tr h="370840">
+                    <a:tc>
+                      <a:txBody>
+                        <a:bodyPr/>
+                        <a:lstStyle/>
+                        <a:p>
+                          <a:pPr algn="ctr"/>
+                          <a:r>
+                            <a:rPr lang="en-US" dirty="0" smtClean="0"/>
+                            <a:t>Vertical</a:t>
+                          </a:r>
+                          <a:r>
+                            <a:rPr lang="en-US" baseline="0" dirty="0" smtClean="0"/>
+                            <a:t> Shear</a:t>
+                          </a:r>
+                          <a:endParaRPr lang="en-US" dirty="0"/>
+                        </a:p>
+                      </a:txBody>
+                      <a:tcPr anchor="ctr"/>
+                    </a:tc>
+                    <a:tc>
+                      <a:txBody>
+                        <a:bodyPr/>
+                        <a:lstStyle/>
+                        <a:p>
+                          <a:pPr algn="ctr"/>
+                          <a14:m>
+                            <m:oMathPara xmlns:m="http://schemas.openxmlformats.org/officeDocument/2006/math">
+                              <m:oMathParaPr>
+                                <m:jc m:val="centerGroup"/>
+                              </m:oMathParaPr>
+                              <m:oMath xmlns:m="http://schemas.openxmlformats.org/officeDocument/2006/math">
+                                <m:d>
+                                  <m:dPr>
+                                    <m:begChr m:val="["/>
+                                    <m:endChr m:val="]"/>
+                                    <m:ctrlPr>
+                                      <a:rPr lang="en-US" i="1" smtClean="0">
+                                        <a:latin typeface="Cambria Math" panose="02040503050406030204" pitchFamily="18" charset="0"/>
+                                      </a:rPr>
+                                    </m:ctrlPr>
+                                  </m:dPr>
+                                  <m:e>
+                                    <m:m>
+                                      <m:mPr>
+                                        <m:mcs>
+                                          <m:mc>
+                                            <m:mcPr>
+                                              <m:count m:val="3"/>
+                                              <m:mcJc m:val="center"/>
+                                            </m:mcPr>
+                                          </m:mc>
+                                        </m:mcs>
+                                        <m:ctrlPr>
+                                          <a:rPr lang="en-US" i="1" smtClean="0">
+                                            <a:latin typeface="Cambria Math" panose="02040503050406030204" pitchFamily="18" charset="0"/>
+                                          </a:rPr>
+                                        </m:ctrlPr>
+                                      </m:mPr>
+                                      <m:mr>
+                                        <m:e>
+                                          <m:r>
+                                            <a:rPr lang="en-US" b="0" i="1" smtClean="0">
+                                              <a:latin typeface="Cambria Math" panose="02040503050406030204" pitchFamily="18" charset="0"/>
+                                            </a:rPr>
+                                            <m:t>1</m:t>
+                                          </m:r>
+                                        </m:e>
+                                        <m:e>
+                                          <m:r>
+                                            <a:rPr lang="en-US" b="0" i="1" smtClean="0">
+                                              <a:latin typeface="Cambria Math" panose="02040503050406030204" pitchFamily="18" charset="0"/>
+                                            </a:rPr>
+                                            <m:t>0</m:t>
+                                          </m:r>
+                                        </m:e>
+                                        <m:e>
+                                          <m:r>
+                                            <a:rPr lang="en-US" b="0" i="1" smtClean="0">
+                                              <a:latin typeface="Cambria Math" panose="02040503050406030204" pitchFamily="18" charset="0"/>
+                                            </a:rPr>
+                                            <m:t>0</m:t>
+                                          </m:r>
+                                        </m:e>
+                                      </m:mr>
+                                      <m:mr>
+                                        <m:e>
+                                          <m:sSub>
+                                            <m:sSubPr>
+                                              <m:ctrlPr>
+                                                <a:rPr lang="en-US" b="0" i="1" smtClean="0">
+                                                  <a:latin typeface="Cambria Math" panose="02040503050406030204" pitchFamily="18" charset="0"/>
+                                                </a:rPr>
+                                              </m:ctrlPr>
+                                            </m:sSubPr>
+                                            <m:e>
+                                              <m:r>
+                                                <a:rPr lang="en-US" b="0" i="1" smtClean="0">
+                                                  <a:latin typeface="Cambria Math" panose="02040503050406030204" pitchFamily="18" charset="0"/>
+                                                </a:rPr>
+                                                <m:t>𝑆</m:t>
+                                              </m:r>
+                                            </m:e>
+                                            <m:sub>
+                                              <m:r>
+                                                <a:rPr lang="en-US" b="0" i="1" smtClean="0">
+                                                  <a:latin typeface="Cambria Math" panose="02040503050406030204" pitchFamily="18" charset="0"/>
+                                                </a:rPr>
+                                                <m:t>𝑣</m:t>
+                                              </m:r>
+                                            </m:sub>
+                                          </m:sSub>
+                                        </m:e>
+                                        <m:e>
+                                          <m:r>
+                                            <a:rPr lang="en-US" b="0" i="1" smtClean="0">
+                                              <a:latin typeface="Cambria Math" panose="02040503050406030204" pitchFamily="18" charset="0"/>
+                                              <a:ea typeface="Cambria Math" panose="02040503050406030204" pitchFamily="18" charset="0"/>
+                                            </a:rPr>
+                                            <m:t>1</m:t>
+                                          </m:r>
+                                        </m:e>
+                                        <m:e>
+                                          <m:r>
+                                            <a:rPr lang="en-US" b="0" i="1" smtClean="0">
+                                              <a:latin typeface="Cambria Math" panose="02040503050406030204" pitchFamily="18" charset="0"/>
+                                            </a:rPr>
+                                            <m:t>0</m:t>
+                                          </m:r>
+                                        </m:e>
+                                      </m:mr>
+                                      <m:mr>
+                                        <m:e>
+                                          <m:r>
+                                            <a:rPr lang="en-US" b="0" i="1" smtClean="0">
+                                              <a:latin typeface="Cambria Math" panose="02040503050406030204" pitchFamily="18" charset="0"/>
+                                            </a:rPr>
+                                            <m:t>0</m:t>
+                                          </m:r>
+                                        </m:e>
+                                        <m:e>
+                                          <m:r>
+                                            <a:rPr lang="en-US" b="0" i="1" smtClean="0">
+                                              <a:latin typeface="Cambria Math" panose="02040503050406030204" pitchFamily="18" charset="0"/>
+                                            </a:rPr>
+                                            <m:t>0</m:t>
+                                          </m:r>
+                                        </m:e>
+                                        <m:e>
+                                          <m:r>
+                                            <a:rPr lang="en-US" b="0" i="1" smtClean="0">
+                                              <a:latin typeface="Cambria Math" panose="02040503050406030204" pitchFamily="18" charset="0"/>
+                                            </a:rPr>
+                                            <m:t>1</m:t>
+                                          </m:r>
+                                        </m:e>
+                                      </m:mr>
+                                    </m:m>
+                                  </m:e>
+                                </m:d>
+                              </m:oMath>
+                            </m:oMathPara>
+                          </a14:m>
+                          <a:endParaRPr lang="en-US" dirty="0"/>
+                        </a:p>
+                      </a:txBody>
+                      <a:tcPr anchor="ctr"/>
+                    </a:tc>
+                    <a:tc>
+                      <a:txBody>
+                        <a:bodyPr/>
+                        <a:lstStyle/>
+                        <a:p>
+                          <a:pPr algn="ctr"/>
+                          <a14:m>
+                            <m:oMathPara xmlns:m="http://schemas.openxmlformats.org/officeDocument/2006/math">
+                              <m:oMathParaPr>
+                                <m:jc m:val="centerGroup"/>
+                              </m:oMathParaPr>
+                              <m:oMath xmlns:m="http://schemas.openxmlformats.org/officeDocument/2006/math">
+                                <m:r>
+                                  <a:rPr lang="en-US" b="0" i="1" smtClean="0">
+                                    <a:latin typeface="Cambria Math" panose="02040503050406030204" pitchFamily="18" charset="0"/>
+                                  </a:rPr>
+                                  <m:t>𝑥</m:t>
+                                </m:r>
+                                <m:r>
+                                  <a:rPr lang="en-US" b="0" i="1" smtClean="0">
+                                    <a:latin typeface="Cambria Math" panose="02040503050406030204" pitchFamily="18" charset="0"/>
+                                  </a:rPr>
+                                  <m:t>=</m:t>
+                                </m:r>
+                                <m:r>
+                                  <a:rPr lang="en-US" b="0" i="1" smtClean="0">
+                                    <a:latin typeface="Cambria Math" panose="02040503050406030204" pitchFamily="18" charset="0"/>
+                                  </a:rPr>
+                                  <m:t>𝑣</m:t>
+                                </m:r>
+                                <m:r>
+                                  <a:rPr lang="en-US" b="0" i="1" smtClean="0">
+                                    <a:latin typeface="Cambria Math" panose="02040503050406030204" pitchFamily="18" charset="0"/>
+                                  </a:rPr>
+                                  <m:t>+ </m:t>
+                                </m:r>
+                                <m:sSub>
+                                  <m:sSubPr>
+                                    <m:ctrlPr>
+                                      <a:rPr lang="en-US" b="0" i="1" smtClean="0">
+                                        <a:latin typeface="Cambria Math" panose="02040503050406030204" pitchFamily="18" charset="0"/>
+                                      </a:rPr>
+                                    </m:ctrlPr>
+                                  </m:sSubPr>
+                                  <m:e>
+                                    <m:r>
+                                      <a:rPr lang="en-US" b="0" i="1" smtClean="0">
+                                        <a:latin typeface="Cambria Math" panose="02040503050406030204" pitchFamily="18" charset="0"/>
+                                      </a:rPr>
+                                      <m:t>𝑆</m:t>
+                                    </m:r>
+                                  </m:e>
+                                  <m:sub>
+                                    <m:r>
+                                      <a:rPr lang="en-US" b="0" i="1" smtClean="0">
+                                        <a:latin typeface="Cambria Math" panose="02040503050406030204" pitchFamily="18" charset="0"/>
+                                      </a:rPr>
+                                      <m:t>𝑣</m:t>
+                                    </m:r>
+                                  </m:sub>
+                                </m:sSub>
+                                <m:r>
+                                  <a:rPr lang="en-US" b="0" i="1" smtClean="0">
+                                    <a:latin typeface="Cambria Math" panose="02040503050406030204" pitchFamily="18" charset="0"/>
+                                  </a:rPr>
+                                  <m:t>𝑤</m:t>
+                                </m:r>
+                              </m:oMath>
+                            </m:oMathPara>
+                          </a14:m>
+                          <a:endParaRPr lang="en-US" b="0" dirty="0" smtClean="0"/>
+                        </a:p>
+                        <a:p>
+                          <a:pPr algn="ctr"/>
+                          <a14:m>
+                            <m:oMathPara xmlns:m="http://schemas.openxmlformats.org/officeDocument/2006/math">
+                              <m:oMathParaPr>
+                                <m:jc m:val="centerGroup"/>
+                              </m:oMathParaPr>
+                              <m:oMath xmlns:m="http://schemas.openxmlformats.org/officeDocument/2006/math">
+                                <m:r>
+                                  <a:rPr lang="en-US" b="0" i="1" smtClean="0">
+                                    <a:latin typeface="Cambria Math" panose="02040503050406030204" pitchFamily="18" charset="0"/>
+                                  </a:rPr>
+                                  <m:t>𝑦</m:t>
+                                </m:r>
+                                <m:r>
+                                  <a:rPr lang="en-US" b="0" i="1" smtClean="0">
+                                    <a:latin typeface="Cambria Math" panose="02040503050406030204" pitchFamily="18" charset="0"/>
+                                  </a:rPr>
+                                  <m:t>=</m:t>
+                                </m:r>
+                                <m:r>
+                                  <a:rPr lang="en-US" b="0" i="1" smtClean="0">
+                                    <a:latin typeface="Cambria Math" panose="02040503050406030204" pitchFamily="18" charset="0"/>
+                                  </a:rPr>
+                                  <m:t>𝑤</m:t>
+                                </m:r>
+                              </m:oMath>
+                            </m:oMathPara>
+                          </a14:m>
+                          <a:endParaRPr lang="en-US" dirty="0"/>
+                        </a:p>
+                      </a:txBody>
+                      <a:tcPr anchor="ctr"/>
+                    </a:tc>
+                  </a:tr>
+                  <a:tr h="370840">
+                    <a:tc>
+                      <a:txBody>
+                        <a:bodyPr/>
+                        <a:lstStyle/>
+                        <a:p>
+                          <a:pPr algn="ctr"/>
+                          <a:r>
+                            <a:rPr lang="en-US" dirty="0" smtClean="0"/>
+                            <a:t>Horizontal</a:t>
+                          </a:r>
+                          <a:r>
+                            <a:rPr lang="en-US" baseline="0" dirty="0" smtClean="0"/>
+                            <a:t> Shear</a:t>
+                          </a:r>
+                          <a:endParaRPr lang="en-US" dirty="0"/>
+                        </a:p>
+                      </a:txBody>
+                      <a:tcPr anchor="ctr"/>
+                    </a:tc>
+                    <a:tc>
+                      <a:txBody>
+                        <a:bodyPr/>
+                        <a:lstStyle/>
+                        <a:p>
+                          <a:pPr algn="ctr"/>
+                          <a14:m>
+                            <m:oMathPara xmlns:m="http://schemas.openxmlformats.org/officeDocument/2006/math">
+                              <m:oMathParaPr>
+                                <m:jc m:val="centerGroup"/>
+                              </m:oMathParaPr>
+                              <m:oMath xmlns:m="http://schemas.openxmlformats.org/officeDocument/2006/math">
+                                <m:d>
+                                  <m:dPr>
+                                    <m:begChr m:val="["/>
+                                    <m:endChr m:val="]"/>
+                                    <m:ctrlPr>
+                                      <a:rPr lang="en-US" i="1" smtClean="0">
+                                        <a:latin typeface="Cambria Math" panose="02040503050406030204" pitchFamily="18" charset="0"/>
+                                      </a:rPr>
+                                    </m:ctrlPr>
+                                  </m:dPr>
+                                  <m:e>
+                                    <m:m>
+                                      <m:mPr>
+                                        <m:mcs>
+                                          <m:mc>
+                                            <m:mcPr>
+                                              <m:count m:val="3"/>
+                                              <m:mcJc m:val="center"/>
+                                            </m:mcPr>
+                                          </m:mc>
+                                        </m:mcs>
+                                        <m:ctrlPr>
+                                          <a:rPr lang="en-US" i="1" smtClean="0">
+                                            <a:latin typeface="Cambria Math" panose="02040503050406030204" pitchFamily="18" charset="0"/>
+                                          </a:rPr>
+                                        </m:ctrlPr>
+                                      </m:mPr>
+                                      <m:mr>
+                                        <m:e>
+                                          <m:r>
+                                            <a:rPr lang="en-US" b="0" i="1" smtClean="0">
+                                              <a:latin typeface="Cambria Math" panose="02040503050406030204" pitchFamily="18" charset="0"/>
+                                            </a:rPr>
+                                            <m:t>1</m:t>
+                                          </m:r>
+                                        </m:e>
+                                        <m:e>
+                                          <m:sSub>
+                                            <m:sSubPr>
+                                              <m:ctrlPr>
+                                                <a:rPr lang="en-US" b="0" i="1" smtClean="0">
+                                                  <a:latin typeface="Cambria Math" panose="02040503050406030204" pitchFamily="18" charset="0"/>
+                                                </a:rPr>
+                                              </m:ctrlPr>
+                                            </m:sSubPr>
+                                            <m:e>
+                                              <m:r>
+                                                <a:rPr lang="en-US" b="0" i="1" smtClean="0">
+                                                  <a:latin typeface="Cambria Math" panose="02040503050406030204" pitchFamily="18" charset="0"/>
+                                                </a:rPr>
+                                                <m:t>𝑆</m:t>
+                                              </m:r>
+                                            </m:e>
+                                            <m:sub>
+                                              <m:r>
+                                                <a:rPr lang="en-US" b="0" i="1" smtClean="0">
+                                                  <a:latin typeface="Cambria Math" panose="02040503050406030204" pitchFamily="18" charset="0"/>
+                                                </a:rPr>
+                                                <m:t>h</m:t>
+                                              </m:r>
+                                            </m:sub>
+                                          </m:sSub>
+                                        </m:e>
+                                        <m:e>
+                                          <m:r>
+                                            <a:rPr lang="en-US" b="0" i="1" smtClean="0">
+                                              <a:latin typeface="Cambria Math" panose="02040503050406030204" pitchFamily="18" charset="0"/>
+                                            </a:rPr>
+                                            <m:t>0</m:t>
+                                          </m:r>
+                                        </m:e>
+                                      </m:mr>
+                                      <m:mr>
+                                        <m:e>
+                                          <m:r>
+                                            <a:rPr lang="en-US" b="0" i="1" smtClean="0">
+                                              <a:latin typeface="Cambria Math" panose="02040503050406030204" pitchFamily="18" charset="0"/>
+                                            </a:rPr>
+                                            <m:t>0</m:t>
+                                          </m:r>
+                                        </m:e>
+                                        <m:e>
+                                          <m:r>
+                                            <a:rPr lang="en-US" b="0" i="1" smtClean="0">
+                                              <a:latin typeface="Cambria Math" panose="02040503050406030204" pitchFamily="18" charset="0"/>
+                                              <a:ea typeface="Cambria Math" panose="02040503050406030204" pitchFamily="18" charset="0"/>
+                                            </a:rPr>
+                                            <m:t>1</m:t>
+                                          </m:r>
+                                        </m:e>
+                                        <m:e>
+                                          <m:r>
+                                            <a:rPr lang="en-US" b="0" i="1" smtClean="0">
+                                              <a:latin typeface="Cambria Math" panose="02040503050406030204" pitchFamily="18" charset="0"/>
+                                            </a:rPr>
+                                            <m:t>0</m:t>
+                                          </m:r>
+                                        </m:e>
+                                      </m:mr>
+                                      <m:mr>
+                                        <m:e>
+                                          <m:r>
+                                            <a:rPr lang="en-US" b="0" i="1" smtClean="0">
+                                              <a:latin typeface="Cambria Math" panose="02040503050406030204" pitchFamily="18" charset="0"/>
+                                            </a:rPr>
+                                            <m:t>0</m:t>
+                                          </m:r>
+                                        </m:e>
+                                        <m:e>
+                                          <m:r>
+                                            <a:rPr lang="en-US" b="0" i="1" smtClean="0">
+                                              <a:latin typeface="Cambria Math" panose="02040503050406030204" pitchFamily="18" charset="0"/>
+                                            </a:rPr>
+                                            <m:t>0</m:t>
+                                          </m:r>
+                                        </m:e>
+                                        <m:e>
+                                          <m:r>
+                                            <a:rPr lang="en-US" b="0" i="1" smtClean="0">
+                                              <a:latin typeface="Cambria Math" panose="02040503050406030204" pitchFamily="18" charset="0"/>
+                                            </a:rPr>
+                                            <m:t>1</m:t>
+                                          </m:r>
+                                        </m:e>
+                                      </m:mr>
+                                    </m:m>
+                                  </m:e>
+                                </m:d>
+                              </m:oMath>
+                            </m:oMathPara>
+                          </a14:m>
+                          <a:endParaRPr lang="en-US" dirty="0"/>
+                        </a:p>
+                      </a:txBody>
+                      <a:tcPr anchor="ctr"/>
+                    </a:tc>
+                    <a:tc>
+                      <a:txBody>
+                        <a:bodyPr/>
+                        <a:lstStyle/>
+                        <a:p>
+                          <a:pPr algn="ctr"/>
+                          <a14:m>
+                            <m:oMathPara xmlns:m="http://schemas.openxmlformats.org/officeDocument/2006/math">
+                              <m:oMathParaPr>
+                                <m:jc m:val="centerGroup"/>
+                              </m:oMathParaPr>
+                              <m:oMath xmlns:m="http://schemas.openxmlformats.org/officeDocument/2006/math">
+                                <m:r>
+                                  <a:rPr lang="en-US" b="0" i="1" smtClean="0">
+                                    <a:latin typeface="Cambria Math" panose="02040503050406030204" pitchFamily="18" charset="0"/>
+                                  </a:rPr>
+                                  <m:t>𝑥</m:t>
+                                </m:r>
+                                <m:r>
+                                  <a:rPr lang="en-US" b="0" i="1" smtClean="0">
+                                    <a:latin typeface="Cambria Math" panose="02040503050406030204" pitchFamily="18" charset="0"/>
+                                  </a:rPr>
+                                  <m:t>=</m:t>
+                                </m:r>
+                                <m:r>
+                                  <a:rPr lang="en-US" b="0" i="1" smtClean="0">
+                                    <a:latin typeface="Cambria Math" panose="02040503050406030204" pitchFamily="18" charset="0"/>
+                                  </a:rPr>
+                                  <m:t>𝑣</m:t>
+                                </m:r>
+                              </m:oMath>
+                            </m:oMathPara>
+                          </a14:m>
+                          <a:endParaRPr lang="en-US" b="0" i="1" dirty="0" smtClean="0">
+                            <a:latin typeface="Cambria Math" panose="02040503050406030204" pitchFamily="18" charset="0"/>
+                          </a:endParaRPr>
+                        </a:p>
+                        <a:p>
+                          <a:pPr algn="ctr"/>
+                          <a14:m>
+                            <m:oMathPara xmlns:m="http://schemas.openxmlformats.org/officeDocument/2006/math">
+                              <m:oMathParaPr>
+                                <m:jc m:val="centerGroup"/>
+                              </m:oMathParaPr>
+                              <m:oMath xmlns:m="http://schemas.openxmlformats.org/officeDocument/2006/math">
+                                <m:r>
+                                  <a:rPr lang="en-US" b="0" i="1" smtClean="0">
+                                    <a:latin typeface="Cambria Math" panose="02040503050406030204" pitchFamily="18" charset="0"/>
+                                  </a:rPr>
+                                  <m:t>𝑦</m:t>
+                                </m:r>
+                                <m:r>
+                                  <a:rPr lang="en-US" b="0" i="1" smtClean="0">
+                                    <a:latin typeface="Cambria Math" panose="02040503050406030204" pitchFamily="18" charset="0"/>
+                                  </a:rPr>
+                                  <m:t>=</m:t>
+                                </m:r>
+                                <m:sSub>
+                                  <m:sSubPr>
+                                    <m:ctrlPr>
+                                      <a:rPr lang="en-US" b="0" i="1" smtClean="0">
+                                        <a:latin typeface="Cambria Math" panose="02040503050406030204" pitchFamily="18" charset="0"/>
+                                      </a:rPr>
+                                    </m:ctrlPr>
+                                  </m:sSubPr>
+                                  <m:e>
+                                    <m:r>
+                                      <a:rPr lang="en-US" b="0" i="1" smtClean="0">
+                                        <a:latin typeface="Cambria Math" panose="02040503050406030204" pitchFamily="18" charset="0"/>
+                                      </a:rPr>
+                                      <m:t>𝑆</m:t>
+                                    </m:r>
+                                  </m:e>
+                                  <m:sub>
+                                    <m:r>
+                                      <a:rPr lang="en-US" b="0" i="1" smtClean="0">
+                                        <a:latin typeface="Cambria Math" panose="02040503050406030204" pitchFamily="18" charset="0"/>
+                                      </a:rPr>
+                                      <m:t>h</m:t>
+                                    </m:r>
+                                  </m:sub>
+                                </m:sSub>
+                                <m:r>
+                                  <a:rPr lang="en-US" b="0" i="1" smtClean="0">
+                                    <a:latin typeface="Cambria Math" panose="02040503050406030204" pitchFamily="18" charset="0"/>
+                                  </a:rPr>
+                                  <m:t>𝑣</m:t>
+                                </m:r>
+                                <m:r>
+                                  <a:rPr lang="en-US" b="0" i="1" smtClean="0">
+                                    <a:latin typeface="Cambria Math" panose="02040503050406030204" pitchFamily="18" charset="0"/>
+                                  </a:rPr>
+                                  <m:t>+</m:t>
+                                </m:r>
+                                <m:r>
+                                  <a:rPr lang="en-US" b="0" i="1" smtClean="0">
+                                    <a:latin typeface="Cambria Math" panose="02040503050406030204" pitchFamily="18" charset="0"/>
+                                  </a:rPr>
+                                  <m:t>𝑤</m:t>
+                                </m:r>
+                              </m:oMath>
+                            </m:oMathPara>
+                          </a14:m>
+                          <a:endParaRPr lang="en-US" dirty="0"/>
+                        </a:p>
+                      </a:txBody>
+                      <a:tcPr anchor="ctr"/>
+                    </a:tc>
+                  </a:tr>
+                </a:tbl>
+              </a:graphicData>
+            </a:graphic>
+          </p:graphicFrame>
+        </mc:Choice>
+        <mc:Fallback>
+          <p:graphicFrame>
+            <p:nvGraphicFramePr>
+              <p:cNvPr id="4" name="Content Placeholder 3"/>
+              <p:cNvGraphicFramePr>
+                <a:graphicFrameLocks noGrp="1"/>
+              </p:cNvGraphicFramePr>
+              <p:nvPr>
+                <p:ph idx="1"/>
+                <p:extLst>
+                  <p:ext uri="{D42A27DB-BD31-4B8C-83A1-F6EECF244321}">
+                    <p14:modId xmlns:p14="http://schemas.microsoft.com/office/powerpoint/2010/main" val="112231162"/>
+                  </p:ext>
+                </p:extLst>
+              </p:nvPr>
+            </p:nvGraphicFramePr>
+            <p:xfrm>
+              <a:off x="684212" y="197427"/>
+              <a:ext cx="8534400" cy="4663441"/>
+            </p:xfrm>
+            <a:graphic>
+              <a:graphicData uri="http://schemas.openxmlformats.org/drawingml/2006/table">
+                <a:tbl>
+                  <a:tblPr firstRow="1" bandRow="1">
+                    <a:tableStyleId>{5C22544A-7EE6-4342-B048-85BDC9FD1C3A}</a:tableStyleId>
+                  </a:tblPr>
+                  <a:tblGrid>
+                    <a:gridCol w="2844800"/>
+                    <a:gridCol w="2844800"/>
+                    <a:gridCol w="2844800"/>
+                  </a:tblGrid>
+                  <a:tr h="370840">
+                    <a:tc>
+                      <a:txBody>
+                        <a:bodyPr/>
+                        <a:lstStyle/>
+                        <a:p>
+                          <a:r>
+                            <a:rPr lang="en-US" dirty="0" smtClean="0"/>
+                            <a:t>Transformation</a:t>
+                          </a:r>
+                          <a:endParaRPr lang="en-US" dirty="0"/>
+                        </a:p>
+                      </a:txBody>
+                      <a:tcPr/>
+                    </a:tc>
+                    <a:tc>
+                      <a:txBody>
+                        <a:bodyPr/>
+                        <a:lstStyle/>
+                        <a:p>
+                          <a:r>
+                            <a:rPr lang="en-US" dirty="0" smtClean="0"/>
+                            <a:t>Affine Matrix </a:t>
+                          </a:r>
+                          <a:r>
+                            <a:rPr lang="en-US" i="1" dirty="0" smtClean="0"/>
+                            <a:t>T</a:t>
+                          </a:r>
+                          <a:endParaRPr lang="en-US" dirty="0"/>
+                        </a:p>
+                      </a:txBody>
+                      <a:tcPr/>
+                    </a:tc>
+                    <a:tc>
+                      <a:txBody>
+                        <a:bodyPr/>
+                        <a:lstStyle/>
+                        <a:p>
+                          <a:r>
+                            <a:rPr lang="en-US" dirty="0" smtClean="0"/>
+                            <a:t>Coordinate Equations</a:t>
+                          </a:r>
+                          <a:endParaRPr lang="en-US" dirty="0"/>
+                        </a:p>
+                      </a:txBody>
+                      <a:tcPr/>
+                    </a:tc>
+                  </a:tr>
+                  <a:tr h="861949">
+                    <a:tc>
+                      <a:txBody>
+                        <a:bodyPr/>
+                        <a:lstStyle/>
+                        <a:p>
+                          <a:pPr algn="ctr"/>
+                          <a:r>
+                            <a:rPr lang="en-US" dirty="0" smtClean="0"/>
+                            <a:t>Scaling</a:t>
+                          </a:r>
+                          <a:endParaRPr lang="en-US" dirty="0"/>
+                        </a:p>
+                      </a:txBody>
+                      <a:tcPr anchor="ctr"/>
+                    </a:tc>
+                    <a:tc>
+                      <a:txBody>
+                        <a:bodyPr/>
+                        <a:lstStyle/>
+                        <a:p>
+                          <a:endParaRPr lang="en-US"/>
+                        </a:p>
+                      </a:txBody>
+                      <a:tcPr anchor="ctr">
+                        <a:blipFill rotWithShape="0">
+                          <a:blip r:embed="rId2"/>
+                          <a:stretch>
+                            <a:fillRect l="-100214" t="-46809" r="-100857" b="-401418"/>
+                          </a:stretch>
+                        </a:blipFill>
+                      </a:tcPr>
+                    </a:tc>
+                    <a:tc>
+                      <a:txBody>
+                        <a:bodyPr/>
+                        <a:lstStyle/>
+                        <a:p>
+                          <a:endParaRPr lang="en-US"/>
+                        </a:p>
+                      </a:txBody>
+                      <a:tcPr anchor="ctr">
+                        <a:blipFill rotWithShape="0">
+                          <a:blip r:embed="rId2"/>
+                          <a:stretch>
+                            <a:fillRect l="-200214" t="-46809" r="-857" b="-401418"/>
+                          </a:stretch>
+                        </a:blipFill>
+                      </a:tcPr>
+                    </a:tc>
+                  </a:tr>
+                  <a:tr h="819214">
+                    <a:tc>
+                      <a:txBody>
+                        <a:bodyPr/>
+                        <a:lstStyle/>
+                        <a:p>
+                          <a:pPr algn="ctr"/>
+                          <a:r>
+                            <a:rPr lang="en-US" dirty="0" smtClean="0"/>
+                            <a:t>Rotation</a:t>
+                          </a:r>
+                          <a:endParaRPr lang="en-US" dirty="0"/>
+                        </a:p>
+                      </a:txBody>
+                      <a:tcPr anchor="ctr"/>
+                    </a:tc>
+                    <a:tc>
+                      <a:txBody>
+                        <a:bodyPr/>
+                        <a:lstStyle/>
+                        <a:p>
+                          <a:endParaRPr lang="en-US"/>
+                        </a:p>
+                      </a:txBody>
+                      <a:tcPr anchor="ctr">
+                        <a:blipFill rotWithShape="0">
+                          <a:blip r:embed="rId2"/>
+                          <a:stretch>
+                            <a:fillRect l="-100214" t="-153333" r="-100857" b="-319259"/>
+                          </a:stretch>
+                        </a:blipFill>
+                      </a:tcPr>
+                    </a:tc>
+                    <a:tc>
+                      <a:txBody>
+                        <a:bodyPr/>
+                        <a:lstStyle/>
+                        <a:p>
+                          <a:endParaRPr lang="en-US"/>
+                        </a:p>
+                      </a:txBody>
+                      <a:tcPr anchor="ctr">
+                        <a:blipFill rotWithShape="0">
+                          <a:blip r:embed="rId2"/>
+                          <a:stretch>
+                            <a:fillRect l="-200214" t="-153333" r="-857" b="-319259"/>
+                          </a:stretch>
+                        </a:blipFill>
+                      </a:tcPr>
+                    </a:tc>
+                  </a:tr>
+                  <a:tr h="963295">
+                    <a:tc>
+                      <a:txBody>
+                        <a:bodyPr/>
+                        <a:lstStyle/>
+                        <a:p>
+                          <a:pPr algn="ctr"/>
+                          <a:r>
+                            <a:rPr lang="en-US" dirty="0" smtClean="0"/>
+                            <a:t>Translation</a:t>
+                          </a:r>
+                          <a:endParaRPr lang="en-US" dirty="0"/>
+                        </a:p>
+                      </a:txBody>
+                      <a:tcPr anchor="ctr"/>
+                    </a:tc>
+                    <a:tc>
+                      <a:txBody>
+                        <a:bodyPr/>
+                        <a:lstStyle/>
+                        <a:p>
+                          <a:endParaRPr lang="en-US"/>
+                        </a:p>
+                      </a:txBody>
+                      <a:tcPr anchor="ctr">
+                        <a:blipFill rotWithShape="0">
+                          <a:blip r:embed="rId2"/>
+                          <a:stretch>
+                            <a:fillRect l="-100214" t="-216456" r="-100857" b="-172785"/>
+                          </a:stretch>
+                        </a:blipFill>
+                      </a:tcPr>
+                    </a:tc>
+                    <a:tc>
+                      <a:txBody>
+                        <a:bodyPr/>
+                        <a:lstStyle/>
+                        <a:p>
+                          <a:endParaRPr lang="en-US"/>
+                        </a:p>
+                      </a:txBody>
+                      <a:tcPr anchor="ctr">
+                        <a:blipFill rotWithShape="0">
+                          <a:blip r:embed="rId2"/>
+                          <a:stretch>
+                            <a:fillRect l="-200214" t="-216456" r="-857" b="-172785"/>
+                          </a:stretch>
+                        </a:blipFill>
+                      </a:tcPr>
+                    </a:tc>
+                  </a:tr>
+                  <a:tr h="824040">
+                    <a:tc>
+                      <a:txBody>
+                        <a:bodyPr/>
+                        <a:lstStyle/>
+                        <a:p>
+                          <a:pPr algn="ctr"/>
+                          <a:r>
+                            <a:rPr lang="en-US" dirty="0" smtClean="0"/>
+                            <a:t>Vertical</a:t>
+                          </a:r>
+                          <a:r>
+                            <a:rPr lang="en-US" baseline="0" dirty="0" smtClean="0"/>
+                            <a:t> Shear</a:t>
+                          </a:r>
+                          <a:endParaRPr lang="en-US" dirty="0"/>
+                        </a:p>
+                      </a:txBody>
+                      <a:tcPr anchor="ctr"/>
+                    </a:tc>
+                    <a:tc>
+                      <a:txBody>
+                        <a:bodyPr/>
+                        <a:lstStyle/>
+                        <a:p>
+                          <a:endParaRPr lang="en-US"/>
+                        </a:p>
+                      </a:txBody>
+                      <a:tcPr anchor="ctr">
+                        <a:blipFill rotWithShape="0">
+                          <a:blip r:embed="rId2"/>
+                          <a:stretch>
+                            <a:fillRect l="-100214" t="-367647" r="-100857" b="-100735"/>
+                          </a:stretch>
+                        </a:blipFill>
+                      </a:tcPr>
+                    </a:tc>
+                    <a:tc>
+                      <a:txBody>
+                        <a:bodyPr/>
+                        <a:lstStyle/>
+                        <a:p>
+                          <a:endParaRPr lang="en-US"/>
+                        </a:p>
+                      </a:txBody>
+                      <a:tcPr anchor="ctr">
+                        <a:blipFill rotWithShape="0">
+                          <a:blip r:embed="rId2"/>
+                          <a:stretch>
+                            <a:fillRect l="-200214" t="-367647" r="-857" b="-100735"/>
+                          </a:stretch>
+                        </a:blipFill>
+                      </a:tcPr>
+                    </a:tc>
+                  </a:tr>
+                  <a:tr h="824103">
+                    <a:tc>
+                      <a:txBody>
+                        <a:bodyPr/>
+                        <a:lstStyle/>
+                        <a:p>
+                          <a:pPr algn="ctr"/>
+                          <a:r>
+                            <a:rPr lang="en-US" dirty="0" smtClean="0"/>
+                            <a:t>Horizontal</a:t>
+                          </a:r>
+                          <a:r>
+                            <a:rPr lang="en-US" baseline="0" dirty="0" smtClean="0"/>
+                            <a:t> Shear</a:t>
+                          </a:r>
+                          <a:endParaRPr lang="en-US" dirty="0"/>
+                        </a:p>
+                      </a:txBody>
+                      <a:tcPr anchor="ctr"/>
+                    </a:tc>
+                    <a:tc>
+                      <a:txBody>
+                        <a:bodyPr/>
+                        <a:lstStyle/>
+                        <a:p>
+                          <a:endParaRPr lang="en-US"/>
+                        </a:p>
+                      </a:txBody>
+                      <a:tcPr anchor="ctr">
+                        <a:blipFill rotWithShape="0">
+                          <a:blip r:embed="rId2"/>
+                          <a:stretch>
+                            <a:fillRect l="-100214" t="-471111" r="-100857" b="-1481"/>
+                          </a:stretch>
+                        </a:blipFill>
+                      </a:tcPr>
+                    </a:tc>
+                    <a:tc>
+                      <a:txBody>
+                        <a:bodyPr/>
+                        <a:lstStyle/>
+                        <a:p>
+                          <a:endParaRPr lang="en-US"/>
+                        </a:p>
+                      </a:txBody>
+                      <a:tcPr anchor="ctr">
+                        <a:blipFill rotWithShape="0">
+                          <a:blip r:embed="rId2"/>
+                          <a:stretch>
+                            <a:fillRect l="-200214" t="-471111" r="-857" b="-1481"/>
+                          </a:stretch>
+                        </a:blipFill>
+                      </a:tcPr>
+                    </a:tc>
+                  </a:tr>
+                </a:tbl>
+              </a:graphicData>
+            </a:graphic>
+          </p:graphicFrame>
+        </mc:Fallback>
+      </mc:AlternateContent>
     </p:spTree>
     <p:extLst>
       <p:ext uri="{BB962C8B-B14F-4D97-AF65-F5344CB8AC3E}">
-        <p14:creationId xmlns:p14="http://schemas.microsoft.com/office/powerpoint/2010/main" val="3407982787"/>
+        <p14:creationId xmlns:p14="http://schemas.microsoft.com/office/powerpoint/2010/main" val="1884999318"/>
       </p:ext>
     </p:extLst>
   </p:cSld>
@@ -9760,73 +13306,235 @@
           <a:p>
             <a:r>
               <a:rPr lang="en-US" dirty="0" smtClean="0"/>
-              <a:t>Perspective Transform</a:t>
+              <a:t>Forward and inverse mapping</a:t>
             </a:r>
             <a:endParaRPr lang="en-US" dirty="0"/>
           </a:p>
         </p:txBody>
       </p:sp>
-      <p:sp>
-        <p:nvSpPr>
-          <p:cNvPr id="3" name="Content Placeholder 2"/>
-          <p:cNvSpPr>
-            <a:spLocks noGrp="1"/>
-          </p:cNvSpPr>
-          <p:nvPr>
-            <p:ph idx="1"/>
-          </p:nvPr>
-        </p:nvSpPr>
-        <p:spPr/>
-        <p:txBody>
-          <a:bodyPr/>
-          <a:lstStyle/>
-          <a:p>
-            <a:r>
-              <a:rPr lang="en-US" dirty="0" smtClean="0"/>
-              <a:t>Pros</a:t>
-            </a:r>
-          </a:p>
-          <a:p>
-            <a:pPr lvl="1"/>
-            <a:r>
-              <a:rPr lang="en-US" dirty="0" smtClean="0"/>
-              <a:t>uses matrix operations much like the affine Transformations</a:t>
-            </a:r>
-          </a:p>
-          <a:p>
-            <a:pPr lvl="1"/>
-            <a:r>
-              <a:rPr lang="en-US" dirty="0" smtClean="0"/>
-              <a:t>Planar like the Affine Transformations – does Quadrilateral transforms well</a:t>
-            </a:r>
-          </a:p>
-          <a:p>
-            <a:pPr lvl="1"/>
-            <a:r>
-              <a:rPr lang="en-US" dirty="0" smtClean="0"/>
-              <a:t>Lines remain lines  - though they foreshorten distant lines to a vanishing point, renders a nice realistic image</a:t>
-            </a:r>
-          </a:p>
-          <a:p>
-            <a:r>
-              <a:rPr lang="en-US" dirty="0" smtClean="0"/>
-              <a:t>Cons</a:t>
-            </a:r>
-          </a:p>
-          <a:p>
-            <a:pPr lvl="1"/>
-            <a:r>
-              <a:rPr lang="en-US" dirty="0" smtClean="0"/>
-              <a:t>Not as general as bilinear</a:t>
-            </a:r>
-            <a:endParaRPr lang="en-US" dirty="0"/>
-          </a:p>
-        </p:txBody>
-      </p:sp>
+      <mc:AlternateContent xmlns:mc="http://schemas.openxmlformats.org/markup-compatibility/2006">
+        <mc:Choice xmlns:a14="http://schemas.microsoft.com/office/drawing/2010/main" Requires="a14">
+          <p:sp>
+            <p:nvSpPr>
+              <p:cNvPr id="3" name="Content Placeholder 2"/>
+              <p:cNvSpPr>
+                <a:spLocks noGrp="1"/>
+              </p:cNvSpPr>
+              <p:nvPr>
+                <p:ph idx="1"/>
+              </p:nvPr>
+            </p:nvSpPr>
+            <p:spPr/>
+            <p:txBody>
+              <a:bodyPr/>
+              <a:lstStyle/>
+              <a:p>
+                <a:r>
+                  <a:rPr lang="en-US" dirty="0"/>
+                  <a:t>Forward mapping – Map each pixel </a:t>
+                </a:r>
+                <a:r>
+                  <a:rPr lang="en-US" dirty="0"/>
+                  <a:t>(</a:t>
+                </a:r>
+                <a:r>
+                  <a:rPr lang="en-US" dirty="0" err="1"/>
+                  <a:t>u,v</a:t>
+                </a:r>
+                <a:r>
+                  <a:rPr lang="en-US" dirty="0"/>
+                  <a:t>) </a:t>
+                </a:r>
+                <a:r>
+                  <a:rPr lang="en-US" dirty="0"/>
+                  <a:t>from original image to (</a:t>
+                </a:r>
+                <a:r>
+                  <a:rPr lang="en-US" dirty="0" err="1"/>
+                  <a:t>x,y</a:t>
+                </a:r>
+                <a:r>
+                  <a:rPr lang="en-US" dirty="0"/>
+                  <a:t>) of output image</a:t>
+                </a:r>
+              </a:p>
+              <a:p>
+                <a:r>
+                  <a:rPr lang="en-US" dirty="0"/>
+                  <a:t>Inverse mapping – Map each pixel (</a:t>
+                </a:r>
+                <a:r>
+                  <a:rPr lang="en-US" dirty="0" err="1"/>
+                  <a:t>x,y</a:t>
+                </a:r>
+                <a:r>
+                  <a:rPr lang="en-US" dirty="0"/>
+                  <a:t>) of output image to a pixel (</a:t>
+                </a:r>
+                <a:r>
+                  <a:rPr lang="en-US" dirty="0" err="1"/>
+                  <a:t>u,v</a:t>
+                </a:r>
+                <a:r>
+                  <a:rPr lang="en-US" dirty="0"/>
+                  <a:t>) of input image</a:t>
+                </a:r>
+              </a:p>
+              <a:p>
+                <a:pPr lvl="1"/>
+                <a14:m>
+                  <m:oMath xmlns:m="http://schemas.openxmlformats.org/officeDocument/2006/math">
+                    <m:d>
+                      <m:dPr>
+                        <m:ctrlPr>
+                          <a:rPr lang="en-US" i="1">
+                            <a:latin typeface="Cambria Math" panose="02040503050406030204" pitchFamily="18" charset="0"/>
+                          </a:rPr>
+                        </m:ctrlPr>
+                      </m:dPr>
+                      <m:e>
+                        <m:r>
+                          <a:rPr lang="en-US" i="1">
+                            <a:latin typeface="Cambria Math" panose="02040503050406030204" pitchFamily="18" charset="0"/>
+                          </a:rPr>
+                          <m:t>𝑢</m:t>
+                        </m:r>
+                        <m:r>
+                          <a:rPr lang="en-US" i="1">
+                            <a:latin typeface="Cambria Math" panose="02040503050406030204" pitchFamily="18" charset="0"/>
+                          </a:rPr>
+                          <m:t>,</m:t>
+                        </m:r>
+                        <m:r>
+                          <a:rPr lang="en-US" i="1">
+                            <a:latin typeface="Cambria Math" panose="02040503050406030204" pitchFamily="18" charset="0"/>
+                          </a:rPr>
+                          <m:t>𝑣</m:t>
+                        </m:r>
+                      </m:e>
+                    </m:d>
+                    <m:r>
+                      <a:rPr lang="en-US" i="1">
+                        <a:latin typeface="Cambria Math" panose="02040503050406030204" pitchFamily="18" charset="0"/>
+                      </a:rPr>
+                      <m:t>= </m:t>
+                    </m:r>
+                    <m:sSup>
+                      <m:sSupPr>
+                        <m:ctrlPr>
+                          <a:rPr lang="en-US" i="1">
+                            <a:latin typeface="Cambria Math" panose="02040503050406030204" pitchFamily="18" charset="0"/>
+                          </a:rPr>
+                        </m:ctrlPr>
+                      </m:sSupPr>
+                      <m:e>
+                        <m:r>
+                          <a:rPr lang="en-US" i="1">
+                            <a:latin typeface="Cambria Math" panose="02040503050406030204" pitchFamily="18" charset="0"/>
+                          </a:rPr>
+                          <m:t>𝑇</m:t>
+                        </m:r>
+                      </m:e>
+                      <m:sup>
+                        <m:r>
+                          <a:rPr lang="en-US" i="1">
+                            <a:latin typeface="Cambria Math" panose="02040503050406030204" pitchFamily="18" charset="0"/>
+                          </a:rPr>
+                          <m:t>−1</m:t>
+                        </m:r>
+                      </m:sup>
+                    </m:sSup>
+                    <m:d>
+                      <m:dPr>
+                        <m:ctrlPr>
+                          <a:rPr lang="en-US" i="1">
+                            <a:latin typeface="Cambria Math" panose="02040503050406030204" pitchFamily="18" charset="0"/>
+                          </a:rPr>
+                        </m:ctrlPr>
+                      </m:dPr>
+                      <m:e>
+                        <m:r>
+                          <a:rPr lang="en-US" i="1">
+                            <a:latin typeface="Cambria Math" panose="02040503050406030204" pitchFamily="18" charset="0"/>
+                          </a:rPr>
+                          <m:t>𝑥</m:t>
+                        </m:r>
+                        <m:r>
+                          <a:rPr lang="en-US" i="1">
+                            <a:latin typeface="Cambria Math" panose="02040503050406030204" pitchFamily="18" charset="0"/>
+                          </a:rPr>
+                          <m:t>,</m:t>
+                        </m:r>
+                        <m:r>
+                          <a:rPr lang="en-US" i="1">
+                            <a:latin typeface="Cambria Math" panose="02040503050406030204" pitchFamily="18" charset="0"/>
+                          </a:rPr>
+                          <m:t>𝑦</m:t>
+                        </m:r>
+                      </m:e>
+                    </m:d>
+                  </m:oMath>
+                </a14:m>
+                <a:endParaRPr lang="en-US" dirty="0"/>
+              </a:p>
+              <a:p>
+                <a:r>
+                  <a:rPr lang="en-US" dirty="0"/>
+                  <a:t>Interpolate intensity value from nearest input pixel(s)</a:t>
+                </a:r>
+              </a:p>
+              <a:p>
+                <a:r>
+                  <a:rPr lang="en-US" dirty="0"/>
+                  <a:t>Inverse mappings are more </a:t>
+                </a:r>
+                <a:r>
+                  <a:rPr lang="en-US" dirty="0" smtClean="0"/>
+                  <a:t>efficient</a:t>
+                </a:r>
+                <a:endParaRPr lang="en-US" dirty="0"/>
+              </a:p>
+            </p:txBody>
+          </p:sp>
+        </mc:Choice>
+        <mc:Fallback>
+          <p:sp>
+            <p:nvSpPr>
+              <p:cNvPr id="3" name="Content Placeholder 2"/>
+              <p:cNvSpPr>
+                <a:spLocks noGrp="1" noRot="1" noChangeAspect="1" noMove="1" noResize="1" noEditPoints="1" noAdjustHandles="1" noChangeArrowheads="1" noChangeShapeType="1" noTextEdit="1"/>
+              </p:cNvSpPr>
+              <p:nvPr>
+                <p:ph idx="1"/>
+              </p:nvPr>
+            </p:nvSpPr>
+            <p:spPr>
+              <a:blipFill rotWithShape="0">
+                <a:blip r:embed="rId2"/>
+                <a:stretch>
+                  <a:fillRect l="-286"/>
+                </a:stretch>
+              </a:blipFill>
+            </p:spPr>
+            <p:txBody>
+              <a:bodyPr/>
+              <a:lstStyle/>
+              <a:p>
+                <a:r>
+                  <a:rPr lang="en-US">
+                    <a:noFill/>
+                  </a:rPr>
+                  <a:t> </a:t>
+                </a:r>
+              </a:p>
+            </p:txBody>
+          </p:sp>
+        </mc:Fallback>
+      </mc:AlternateContent>
     </p:spTree>
     <p:extLst>
       <p:ext uri="{BB962C8B-B14F-4D97-AF65-F5344CB8AC3E}">
-        <p14:creationId xmlns:p14="http://schemas.microsoft.com/office/powerpoint/2010/main" val="985594558"/>
+        <p14:creationId xmlns:p14="http://schemas.microsoft.com/office/powerpoint/2010/main" val="1806492187"/>
       </p:ext>
     </p:extLst>
   </p:cSld>
@@ -9863,58 +13571,669 @@
             <p:ph type="title"/>
           </p:nvPr>
         </p:nvSpPr>
-        <p:spPr>
-          <a:xfrm>
-            <a:off x="569911" y="4406900"/>
-            <a:ext cx="8534401" cy="2281600"/>
-          </a:xfrm>
-        </p:spPr>
+        <p:spPr/>
         <p:txBody>
           <a:bodyPr/>
           <a:lstStyle/>
           <a:p>
             <a:r>
               <a:rPr lang="en-US" dirty="0" smtClean="0"/>
-              <a:t>Doing the Perspective Transform</a:t>
+              <a:t>Inverse equations</a:t>
             </a:r>
             <a:endParaRPr lang="en-US" dirty="0"/>
           </a:p>
         </p:txBody>
       </p:sp>
-      <p:pic>
-        <p:nvPicPr>
-          <p:cNvPr id="4" name="Picture 3"/>
-          <p:cNvPicPr>
-            <a:picLocks noChangeAspect="1"/>
-          </p:cNvPicPr>
-          <p:nvPr/>
-        </p:nvPicPr>
-        <p:blipFill>
-          <a:blip r:embed="rId2">
-            <a:extLst>
-              <a:ext uri="{28A0092B-C50C-407E-A947-70E740481C1C}">
-                <a14:useLocalDpi xmlns:a14="http://schemas.microsoft.com/office/drawing/2010/main" val="0"/>
-              </a:ext>
-            </a:extLst>
-          </a:blip>
-          <a:stretch>
-            <a:fillRect/>
-          </a:stretch>
-        </p:blipFill>
-        <p:spPr>
-          <a:xfrm>
-            <a:off x="1475509" y="1083751"/>
-            <a:ext cx="8427027" cy="4277354"/>
-          </a:xfrm>
-          <a:prstGeom prst="rect">
-            <a:avLst/>
-          </a:prstGeom>
-        </p:spPr>
-      </p:pic>
+      <mc:AlternateContent xmlns:mc="http://schemas.openxmlformats.org/markup-compatibility/2006">
+        <mc:Choice xmlns:a14="http://schemas.microsoft.com/office/drawing/2010/main" Requires="a14">
+          <p:sp>
+            <p:nvSpPr>
+              <p:cNvPr id="3" name="Content Placeholder 2"/>
+              <p:cNvSpPr>
+                <a:spLocks noGrp="1"/>
+              </p:cNvSpPr>
+              <p:nvPr>
+                <p:ph idx="1"/>
+              </p:nvPr>
+            </p:nvSpPr>
+            <p:spPr/>
+            <p:txBody>
+              <a:bodyPr/>
+              <a:lstStyle/>
+              <a:p>
+                <a:r>
+                  <a:rPr lang="en-US" dirty="0" smtClean="0"/>
+                  <a:t>Scaling</a:t>
+                </a:r>
+              </a:p>
+              <a:p>
+                <a:pPr lvl="1"/>
+                <a14:m>
+                  <m:oMath xmlns:m="http://schemas.openxmlformats.org/officeDocument/2006/math">
+                    <m:r>
+                      <a:rPr lang="en-US" b="0" i="1" smtClean="0">
+                        <a:latin typeface="Cambria Math" panose="02040503050406030204" pitchFamily="18" charset="0"/>
+                      </a:rPr>
+                      <m:t>𝑣</m:t>
+                    </m:r>
+                    <m:r>
+                      <a:rPr lang="en-US" b="0" i="1" smtClean="0">
+                        <a:latin typeface="Cambria Math" panose="02040503050406030204" pitchFamily="18" charset="0"/>
+                      </a:rPr>
+                      <m:t>=</m:t>
+                    </m:r>
+                    <m:r>
+                      <a:rPr lang="en-US" b="0" i="1" smtClean="0">
+                        <a:latin typeface="Cambria Math" panose="02040503050406030204" pitchFamily="18" charset="0"/>
+                      </a:rPr>
+                      <m:t>𝑥</m:t>
+                    </m:r>
+                    <m:r>
+                      <a:rPr lang="en-US" b="0" i="1" smtClean="0">
+                        <a:latin typeface="Cambria Math" panose="02040503050406030204" pitchFamily="18" charset="0"/>
+                      </a:rPr>
+                      <m:t>/</m:t>
+                    </m:r>
+                    <m:sSub>
+                      <m:sSubPr>
+                        <m:ctrlPr>
+                          <a:rPr lang="en-US" b="0" i="1" smtClean="0">
+                            <a:latin typeface="Cambria Math" panose="02040503050406030204" pitchFamily="18" charset="0"/>
+                          </a:rPr>
+                        </m:ctrlPr>
+                      </m:sSubPr>
+                      <m:e>
+                        <m:r>
+                          <a:rPr lang="en-US" b="0" i="1" smtClean="0">
+                            <a:latin typeface="Cambria Math" panose="02040503050406030204" pitchFamily="18" charset="0"/>
+                          </a:rPr>
+                          <m:t>𝐶</m:t>
+                        </m:r>
+                      </m:e>
+                      <m:sub>
+                        <m:r>
+                          <a:rPr lang="en-US" b="0" i="1" smtClean="0">
+                            <a:latin typeface="Cambria Math" panose="02040503050406030204" pitchFamily="18" charset="0"/>
+                          </a:rPr>
+                          <m:t>𝑥</m:t>
+                        </m:r>
+                      </m:sub>
+                    </m:sSub>
+                  </m:oMath>
+                </a14:m>
+                <a:endParaRPr lang="en-US" b="0" dirty="0" smtClean="0"/>
+              </a:p>
+              <a:p>
+                <a:pPr lvl="1"/>
+                <a14:m>
+                  <m:oMath xmlns:m="http://schemas.openxmlformats.org/officeDocument/2006/math">
+                    <m:r>
+                      <a:rPr lang="en-US" b="0" i="1" smtClean="0">
+                        <a:latin typeface="Cambria Math" panose="02040503050406030204" pitchFamily="18" charset="0"/>
+                      </a:rPr>
+                      <m:t>𝑤</m:t>
+                    </m:r>
+                    <m:r>
+                      <a:rPr lang="en-US" b="0" i="1" smtClean="0">
+                        <a:latin typeface="Cambria Math" panose="02040503050406030204" pitchFamily="18" charset="0"/>
+                      </a:rPr>
+                      <m:t>=</m:t>
+                    </m:r>
+                    <m:r>
+                      <a:rPr lang="en-US" b="0" i="1" smtClean="0">
+                        <a:latin typeface="Cambria Math" panose="02040503050406030204" pitchFamily="18" charset="0"/>
+                      </a:rPr>
+                      <m:t>𝑦</m:t>
+                    </m:r>
+                    <m:r>
+                      <a:rPr lang="en-US" b="0" i="1" smtClean="0">
+                        <a:latin typeface="Cambria Math" panose="02040503050406030204" pitchFamily="18" charset="0"/>
+                      </a:rPr>
+                      <m:t>/</m:t>
+                    </m:r>
+                    <m:sSub>
+                      <m:sSubPr>
+                        <m:ctrlPr>
+                          <a:rPr lang="en-US" b="0" i="1" smtClean="0">
+                            <a:latin typeface="Cambria Math" panose="02040503050406030204" pitchFamily="18" charset="0"/>
+                          </a:rPr>
+                        </m:ctrlPr>
+                      </m:sSubPr>
+                      <m:e>
+                        <m:r>
+                          <a:rPr lang="en-US" b="0" i="1" smtClean="0">
+                            <a:latin typeface="Cambria Math" panose="02040503050406030204" pitchFamily="18" charset="0"/>
+                          </a:rPr>
+                          <m:t>𝐶</m:t>
+                        </m:r>
+                      </m:e>
+                      <m:sub>
+                        <m:r>
+                          <a:rPr lang="en-US" b="0" i="1" smtClean="0">
+                            <a:latin typeface="Cambria Math" panose="02040503050406030204" pitchFamily="18" charset="0"/>
+                          </a:rPr>
+                          <m:t>𝑦</m:t>
+                        </m:r>
+                      </m:sub>
+                    </m:sSub>
+                  </m:oMath>
+                </a14:m>
+                <a:endParaRPr lang="en-US" dirty="0" smtClean="0"/>
+              </a:p>
+              <a:p>
+                <a:r>
+                  <a:rPr lang="en-US" dirty="0" smtClean="0"/>
+                  <a:t>Rotation</a:t>
+                </a:r>
+              </a:p>
+              <a:p>
+                <a:pPr lvl="1"/>
+                <a14:m>
+                  <m:oMath xmlns:m="http://schemas.openxmlformats.org/officeDocument/2006/math">
+                    <m:r>
+                      <a:rPr lang="en-US" b="0" i="1" smtClean="0">
+                        <a:latin typeface="Cambria Math" panose="02040503050406030204" pitchFamily="18" charset="0"/>
+                      </a:rPr>
+                      <m:t>𝑣</m:t>
+                    </m:r>
+                    <m:r>
+                      <a:rPr lang="en-US" b="0" i="1" smtClean="0">
+                        <a:latin typeface="Cambria Math" panose="02040503050406030204" pitchFamily="18" charset="0"/>
+                      </a:rPr>
+                      <m:t>=</m:t>
+                    </m:r>
+                    <m:d>
+                      <m:dPr>
+                        <m:ctrlPr>
+                          <a:rPr lang="en-US" b="0" i="1" smtClean="0">
+                            <a:latin typeface="Cambria Math" panose="02040503050406030204" pitchFamily="18" charset="0"/>
+                          </a:rPr>
+                        </m:ctrlPr>
+                      </m:dPr>
+                      <m:e>
+                        <m:r>
+                          <a:rPr lang="en-US" b="0" i="1" smtClean="0">
+                            <a:latin typeface="Cambria Math" panose="02040503050406030204" pitchFamily="18" charset="0"/>
+                          </a:rPr>
+                          <m:t>𝑥</m:t>
+                        </m:r>
+                        <m:r>
+                          <a:rPr lang="en-US" b="0" i="1" smtClean="0">
+                            <a:latin typeface="Cambria Math" panose="02040503050406030204" pitchFamily="18" charset="0"/>
+                          </a:rPr>
+                          <m:t>−</m:t>
+                        </m:r>
+                        <m:sSub>
+                          <m:sSubPr>
+                            <m:ctrlPr>
+                              <a:rPr lang="en-US" b="0" i="1" smtClean="0">
+                                <a:latin typeface="Cambria Math" panose="02040503050406030204" pitchFamily="18" charset="0"/>
+                              </a:rPr>
+                            </m:ctrlPr>
+                          </m:sSubPr>
+                          <m:e>
+                            <m:r>
+                              <a:rPr lang="en-US" b="0" i="1" smtClean="0">
+                                <a:latin typeface="Cambria Math" panose="02040503050406030204" pitchFamily="18" charset="0"/>
+                              </a:rPr>
+                              <m:t>𝑥</m:t>
+                            </m:r>
+                          </m:e>
+                          <m:sub>
+                            <m:r>
+                              <a:rPr lang="en-US" b="0" i="1" smtClean="0">
+                                <a:latin typeface="Cambria Math" panose="02040503050406030204" pitchFamily="18" charset="0"/>
+                              </a:rPr>
+                              <m:t>0</m:t>
+                            </m:r>
+                          </m:sub>
+                        </m:sSub>
+                      </m:e>
+                    </m:d>
+                    <m:r>
+                      <a:rPr lang="en-US" b="0" i="1" smtClean="0">
+                        <a:latin typeface="Cambria Math" panose="02040503050406030204" pitchFamily="18" charset="0"/>
+                      </a:rPr>
+                      <m:t>𝑐𝑜𝑠</m:t>
+                    </m:r>
+                    <m:r>
+                      <a:rPr lang="en-US" b="0" i="1" smtClean="0">
+                        <a:latin typeface="Cambria Math" panose="02040503050406030204" pitchFamily="18" charset="0"/>
+                        <a:ea typeface="Cambria Math" panose="02040503050406030204" pitchFamily="18" charset="0"/>
+                      </a:rPr>
+                      <m:t>𝜃</m:t>
+                    </m:r>
+                    <m:r>
+                      <a:rPr lang="en-US" b="0" i="1" smtClean="0">
+                        <a:latin typeface="Cambria Math" panose="02040503050406030204" pitchFamily="18" charset="0"/>
+                        <a:ea typeface="Cambria Math" panose="02040503050406030204" pitchFamily="18" charset="0"/>
+                      </a:rPr>
+                      <m:t>−</m:t>
+                    </m:r>
+                    <m:d>
+                      <m:dPr>
+                        <m:ctrlPr>
+                          <a:rPr lang="en-US" b="0" i="1" smtClean="0">
+                            <a:latin typeface="Cambria Math" panose="02040503050406030204" pitchFamily="18" charset="0"/>
+                            <a:ea typeface="Cambria Math" panose="02040503050406030204" pitchFamily="18" charset="0"/>
+                          </a:rPr>
+                        </m:ctrlPr>
+                      </m:dPr>
+                      <m:e>
+                        <m:r>
+                          <a:rPr lang="en-US" b="0" i="1" smtClean="0">
+                            <a:latin typeface="Cambria Math" panose="02040503050406030204" pitchFamily="18" charset="0"/>
+                            <a:ea typeface="Cambria Math" panose="02040503050406030204" pitchFamily="18" charset="0"/>
+                          </a:rPr>
+                          <m:t>𝑦</m:t>
+                        </m:r>
+                        <m:r>
+                          <a:rPr lang="en-US" b="0" i="1" smtClean="0">
+                            <a:latin typeface="Cambria Math" panose="02040503050406030204" pitchFamily="18" charset="0"/>
+                            <a:ea typeface="Cambria Math" panose="02040503050406030204" pitchFamily="18" charset="0"/>
+                          </a:rPr>
+                          <m:t>−</m:t>
+                        </m:r>
+                        <m:sSub>
+                          <m:sSubPr>
+                            <m:ctrlPr>
+                              <a:rPr lang="en-US" b="0" i="1" smtClean="0">
+                                <a:latin typeface="Cambria Math" panose="02040503050406030204" pitchFamily="18" charset="0"/>
+                                <a:ea typeface="Cambria Math" panose="02040503050406030204" pitchFamily="18" charset="0"/>
+                              </a:rPr>
+                            </m:ctrlPr>
+                          </m:sSubPr>
+                          <m:e>
+                            <m:r>
+                              <a:rPr lang="en-US" b="0" i="1" smtClean="0">
+                                <a:latin typeface="Cambria Math" panose="02040503050406030204" pitchFamily="18" charset="0"/>
+                                <a:ea typeface="Cambria Math" panose="02040503050406030204" pitchFamily="18" charset="0"/>
+                              </a:rPr>
+                              <m:t>𝑦</m:t>
+                            </m:r>
+                          </m:e>
+                          <m:sub>
+                            <m:r>
+                              <a:rPr lang="en-US" b="0" i="1" smtClean="0">
+                                <a:latin typeface="Cambria Math" panose="02040503050406030204" pitchFamily="18" charset="0"/>
+                                <a:ea typeface="Cambria Math" panose="02040503050406030204" pitchFamily="18" charset="0"/>
+                              </a:rPr>
+                              <m:t>0</m:t>
+                            </m:r>
+                          </m:sub>
+                        </m:sSub>
+                      </m:e>
+                    </m:d>
+                    <m:r>
+                      <a:rPr lang="en-US" b="0" i="1" smtClean="0">
+                        <a:latin typeface="Cambria Math" panose="02040503050406030204" pitchFamily="18" charset="0"/>
+                        <a:ea typeface="Cambria Math" panose="02040503050406030204" pitchFamily="18" charset="0"/>
+                      </a:rPr>
+                      <m:t>𝑠𝑖𝑛</m:t>
+                    </m:r>
+                    <m:r>
+                      <a:rPr lang="en-US" b="0" i="1" smtClean="0">
+                        <a:latin typeface="Cambria Math" panose="02040503050406030204" pitchFamily="18" charset="0"/>
+                        <a:ea typeface="Cambria Math" panose="02040503050406030204" pitchFamily="18" charset="0"/>
+                      </a:rPr>
+                      <m:t>𝜃</m:t>
+                    </m:r>
+                    <m:r>
+                      <a:rPr lang="en-US" b="0" i="1" smtClean="0">
+                        <a:latin typeface="Cambria Math" panose="02040503050406030204" pitchFamily="18" charset="0"/>
+                        <a:ea typeface="Cambria Math" panose="02040503050406030204" pitchFamily="18" charset="0"/>
+                      </a:rPr>
+                      <m:t>+</m:t>
+                    </m:r>
+                    <m:sSub>
+                      <m:sSubPr>
+                        <m:ctrlPr>
+                          <a:rPr lang="en-US" b="0" i="1" smtClean="0">
+                            <a:latin typeface="Cambria Math" panose="02040503050406030204" pitchFamily="18" charset="0"/>
+                            <a:ea typeface="Cambria Math" panose="02040503050406030204" pitchFamily="18" charset="0"/>
+                          </a:rPr>
+                        </m:ctrlPr>
+                      </m:sSubPr>
+                      <m:e>
+                        <m:r>
+                          <a:rPr lang="en-US" b="0" i="1" smtClean="0">
+                            <a:latin typeface="Cambria Math" panose="02040503050406030204" pitchFamily="18" charset="0"/>
+                            <a:ea typeface="Cambria Math" panose="02040503050406030204" pitchFamily="18" charset="0"/>
+                          </a:rPr>
+                          <m:t>𝑥</m:t>
+                        </m:r>
+                      </m:e>
+                      <m:sub>
+                        <m:r>
+                          <a:rPr lang="en-US" b="0" i="1" smtClean="0">
+                            <a:latin typeface="Cambria Math" panose="02040503050406030204" pitchFamily="18" charset="0"/>
+                            <a:ea typeface="Cambria Math" panose="02040503050406030204" pitchFamily="18" charset="0"/>
+                          </a:rPr>
+                          <m:t>0</m:t>
+                        </m:r>
+                      </m:sub>
+                    </m:sSub>
+                  </m:oMath>
+                </a14:m>
+                <a:endParaRPr lang="en-US" b="0" i="1" dirty="0" smtClean="0">
+                  <a:latin typeface="Cambria Math" panose="02040503050406030204" pitchFamily="18" charset="0"/>
+                  <a:ea typeface="Cambria Math" panose="02040503050406030204" pitchFamily="18" charset="0"/>
+                </a:endParaRPr>
+              </a:p>
+              <a:p>
+                <a:pPr lvl="1"/>
+                <a14:m>
+                  <m:oMath xmlns:m="http://schemas.openxmlformats.org/officeDocument/2006/math">
+                    <m:r>
+                      <a:rPr lang="en-US" b="0" i="1" smtClean="0">
+                        <a:latin typeface="Cambria Math" panose="02040503050406030204" pitchFamily="18" charset="0"/>
+                      </a:rPr>
+                      <m:t>𝑤</m:t>
+                    </m:r>
+                    <m:r>
+                      <a:rPr lang="en-US" i="1">
+                        <a:latin typeface="Cambria Math" panose="02040503050406030204" pitchFamily="18" charset="0"/>
+                      </a:rPr>
+                      <m:t>=</m:t>
+                    </m:r>
+                    <m:d>
+                      <m:dPr>
+                        <m:ctrlPr>
+                          <a:rPr lang="en-US" i="1">
+                            <a:latin typeface="Cambria Math" panose="02040503050406030204" pitchFamily="18" charset="0"/>
+                          </a:rPr>
+                        </m:ctrlPr>
+                      </m:dPr>
+                      <m:e>
+                        <m:r>
+                          <a:rPr lang="en-US" b="0" i="1" smtClean="0">
+                            <a:latin typeface="Cambria Math" panose="02040503050406030204" pitchFamily="18" charset="0"/>
+                          </a:rPr>
+                          <m:t>𝑦</m:t>
+                        </m:r>
+                        <m:r>
+                          <a:rPr lang="en-US" i="1">
+                            <a:latin typeface="Cambria Math" panose="02040503050406030204" pitchFamily="18" charset="0"/>
+                          </a:rPr>
+                          <m:t>−</m:t>
+                        </m:r>
+                        <m:sSub>
+                          <m:sSubPr>
+                            <m:ctrlPr>
+                              <a:rPr lang="en-US" i="1">
+                                <a:latin typeface="Cambria Math" panose="02040503050406030204" pitchFamily="18" charset="0"/>
+                              </a:rPr>
+                            </m:ctrlPr>
+                          </m:sSubPr>
+                          <m:e>
+                            <m:r>
+                              <a:rPr lang="en-US" b="0" i="1" smtClean="0">
+                                <a:latin typeface="Cambria Math" panose="02040503050406030204" pitchFamily="18" charset="0"/>
+                              </a:rPr>
+                              <m:t>𝑦</m:t>
+                            </m:r>
+                          </m:e>
+                          <m:sub>
+                            <m:r>
+                              <a:rPr lang="en-US" i="1">
+                                <a:latin typeface="Cambria Math" panose="02040503050406030204" pitchFamily="18" charset="0"/>
+                              </a:rPr>
+                              <m:t>0</m:t>
+                            </m:r>
+                          </m:sub>
+                        </m:sSub>
+                      </m:e>
+                    </m:d>
+                    <m:r>
+                      <a:rPr lang="en-US" i="1">
+                        <a:latin typeface="Cambria Math" panose="02040503050406030204" pitchFamily="18" charset="0"/>
+                      </a:rPr>
+                      <m:t>𝑐𝑜𝑠</m:t>
+                    </m:r>
+                    <m:r>
+                      <a:rPr lang="en-US" i="1">
+                        <a:latin typeface="Cambria Math" panose="02040503050406030204" pitchFamily="18" charset="0"/>
+                        <a:ea typeface="Cambria Math" panose="02040503050406030204" pitchFamily="18" charset="0"/>
+                      </a:rPr>
+                      <m:t>𝜃</m:t>
+                    </m:r>
+                    <m:r>
+                      <a:rPr lang="en-US" b="0" i="1" smtClean="0">
+                        <a:latin typeface="Cambria Math" panose="02040503050406030204" pitchFamily="18" charset="0"/>
+                        <a:ea typeface="Cambria Math" panose="02040503050406030204" pitchFamily="18" charset="0"/>
+                      </a:rPr>
+                      <m:t>+</m:t>
+                    </m:r>
+                    <m:d>
+                      <m:dPr>
+                        <m:ctrlPr>
+                          <a:rPr lang="en-US" i="1">
+                            <a:latin typeface="Cambria Math" panose="02040503050406030204" pitchFamily="18" charset="0"/>
+                            <a:ea typeface="Cambria Math" panose="02040503050406030204" pitchFamily="18" charset="0"/>
+                          </a:rPr>
+                        </m:ctrlPr>
+                      </m:dPr>
+                      <m:e>
+                        <m:r>
+                          <a:rPr lang="en-US" b="0" i="1" smtClean="0">
+                            <a:latin typeface="Cambria Math" panose="02040503050406030204" pitchFamily="18" charset="0"/>
+                            <a:ea typeface="Cambria Math" panose="02040503050406030204" pitchFamily="18" charset="0"/>
+                          </a:rPr>
+                          <m:t>𝑥</m:t>
+                        </m:r>
+                        <m:r>
+                          <a:rPr lang="en-US" i="1">
+                            <a:latin typeface="Cambria Math" panose="02040503050406030204" pitchFamily="18" charset="0"/>
+                            <a:ea typeface="Cambria Math" panose="02040503050406030204" pitchFamily="18" charset="0"/>
+                          </a:rPr>
+                          <m:t>−</m:t>
+                        </m:r>
+                        <m:sSub>
+                          <m:sSubPr>
+                            <m:ctrlPr>
+                              <a:rPr lang="en-US" i="1">
+                                <a:latin typeface="Cambria Math" panose="02040503050406030204" pitchFamily="18" charset="0"/>
+                                <a:ea typeface="Cambria Math" panose="02040503050406030204" pitchFamily="18" charset="0"/>
+                              </a:rPr>
+                            </m:ctrlPr>
+                          </m:sSubPr>
+                          <m:e>
+                            <m:r>
+                              <a:rPr lang="en-US" b="0" i="1" smtClean="0">
+                                <a:latin typeface="Cambria Math" panose="02040503050406030204" pitchFamily="18" charset="0"/>
+                                <a:ea typeface="Cambria Math" panose="02040503050406030204" pitchFamily="18" charset="0"/>
+                              </a:rPr>
+                              <m:t>𝑥</m:t>
+                            </m:r>
+                          </m:e>
+                          <m:sub>
+                            <m:r>
+                              <a:rPr lang="en-US" i="1">
+                                <a:latin typeface="Cambria Math" panose="02040503050406030204" pitchFamily="18" charset="0"/>
+                                <a:ea typeface="Cambria Math" panose="02040503050406030204" pitchFamily="18" charset="0"/>
+                              </a:rPr>
+                              <m:t>0</m:t>
+                            </m:r>
+                          </m:sub>
+                        </m:sSub>
+                      </m:e>
+                    </m:d>
+                    <m:r>
+                      <a:rPr lang="en-US" i="1">
+                        <a:latin typeface="Cambria Math" panose="02040503050406030204" pitchFamily="18" charset="0"/>
+                        <a:ea typeface="Cambria Math" panose="02040503050406030204" pitchFamily="18" charset="0"/>
+                      </a:rPr>
+                      <m:t>𝑠𝑖𝑛</m:t>
+                    </m:r>
+                    <m:r>
+                      <a:rPr lang="en-US" i="1">
+                        <a:latin typeface="Cambria Math" panose="02040503050406030204" pitchFamily="18" charset="0"/>
+                        <a:ea typeface="Cambria Math" panose="02040503050406030204" pitchFamily="18" charset="0"/>
+                      </a:rPr>
+                      <m:t>𝜃</m:t>
+                    </m:r>
+                    <m:r>
+                      <a:rPr lang="en-US" i="1">
+                        <a:latin typeface="Cambria Math" panose="02040503050406030204" pitchFamily="18" charset="0"/>
+                        <a:ea typeface="Cambria Math" panose="02040503050406030204" pitchFamily="18" charset="0"/>
+                      </a:rPr>
+                      <m:t>+</m:t>
+                    </m:r>
+                    <m:sSub>
+                      <m:sSubPr>
+                        <m:ctrlPr>
+                          <a:rPr lang="en-US" i="1">
+                            <a:latin typeface="Cambria Math" panose="02040503050406030204" pitchFamily="18" charset="0"/>
+                            <a:ea typeface="Cambria Math" panose="02040503050406030204" pitchFamily="18" charset="0"/>
+                          </a:rPr>
+                        </m:ctrlPr>
+                      </m:sSubPr>
+                      <m:e>
+                        <m:r>
+                          <a:rPr lang="en-US" b="0" i="1" smtClean="0">
+                            <a:latin typeface="Cambria Math" panose="02040503050406030204" pitchFamily="18" charset="0"/>
+                            <a:ea typeface="Cambria Math" panose="02040503050406030204" pitchFamily="18" charset="0"/>
+                          </a:rPr>
+                          <m:t>𝑦</m:t>
+                        </m:r>
+                      </m:e>
+                      <m:sub>
+                        <m:r>
+                          <a:rPr lang="en-US" i="1">
+                            <a:latin typeface="Cambria Math" panose="02040503050406030204" pitchFamily="18" charset="0"/>
+                            <a:ea typeface="Cambria Math" panose="02040503050406030204" pitchFamily="18" charset="0"/>
+                          </a:rPr>
+                          <m:t>0</m:t>
+                        </m:r>
+                      </m:sub>
+                    </m:sSub>
+                  </m:oMath>
+                </a14:m>
+                <a:endParaRPr lang="en-US" i="1" dirty="0" smtClean="0">
+                  <a:latin typeface="Cambria Math" panose="02040503050406030204" pitchFamily="18" charset="0"/>
+                  <a:ea typeface="Cambria Math" panose="02040503050406030204" pitchFamily="18" charset="0"/>
+                </a:endParaRPr>
+              </a:p>
+              <a:p>
+                <a:pPr lvl="1"/>
+                <a14:m>
+                  <m:oMath xmlns:m="http://schemas.openxmlformats.org/officeDocument/2006/math">
+                    <m:r>
+                      <a:rPr lang="en-US" b="0" i="1" smtClean="0">
+                        <a:latin typeface="Cambria Math" panose="02040503050406030204" pitchFamily="18" charset="0"/>
+                      </a:rPr>
+                      <m:t>(</m:t>
+                    </m:r>
+                    <m:sSub>
+                      <m:sSubPr>
+                        <m:ctrlPr>
+                          <a:rPr lang="en-US" b="0" i="1" smtClean="0">
+                            <a:latin typeface="Cambria Math" panose="02040503050406030204" pitchFamily="18" charset="0"/>
+                          </a:rPr>
+                        </m:ctrlPr>
+                      </m:sSubPr>
+                      <m:e>
+                        <m:r>
+                          <a:rPr lang="en-US" b="0" i="1" smtClean="0">
+                            <a:latin typeface="Cambria Math" panose="02040503050406030204" pitchFamily="18" charset="0"/>
+                          </a:rPr>
+                          <m:t>𝑥</m:t>
+                        </m:r>
+                      </m:e>
+                      <m:sub>
+                        <m:r>
+                          <a:rPr lang="en-US" b="0" i="1" smtClean="0">
+                            <a:latin typeface="Cambria Math" panose="02040503050406030204" pitchFamily="18" charset="0"/>
+                          </a:rPr>
+                          <m:t>0</m:t>
+                        </m:r>
+                      </m:sub>
+                    </m:sSub>
+                    <m:r>
+                      <a:rPr lang="en-US" b="0" i="1" smtClean="0">
+                        <a:latin typeface="Cambria Math" panose="02040503050406030204" pitchFamily="18" charset="0"/>
+                      </a:rPr>
+                      <m:t>,</m:t>
+                    </m:r>
+                    <m:sSub>
+                      <m:sSubPr>
+                        <m:ctrlPr>
+                          <a:rPr lang="en-US" b="0" i="1" smtClean="0">
+                            <a:latin typeface="Cambria Math" panose="02040503050406030204" pitchFamily="18" charset="0"/>
+                          </a:rPr>
+                        </m:ctrlPr>
+                      </m:sSubPr>
+                      <m:e>
+                        <m:r>
+                          <a:rPr lang="en-US" b="0" i="1" smtClean="0">
+                            <a:latin typeface="Cambria Math" panose="02040503050406030204" pitchFamily="18" charset="0"/>
+                          </a:rPr>
+                          <m:t>𝑦</m:t>
+                        </m:r>
+                      </m:e>
+                      <m:sub>
+                        <m:r>
+                          <a:rPr lang="en-US" b="0" i="1" smtClean="0">
+                            <a:latin typeface="Cambria Math" panose="02040503050406030204" pitchFamily="18" charset="0"/>
+                          </a:rPr>
+                          <m:t>0</m:t>
+                        </m:r>
+                      </m:sub>
+                    </m:sSub>
+                    <m:r>
+                      <a:rPr lang="en-US" b="0" i="1" smtClean="0">
+                        <a:latin typeface="Cambria Math" panose="02040503050406030204" pitchFamily="18" charset="0"/>
+                      </a:rPr>
+                      <m:t>) </m:t>
+                    </m:r>
+                  </m:oMath>
+                </a14:m>
+                <a:r>
+                  <a:rPr lang="en-US" dirty="0" smtClean="0"/>
+                  <a:t>= center of image</a:t>
+                </a:r>
+              </a:p>
+            </p:txBody>
+          </p:sp>
+        </mc:Choice>
+        <mc:Fallback>
+          <p:sp>
+            <p:nvSpPr>
+              <p:cNvPr id="3" name="Content Placeholder 2"/>
+              <p:cNvSpPr>
+                <a:spLocks noGrp="1" noRot="1" noChangeAspect="1" noMove="1" noResize="1" noEditPoints="1" noAdjustHandles="1" noChangeArrowheads="1" noChangeShapeType="1" noTextEdit="1"/>
+              </p:cNvSpPr>
+              <p:nvPr>
+                <p:ph idx="1"/>
+              </p:nvPr>
+            </p:nvSpPr>
+            <p:spPr>
+              <a:blipFill rotWithShape="0">
+                <a:blip r:embed="rId2"/>
+                <a:stretch>
+                  <a:fillRect l="-286"/>
+                </a:stretch>
+              </a:blipFill>
+            </p:spPr>
+            <p:txBody>
+              <a:bodyPr/>
+              <a:lstStyle/>
+              <a:p>
+                <a:r>
+                  <a:rPr lang="en-US">
+                    <a:noFill/>
+                  </a:rPr>
+                  <a:t> </a:t>
+                </a:r>
+              </a:p>
+            </p:txBody>
+          </p:sp>
+        </mc:Fallback>
+      </mc:AlternateContent>
     </p:spTree>
     <p:extLst>
       <p:ext uri="{BB962C8B-B14F-4D97-AF65-F5344CB8AC3E}">
-        <p14:creationId xmlns:p14="http://schemas.microsoft.com/office/powerpoint/2010/main" val="3328658586"/>
+        <p14:creationId xmlns:p14="http://schemas.microsoft.com/office/powerpoint/2010/main" val="2248435004"/>
       </p:ext>
     </p:extLst>
   </p:cSld>
@@ -9958,770 +14277,119 @@
           <a:p>
             <a:r>
               <a:rPr lang="en-US" dirty="0" smtClean="0"/>
-              <a:t>The Forward Equations</a:t>
+              <a:t>Not the Best Solution</a:t>
             </a:r>
             <a:endParaRPr lang="en-US" dirty="0"/>
           </a:p>
         </p:txBody>
       </p:sp>
-      <mc:AlternateContent xmlns:mc="http://schemas.openxmlformats.org/markup-compatibility/2006" xmlns:a14="http://schemas.microsoft.com/office/drawing/2010/main">
-        <mc:Choice Requires="a14">
-          <p:sp>
-            <p:nvSpPr>
-              <p:cNvPr id="7" name="Content Placeholder 6"/>
-              <p:cNvSpPr>
-                <a:spLocks noGrp="1"/>
-              </p:cNvSpPr>
-              <p:nvPr>
-                <p:ph idx="1"/>
-              </p:nvPr>
-            </p:nvSpPr>
-            <p:spPr/>
-            <p:txBody>
-              <a:bodyPr/>
-              <a:lstStyle/>
-              <a:p>
-                <a14:m>
-                  <m:oMath xmlns:m="http://schemas.openxmlformats.org/officeDocument/2006/math">
-                    <m:d>
-                      <m:dPr>
-                        <m:begChr m:val="["/>
-                        <m:endChr m:val="]"/>
-                        <m:ctrlPr>
-                          <a:rPr lang="en-US" i="1">
-                            <a:latin typeface="Cambria Math" panose="02040503050406030204" pitchFamily="18" charset="0"/>
-                          </a:rPr>
-                        </m:ctrlPr>
-                      </m:dPr>
-                      <m:e>
-                        <m:sSup>
-                          <m:sSupPr>
-                            <m:ctrlPr>
-                              <a:rPr lang="en-US" i="1">
-                                <a:latin typeface="Cambria Math" panose="02040503050406030204" pitchFamily="18" charset="0"/>
-                              </a:rPr>
-                            </m:ctrlPr>
-                          </m:sSupPr>
-                          <m:e>
-                            <m:r>
-                              <a:rPr lang="en-US" i="1">
-                                <a:latin typeface="Cambria Math" panose="02040503050406030204" pitchFamily="18" charset="0"/>
-                              </a:rPr>
-                              <m:t>𝑥</m:t>
-                            </m:r>
-                          </m:e>
-                          <m:sup>
-                            <m:r>
-                              <a:rPr lang="en-US" i="1">
-                                <a:latin typeface="Cambria Math" panose="02040503050406030204" pitchFamily="18" charset="0"/>
-                              </a:rPr>
-                              <m:t>′</m:t>
-                            </m:r>
-                          </m:sup>
-                        </m:sSup>
-                        <m:r>
-                          <a:rPr lang="en-US" i="1">
-                            <a:latin typeface="Cambria Math" panose="02040503050406030204" pitchFamily="18" charset="0"/>
-                          </a:rPr>
-                          <m:t>, </m:t>
-                        </m:r>
-                        <m:sSup>
-                          <m:sSupPr>
-                            <m:ctrlPr>
-                              <a:rPr lang="en-US" i="1">
-                                <a:latin typeface="Cambria Math" panose="02040503050406030204" pitchFamily="18" charset="0"/>
-                              </a:rPr>
-                            </m:ctrlPr>
-                          </m:sSupPr>
-                          <m:e>
-                            <m:r>
-                              <a:rPr lang="en-US" i="1">
-                                <a:latin typeface="Cambria Math" panose="02040503050406030204" pitchFamily="18" charset="0"/>
-                              </a:rPr>
-                              <m:t>𝑦</m:t>
-                            </m:r>
-                          </m:e>
-                          <m:sup>
-                            <m:r>
-                              <a:rPr lang="en-US" i="1">
-                                <a:latin typeface="Cambria Math" panose="02040503050406030204" pitchFamily="18" charset="0"/>
-                              </a:rPr>
-                              <m:t>′</m:t>
-                            </m:r>
-                          </m:sup>
-                        </m:sSup>
-                        <m:r>
-                          <a:rPr lang="en-US" i="1">
-                            <a:latin typeface="Cambria Math" panose="02040503050406030204" pitchFamily="18" charset="0"/>
-                          </a:rPr>
-                          <m:t>,</m:t>
-                        </m:r>
-                        <m:r>
-                          <a:rPr lang="en-US" i="1">
-                            <a:latin typeface="Cambria Math" panose="02040503050406030204" pitchFamily="18" charset="0"/>
-                          </a:rPr>
-                          <m:t>𝑤</m:t>
-                        </m:r>
-                        <m:r>
-                          <a:rPr lang="en-US" i="1">
-                            <a:latin typeface="Cambria Math" panose="02040503050406030204" pitchFamily="18" charset="0"/>
-                          </a:rPr>
-                          <m:t>′</m:t>
-                        </m:r>
-                      </m:e>
-                    </m:d>
-                    <m:r>
-                      <a:rPr lang="en-US" i="1">
-                        <a:latin typeface="Cambria Math" panose="02040503050406030204" pitchFamily="18" charset="0"/>
-                      </a:rPr>
-                      <m:t>= </m:t>
-                    </m:r>
-                    <m:d>
-                      <m:dPr>
-                        <m:begChr m:val="["/>
-                        <m:endChr m:val="]"/>
-                        <m:ctrlPr>
-                          <a:rPr lang="en-US" i="1">
-                            <a:latin typeface="Cambria Math" panose="02040503050406030204" pitchFamily="18" charset="0"/>
-                          </a:rPr>
-                        </m:ctrlPr>
-                      </m:dPr>
-                      <m:e>
-                        <m:r>
-                          <a:rPr lang="en-US" i="1">
-                            <a:latin typeface="Cambria Math" panose="02040503050406030204" pitchFamily="18" charset="0"/>
-                          </a:rPr>
-                          <m:t>𝑢</m:t>
-                        </m:r>
-                        <m:r>
-                          <a:rPr lang="en-US" i="1">
-                            <a:latin typeface="Cambria Math" panose="02040503050406030204" pitchFamily="18" charset="0"/>
-                          </a:rPr>
-                          <m:t>,</m:t>
-                        </m:r>
-                        <m:r>
-                          <a:rPr lang="en-US" i="1">
-                            <a:latin typeface="Cambria Math" panose="02040503050406030204" pitchFamily="18" charset="0"/>
-                          </a:rPr>
-                          <m:t>𝑣</m:t>
-                        </m:r>
-                        <m:r>
-                          <a:rPr lang="en-US" i="1">
-                            <a:latin typeface="Cambria Math" panose="02040503050406030204" pitchFamily="18" charset="0"/>
-                          </a:rPr>
-                          <m:t>,</m:t>
-                        </m:r>
-                        <m:r>
-                          <a:rPr lang="en-US" i="1">
-                            <a:latin typeface="Cambria Math" panose="02040503050406030204" pitchFamily="18" charset="0"/>
-                          </a:rPr>
-                          <m:t>𝑤</m:t>
-                        </m:r>
-                      </m:e>
-                    </m:d>
-                    <m:r>
-                      <a:rPr lang="en-US" i="1">
-                        <a:latin typeface="Cambria Math" panose="02040503050406030204" pitchFamily="18" charset="0"/>
-                      </a:rPr>
-                      <m:t> </m:t>
-                    </m:r>
-                    <m:r>
-                      <a:rPr lang="en-US" i="1">
-                        <a:latin typeface="Cambria Math" panose="02040503050406030204" pitchFamily="18" charset="0"/>
-                      </a:rPr>
-                      <m:t>𝐴</m:t>
-                    </m:r>
-                  </m:oMath>
-                </a14:m>
-                <a:endParaRPr lang="en-US" dirty="0" smtClean="0"/>
-              </a:p>
-              <a:p>
-                <a14:m>
-                  <m:oMath xmlns:m="http://schemas.openxmlformats.org/officeDocument/2006/math">
-                    <m:r>
-                      <a:rPr lang="en-US" i="1">
-                        <a:latin typeface="Cambria Math" panose="02040503050406030204" pitchFamily="18" charset="0"/>
-                      </a:rPr>
-                      <m:t>𝑥</m:t>
-                    </m:r>
-                    <m:r>
-                      <a:rPr lang="en-US" i="1">
-                        <a:latin typeface="Cambria Math" panose="02040503050406030204" pitchFamily="18" charset="0"/>
-                      </a:rPr>
-                      <m:t>= </m:t>
-                    </m:r>
-                    <m:f>
-                      <m:fPr>
-                        <m:ctrlPr>
-                          <a:rPr lang="en-US" i="1">
-                            <a:latin typeface="Cambria Math" panose="02040503050406030204" pitchFamily="18" charset="0"/>
-                          </a:rPr>
-                        </m:ctrlPr>
-                      </m:fPr>
-                      <m:num>
-                        <m:r>
-                          <a:rPr lang="en-US" i="1">
-                            <a:latin typeface="Cambria Math" panose="02040503050406030204" pitchFamily="18" charset="0"/>
-                          </a:rPr>
-                          <m:t>𝑥</m:t>
-                        </m:r>
-                        <m:r>
-                          <a:rPr lang="en-US" i="1">
-                            <a:latin typeface="Cambria Math" panose="02040503050406030204" pitchFamily="18" charset="0"/>
-                          </a:rPr>
-                          <m:t>′</m:t>
-                        </m:r>
-                      </m:num>
-                      <m:den>
-                        <m:r>
-                          <a:rPr lang="en-US" i="1">
-                            <a:latin typeface="Cambria Math" panose="02040503050406030204" pitchFamily="18" charset="0"/>
-                          </a:rPr>
-                          <m:t>𝑤</m:t>
-                        </m:r>
-                        <m:r>
-                          <a:rPr lang="en-US" i="1">
-                            <a:latin typeface="Cambria Math" panose="02040503050406030204" pitchFamily="18" charset="0"/>
-                          </a:rPr>
-                          <m:t>′</m:t>
-                        </m:r>
-                      </m:den>
-                    </m:f>
-                    <m:r>
-                      <a:rPr lang="en-US" i="1">
-                        <a:latin typeface="Cambria Math" panose="02040503050406030204" pitchFamily="18" charset="0"/>
-                      </a:rPr>
-                      <m:t>= </m:t>
-                    </m:r>
-                    <m:f>
-                      <m:fPr>
-                        <m:ctrlPr>
-                          <a:rPr lang="en-US" i="1">
-                            <a:latin typeface="Cambria Math" panose="02040503050406030204" pitchFamily="18" charset="0"/>
-                          </a:rPr>
-                        </m:ctrlPr>
-                      </m:fPr>
-                      <m:num>
-                        <m:sSub>
-                          <m:sSubPr>
-                            <m:ctrlPr>
-                              <a:rPr lang="en-US" i="1">
-                                <a:latin typeface="Cambria Math" panose="02040503050406030204" pitchFamily="18" charset="0"/>
-                              </a:rPr>
-                            </m:ctrlPr>
-                          </m:sSubPr>
-                          <m:e>
-                            <m:r>
-                              <a:rPr lang="en-US" i="1">
-                                <a:latin typeface="Cambria Math" panose="02040503050406030204" pitchFamily="18" charset="0"/>
-                              </a:rPr>
-                              <m:t>𝑎</m:t>
-                            </m:r>
-                          </m:e>
-                          <m:sub>
-                            <m:r>
-                              <a:rPr lang="en-US" i="1">
-                                <a:latin typeface="Cambria Math" panose="02040503050406030204" pitchFamily="18" charset="0"/>
-                              </a:rPr>
-                              <m:t>11</m:t>
-                            </m:r>
-                          </m:sub>
-                        </m:sSub>
-                        <m:r>
-                          <a:rPr lang="en-US" i="1">
-                            <a:latin typeface="Cambria Math" panose="02040503050406030204" pitchFamily="18" charset="0"/>
-                          </a:rPr>
-                          <m:t>𝑢</m:t>
-                        </m:r>
-                        <m:r>
-                          <a:rPr lang="en-US" i="1">
-                            <a:latin typeface="Cambria Math" panose="02040503050406030204" pitchFamily="18" charset="0"/>
-                          </a:rPr>
-                          <m:t>+</m:t>
-                        </m:r>
-                        <m:sSub>
-                          <m:sSubPr>
-                            <m:ctrlPr>
-                              <a:rPr lang="en-US" i="1">
-                                <a:latin typeface="Cambria Math" panose="02040503050406030204" pitchFamily="18" charset="0"/>
-                              </a:rPr>
-                            </m:ctrlPr>
-                          </m:sSubPr>
-                          <m:e>
-                            <m:r>
-                              <a:rPr lang="en-US" i="1">
-                                <a:latin typeface="Cambria Math" panose="02040503050406030204" pitchFamily="18" charset="0"/>
-                              </a:rPr>
-                              <m:t>𝑎</m:t>
-                            </m:r>
-                          </m:e>
-                          <m:sub>
-                            <m:r>
-                              <a:rPr lang="en-US" i="1">
-                                <a:latin typeface="Cambria Math" panose="02040503050406030204" pitchFamily="18" charset="0"/>
-                              </a:rPr>
-                              <m:t>21</m:t>
-                            </m:r>
-                          </m:sub>
-                        </m:sSub>
-                        <m:r>
-                          <a:rPr lang="en-US" i="1">
-                            <a:latin typeface="Cambria Math" panose="02040503050406030204" pitchFamily="18" charset="0"/>
-                          </a:rPr>
-                          <m:t>𝑣</m:t>
-                        </m:r>
-                        <m:r>
-                          <a:rPr lang="en-US" i="1">
-                            <a:latin typeface="Cambria Math" panose="02040503050406030204" pitchFamily="18" charset="0"/>
-                          </a:rPr>
-                          <m:t>+</m:t>
-                        </m:r>
-                        <m:sSub>
-                          <m:sSubPr>
-                            <m:ctrlPr>
-                              <a:rPr lang="en-US" i="1">
-                                <a:latin typeface="Cambria Math" panose="02040503050406030204" pitchFamily="18" charset="0"/>
-                              </a:rPr>
-                            </m:ctrlPr>
-                          </m:sSubPr>
-                          <m:e>
-                            <m:r>
-                              <a:rPr lang="en-US" i="1">
-                                <a:latin typeface="Cambria Math" panose="02040503050406030204" pitchFamily="18" charset="0"/>
-                              </a:rPr>
-                              <m:t>𝑎</m:t>
-                            </m:r>
-                          </m:e>
-                          <m:sub>
-                            <m:r>
-                              <a:rPr lang="en-US" i="1">
-                                <a:latin typeface="Cambria Math" panose="02040503050406030204" pitchFamily="18" charset="0"/>
-                              </a:rPr>
-                              <m:t>31</m:t>
-                            </m:r>
-                          </m:sub>
-                        </m:sSub>
-                      </m:num>
-                      <m:den>
-                        <m:sSub>
-                          <m:sSubPr>
-                            <m:ctrlPr>
-                              <a:rPr lang="en-US" i="1">
-                                <a:latin typeface="Cambria Math" panose="02040503050406030204" pitchFamily="18" charset="0"/>
-                              </a:rPr>
-                            </m:ctrlPr>
-                          </m:sSubPr>
-                          <m:e>
-                            <m:r>
-                              <a:rPr lang="en-US" i="1">
-                                <a:latin typeface="Cambria Math" panose="02040503050406030204" pitchFamily="18" charset="0"/>
-                              </a:rPr>
-                              <m:t>𝑎</m:t>
-                            </m:r>
-                          </m:e>
-                          <m:sub>
-                            <m:r>
-                              <a:rPr lang="en-US" i="1">
-                                <a:latin typeface="Cambria Math" panose="02040503050406030204" pitchFamily="18" charset="0"/>
-                              </a:rPr>
-                              <m:t>13</m:t>
-                            </m:r>
-                          </m:sub>
-                        </m:sSub>
-                        <m:r>
-                          <a:rPr lang="en-US" i="1">
-                            <a:latin typeface="Cambria Math" panose="02040503050406030204" pitchFamily="18" charset="0"/>
-                          </a:rPr>
-                          <m:t>𝑢</m:t>
-                        </m:r>
-                        <m:r>
-                          <a:rPr lang="en-US" i="1">
-                            <a:latin typeface="Cambria Math" panose="02040503050406030204" pitchFamily="18" charset="0"/>
-                          </a:rPr>
-                          <m:t>+</m:t>
-                        </m:r>
-                        <m:sSub>
-                          <m:sSubPr>
-                            <m:ctrlPr>
-                              <a:rPr lang="en-US" i="1">
-                                <a:latin typeface="Cambria Math" panose="02040503050406030204" pitchFamily="18" charset="0"/>
-                              </a:rPr>
-                            </m:ctrlPr>
-                          </m:sSubPr>
-                          <m:e>
-                            <m:r>
-                              <a:rPr lang="en-US" i="1">
-                                <a:latin typeface="Cambria Math" panose="02040503050406030204" pitchFamily="18" charset="0"/>
-                              </a:rPr>
-                              <m:t>𝑎</m:t>
-                            </m:r>
-                          </m:e>
-                          <m:sub>
-                            <m:r>
-                              <a:rPr lang="en-US" i="1">
-                                <a:latin typeface="Cambria Math" panose="02040503050406030204" pitchFamily="18" charset="0"/>
-                              </a:rPr>
-                              <m:t>23</m:t>
-                            </m:r>
-                          </m:sub>
-                        </m:sSub>
-                        <m:r>
-                          <a:rPr lang="en-US" i="1">
-                            <a:latin typeface="Cambria Math" panose="02040503050406030204" pitchFamily="18" charset="0"/>
-                          </a:rPr>
-                          <m:t>𝑣</m:t>
-                        </m:r>
-                        <m:r>
-                          <a:rPr lang="en-US" i="1">
-                            <a:latin typeface="Cambria Math" panose="02040503050406030204" pitchFamily="18" charset="0"/>
-                          </a:rPr>
-                          <m:t>+</m:t>
-                        </m:r>
-                        <m:sSub>
-                          <m:sSubPr>
-                            <m:ctrlPr>
-                              <a:rPr lang="en-US" i="1">
-                                <a:latin typeface="Cambria Math" panose="02040503050406030204" pitchFamily="18" charset="0"/>
-                              </a:rPr>
-                            </m:ctrlPr>
-                          </m:sSubPr>
-                          <m:e>
-                            <m:r>
-                              <a:rPr lang="en-US" i="1">
-                                <a:latin typeface="Cambria Math" panose="02040503050406030204" pitchFamily="18" charset="0"/>
-                              </a:rPr>
-                              <m:t>𝑎</m:t>
-                            </m:r>
-                          </m:e>
-                          <m:sub>
-                            <m:r>
-                              <a:rPr lang="en-US" i="1">
-                                <a:latin typeface="Cambria Math" panose="02040503050406030204" pitchFamily="18" charset="0"/>
-                              </a:rPr>
-                              <m:t>33</m:t>
-                            </m:r>
-                          </m:sub>
-                        </m:sSub>
-                      </m:den>
-                    </m:f>
-                  </m:oMath>
-                </a14:m>
-                <a:endParaRPr lang="en-US" dirty="0" smtClean="0"/>
-              </a:p>
-              <a:p>
-                <a14:m>
-                  <m:oMath xmlns:m="http://schemas.openxmlformats.org/officeDocument/2006/math">
-                    <m:r>
-                      <a:rPr lang="en-US" i="1">
-                        <a:latin typeface="Cambria Math" panose="02040503050406030204" pitchFamily="18" charset="0"/>
-                      </a:rPr>
-                      <m:t>𝑦</m:t>
-                    </m:r>
-                    <m:r>
-                      <a:rPr lang="en-US" i="1">
-                        <a:latin typeface="Cambria Math" panose="02040503050406030204" pitchFamily="18" charset="0"/>
-                      </a:rPr>
-                      <m:t>= </m:t>
-                    </m:r>
-                    <m:f>
-                      <m:fPr>
-                        <m:ctrlPr>
-                          <a:rPr lang="en-US" i="1">
-                            <a:latin typeface="Cambria Math" panose="02040503050406030204" pitchFamily="18" charset="0"/>
-                          </a:rPr>
-                        </m:ctrlPr>
-                      </m:fPr>
-                      <m:num>
-                        <m:r>
-                          <a:rPr lang="en-US" i="1">
-                            <a:latin typeface="Cambria Math" panose="02040503050406030204" pitchFamily="18" charset="0"/>
-                          </a:rPr>
-                          <m:t>𝑦</m:t>
-                        </m:r>
-                        <m:r>
-                          <a:rPr lang="en-US" i="1">
-                            <a:latin typeface="Cambria Math" panose="02040503050406030204" pitchFamily="18" charset="0"/>
-                          </a:rPr>
-                          <m:t>′</m:t>
-                        </m:r>
-                      </m:num>
-                      <m:den>
-                        <m:r>
-                          <a:rPr lang="en-US" i="1">
-                            <a:latin typeface="Cambria Math" panose="02040503050406030204" pitchFamily="18" charset="0"/>
-                          </a:rPr>
-                          <m:t>𝑤</m:t>
-                        </m:r>
-                        <m:r>
-                          <a:rPr lang="en-US" i="1">
-                            <a:latin typeface="Cambria Math" panose="02040503050406030204" pitchFamily="18" charset="0"/>
-                          </a:rPr>
-                          <m:t>′</m:t>
-                        </m:r>
-                      </m:den>
-                    </m:f>
-                    <m:r>
-                      <a:rPr lang="en-US" i="1">
-                        <a:latin typeface="Cambria Math" panose="02040503050406030204" pitchFamily="18" charset="0"/>
-                      </a:rPr>
-                      <m:t>= </m:t>
-                    </m:r>
-                    <m:f>
-                      <m:fPr>
-                        <m:ctrlPr>
-                          <a:rPr lang="en-US" i="1">
-                            <a:latin typeface="Cambria Math" panose="02040503050406030204" pitchFamily="18" charset="0"/>
-                          </a:rPr>
-                        </m:ctrlPr>
-                      </m:fPr>
-                      <m:num>
-                        <m:sSub>
-                          <m:sSubPr>
-                            <m:ctrlPr>
-                              <a:rPr lang="en-US" i="1">
-                                <a:latin typeface="Cambria Math" panose="02040503050406030204" pitchFamily="18" charset="0"/>
-                              </a:rPr>
-                            </m:ctrlPr>
-                          </m:sSubPr>
-                          <m:e>
-                            <m:r>
-                              <a:rPr lang="en-US" i="1">
-                                <a:latin typeface="Cambria Math" panose="02040503050406030204" pitchFamily="18" charset="0"/>
-                              </a:rPr>
-                              <m:t>𝑎</m:t>
-                            </m:r>
-                          </m:e>
-                          <m:sub>
-                            <m:r>
-                              <a:rPr lang="en-US" i="1">
-                                <a:latin typeface="Cambria Math" panose="02040503050406030204" pitchFamily="18" charset="0"/>
-                              </a:rPr>
-                              <m:t>12</m:t>
-                            </m:r>
-                          </m:sub>
-                        </m:sSub>
-                        <m:r>
-                          <a:rPr lang="en-US" i="1">
-                            <a:latin typeface="Cambria Math" panose="02040503050406030204" pitchFamily="18" charset="0"/>
-                          </a:rPr>
-                          <m:t>𝑢</m:t>
-                        </m:r>
-                        <m:r>
-                          <a:rPr lang="en-US" i="1">
-                            <a:latin typeface="Cambria Math" panose="02040503050406030204" pitchFamily="18" charset="0"/>
-                          </a:rPr>
-                          <m:t>+</m:t>
-                        </m:r>
-                        <m:sSub>
-                          <m:sSubPr>
-                            <m:ctrlPr>
-                              <a:rPr lang="en-US" i="1">
-                                <a:latin typeface="Cambria Math" panose="02040503050406030204" pitchFamily="18" charset="0"/>
-                              </a:rPr>
-                            </m:ctrlPr>
-                          </m:sSubPr>
-                          <m:e>
-                            <m:r>
-                              <a:rPr lang="en-US" i="1">
-                                <a:latin typeface="Cambria Math" panose="02040503050406030204" pitchFamily="18" charset="0"/>
-                              </a:rPr>
-                              <m:t>𝑎</m:t>
-                            </m:r>
-                          </m:e>
-                          <m:sub>
-                            <m:r>
-                              <a:rPr lang="en-US" i="1">
-                                <a:latin typeface="Cambria Math" panose="02040503050406030204" pitchFamily="18" charset="0"/>
-                              </a:rPr>
-                              <m:t>22</m:t>
-                            </m:r>
-                          </m:sub>
-                        </m:sSub>
-                        <m:r>
-                          <a:rPr lang="en-US" i="1">
-                            <a:latin typeface="Cambria Math" panose="02040503050406030204" pitchFamily="18" charset="0"/>
-                          </a:rPr>
-                          <m:t>𝑣</m:t>
-                        </m:r>
-                        <m:r>
-                          <a:rPr lang="en-US" i="1">
-                            <a:latin typeface="Cambria Math" panose="02040503050406030204" pitchFamily="18" charset="0"/>
-                          </a:rPr>
-                          <m:t>+</m:t>
-                        </m:r>
-                        <m:sSub>
-                          <m:sSubPr>
-                            <m:ctrlPr>
-                              <a:rPr lang="en-US" i="1">
-                                <a:latin typeface="Cambria Math" panose="02040503050406030204" pitchFamily="18" charset="0"/>
-                              </a:rPr>
-                            </m:ctrlPr>
-                          </m:sSubPr>
-                          <m:e>
-                            <m:r>
-                              <a:rPr lang="en-US" i="1">
-                                <a:latin typeface="Cambria Math" panose="02040503050406030204" pitchFamily="18" charset="0"/>
-                              </a:rPr>
-                              <m:t>𝑎</m:t>
-                            </m:r>
-                          </m:e>
-                          <m:sub>
-                            <m:r>
-                              <a:rPr lang="en-US" i="1">
-                                <a:latin typeface="Cambria Math" panose="02040503050406030204" pitchFamily="18" charset="0"/>
-                              </a:rPr>
-                              <m:t>32</m:t>
-                            </m:r>
-                          </m:sub>
-                        </m:sSub>
-                      </m:num>
-                      <m:den>
-                        <m:sSub>
-                          <m:sSubPr>
-                            <m:ctrlPr>
-                              <a:rPr lang="en-US" i="1">
-                                <a:latin typeface="Cambria Math" panose="02040503050406030204" pitchFamily="18" charset="0"/>
-                              </a:rPr>
-                            </m:ctrlPr>
-                          </m:sSubPr>
-                          <m:e>
-                            <m:r>
-                              <a:rPr lang="en-US" i="1">
-                                <a:latin typeface="Cambria Math" panose="02040503050406030204" pitchFamily="18" charset="0"/>
-                              </a:rPr>
-                              <m:t>𝑎</m:t>
-                            </m:r>
-                          </m:e>
-                          <m:sub>
-                            <m:r>
-                              <a:rPr lang="en-US" i="1">
-                                <a:latin typeface="Cambria Math" panose="02040503050406030204" pitchFamily="18" charset="0"/>
-                              </a:rPr>
-                              <m:t>13</m:t>
-                            </m:r>
-                          </m:sub>
-                        </m:sSub>
-                        <m:r>
-                          <a:rPr lang="en-US" i="1">
-                            <a:latin typeface="Cambria Math" panose="02040503050406030204" pitchFamily="18" charset="0"/>
-                          </a:rPr>
-                          <m:t>𝑢</m:t>
-                        </m:r>
-                        <m:r>
-                          <a:rPr lang="en-US" i="1">
-                            <a:latin typeface="Cambria Math" panose="02040503050406030204" pitchFamily="18" charset="0"/>
-                          </a:rPr>
-                          <m:t>+</m:t>
-                        </m:r>
-                        <m:sSub>
-                          <m:sSubPr>
-                            <m:ctrlPr>
-                              <a:rPr lang="en-US" i="1">
-                                <a:latin typeface="Cambria Math" panose="02040503050406030204" pitchFamily="18" charset="0"/>
-                              </a:rPr>
-                            </m:ctrlPr>
-                          </m:sSubPr>
-                          <m:e>
-                            <m:r>
-                              <a:rPr lang="en-US" i="1">
-                                <a:latin typeface="Cambria Math" panose="02040503050406030204" pitchFamily="18" charset="0"/>
-                              </a:rPr>
-                              <m:t>𝑎</m:t>
-                            </m:r>
-                          </m:e>
-                          <m:sub>
-                            <m:r>
-                              <a:rPr lang="en-US" i="1">
-                                <a:latin typeface="Cambria Math" panose="02040503050406030204" pitchFamily="18" charset="0"/>
-                              </a:rPr>
-                              <m:t>23</m:t>
-                            </m:r>
-                          </m:sub>
-                        </m:sSub>
-                        <m:r>
-                          <a:rPr lang="en-US" i="1">
-                            <a:latin typeface="Cambria Math" panose="02040503050406030204" pitchFamily="18" charset="0"/>
-                          </a:rPr>
-                          <m:t>𝑣</m:t>
-                        </m:r>
-                        <m:r>
-                          <a:rPr lang="en-US" i="1">
-                            <a:latin typeface="Cambria Math" panose="02040503050406030204" pitchFamily="18" charset="0"/>
-                          </a:rPr>
-                          <m:t>+</m:t>
-                        </m:r>
-                        <m:sSub>
-                          <m:sSubPr>
-                            <m:ctrlPr>
-                              <a:rPr lang="en-US" i="1">
-                                <a:latin typeface="Cambria Math" panose="02040503050406030204" pitchFamily="18" charset="0"/>
-                              </a:rPr>
-                            </m:ctrlPr>
-                          </m:sSubPr>
-                          <m:e>
-                            <m:r>
-                              <a:rPr lang="en-US" i="1">
-                                <a:latin typeface="Cambria Math" panose="02040503050406030204" pitchFamily="18" charset="0"/>
-                              </a:rPr>
-                              <m:t>𝑎</m:t>
-                            </m:r>
-                          </m:e>
-                          <m:sub>
-                            <m:r>
-                              <a:rPr lang="en-US" i="1">
-                                <a:latin typeface="Cambria Math" panose="02040503050406030204" pitchFamily="18" charset="0"/>
-                              </a:rPr>
-                              <m:t>33</m:t>
-                            </m:r>
-                          </m:sub>
-                        </m:sSub>
-                      </m:den>
-                    </m:f>
-                  </m:oMath>
-                </a14:m>
-                <a:endParaRPr lang="en-US" dirty="0"/>
-              </a:p>
-            </p:txBody>
-          </p:sp>
-        </mc:Choice>
-        <mc:Fallback xmlns="">
-          <p:sp>
-            <p:nvSpPr>
-              <p:cNvPr id="7" name="Content Placeholder 6"/>
-              <p:cNvSpPr>
-                <a:spLocks noGrp="1" noRot="1" noChangeAspect="1" noMove="1" noResize="1" noEditPoints="1" noAdjustHandles="1" noChangeArrowheads="1" noChangeShapeType="1" noTextEdit="1"/>
-              </p:cNvSpPr>
-              <p:nvPr>
-                <p:ph idx="1"/>
-              </p:nvPr>
-            </p:nvSpPr>
-            <p:spPr>
-              <a:blipFill rotWithShape="0">
-                <a:blip r:embed="rId2"/>
-                <a:stretch>
-                  <a:fillRect l="-286"/>
-                </a:stretch>
-              </a:blipFill>
-            </p:spPr>
-            <p:txBody>
-              <a:bodyPr/>
-              <a:lstStyle/>
-              <a:p>
-                <a:r>
-                  <a:rPr lang="en-US">
-                    <a:noFill/>
-                  </a:rPr>
-                  <a:t> </a:t>
-                </a:r>
-              </a:p>
-            </p:txBody>
-          </p:sp>
-        </mc:Fallback>
-      </mc:AlternateContent>
+      <p:sp>
+        <p:nvSpPr>
+          <p:cNvPr id="3" name="Content Placeholder 2"/>
+          <p:cNvSpPr>
+            <a:spLocks noGrp="1"/>
+          </p:cNvSpPr>
+          <p:nvPr>
+            <p:ph idx="1"/>
+          </p:nvPr>
+        </p:nvSpPr>
+        <p:spPr>
+          <a:xfrm>
+            <a:off x="684212" y="685800"/>
+            <a:ext cx="6171047" cy="3615267"/>
+          </a:xfrm>
+        </p:spPr>
+        <p:txBody>
+          <a:bodyPr/>
+          <a:lstStyle/>
+          <a:p>
+            <a:r>
+              <a:rPr lang="en-US" dirty="0" smtClean="0"/>
+              <a:t>Works well </a:t>
+            </a:r>
+            <a:r>
+              <a:rPr lang="en-US" dirty="0" smtClean="0"/>
+              <a:t>for mapping</a:t>
+            </a:r>
+            <a:r>
+              <a:rPr lang="en-US" dirty="0" smtClean="0"/>
+              <a:t> triangles</a:t>
+            </a:r>
+            <a:endParaRPr lang="en-US" dirty="0" smtClean="0"/>
+          </a:p>
+          <a:p>
+            <a:r>
+              <a:rPr lang="en-US" dirty="0" smtClean="0"/>
+              <a:t>Done </a:t>
+            </a:r>
+            <a:r>
+              <a:rPr lang="en-US" dirty="0" smtClean="0"/>
+              <a:t>piecewise </a:t>
+            </a:r>
+            <a:r>
+              <a:rPr lang="en-US" dirty="0" smtClean="0"/>
+              <a:t>on other shapes</a:t>
+            </a:r>
+          </a:p>
+          <a:p>
+            <a:r>
+              <a:rPr lang="en-US" dirty="0" smtClean="0"/>
+              <a:t>The transformation is </a:t>
+            </a:r>
+            <a:r>
+              <a:rPr lang="en-US" dirty="0" smtClean="0"/>
+              <a:t>continuous</a:t>
+            </a:r>
+            <a:r>
+              <a:rPr lang="en-US" dirty="0" smtClean="0"/>
+              <a:t>, b</a:t>
+            </a:r>
+            <a:r>
+              <a:rPr lang="en-US" dirty="0" smtClean="0"/>
+              <a:t>ut </a:t>
+            </a:r>
+            <a:r>
+              <a:rPr lang="en-US" dirty="0" smtClean="0"/>
+              <a:t>there is discontinuity in the first derivative</a:t>
+            </a:r>
+            <a:endParaRPr lang="en-US" dirty="0"/>
+          </a:p>
+        </p:txBody>
+      </p:sp>
+      <p:pic>
+        <p:nvPicPr>
+          <p:cNvPr id="7" name="Picture 6"/>
+          <p:cNvPicPr>
+            <a:picLocks noChangeAspect="1"/>
+          </p:cNvPicPr>
+          <p:nvPr/>
+        </p:nvPicPr>
+        <p:blipFill>
+          <a:blip r:embed="rId2">
+            <a:extLst>
+              <a:ext uri="{28A0092B-C50C-407E-A947-70E740481C1C}">
+                <a14:useLocalDpi xmlns:a14="http://schemas.microsoft.com/office/drawing/2010/main" val="0"/>
+              </a:ext>
+            </a:extLst>
+          </a:blip>
+          <a:stretch>
+            <a:fillRect/>
+          </a:stretch>
+        </p:blipFill>
+        <p:spPr>
+          <a:xfrm>
+            <a:off x="6855259" y="1091045"/>
+            <a:ext cx="4726706" cy="2836719"/>
+          </a:xfrm>
+          <a:prstGeom prst="rect">
+            <a:avLst/>
+          </a:prstGeom>
+        </p:spPr>
+      </p:pic>
     </p:spTree>
     <p:extLst>
       <p:ext uri="{BB962C8B-B14F-4D97-AF65-F5344CB8AC3E}">
-        <p14:creationId xmlns:p14="http://schemas.microsoft.com/office/powerpoint/2010/main" val="1242843694"/>
+        <p14:creationId xmlns:p14="http://schemas.microsoft.com/office/powerpoint/2010/main" val="4098256161"/>
       </p:ext>
     </p:extLst>
   </p:cSld>

--- a/General Morphing.pptx
+++ b/General Morphing.pptx
@@ -13,19 +13,20 @@
     <p:sldId id="276" r:id="rId7"/>
     <p:sldId id="277" r:id="rId8"/>
     <p:sldId id="278" r:id="rId9"/>
-    <p:sldId id="262" r:id="rId10"/>
-    <p:sldId id="260" r:id="rId11"/>
-    <p:sldId id="263" r:id="rId12"/>
-    <p:sldId id="264" r:id="rId13"/>
-    <p:sldId id="266" r:id="rId14"/>
-    <p:sldId id="265" r:id="rId15"/>
-    <p:sldId id="267" r:id="rId16"/>
-    <p:sldId id="268" r:id="rId17"/>
-    <p:sldId id="269" r:id="rId18"/>
-    <p:sldId id="272" r:id="rId19"/>
-    <p:sldId id="270" r:id="rId20"/>
-    <p:sldId id="271" r:id="rId21"/>
-    <p:sldId id="273" r:id="rId22"/>
+    <p:sldId id="279" r:id="rId10"/>
+    <p:sldId id="262" r:id="rId11"/>
+    <p:sldId id="260" r:id="rId12"/>
+    <p:sldId id="263" r:id="rId13"/>
+    <p:sldId id="264" r:id="rId14"/>
+    <p:sldId id="266" r:id="rId15"/>
+    <p:sldId id="265" r:id="rId16"/>
+    <p:sldId id="267" r:id="rId17"/>
+    <p:sldId id="268" r:id="rId18"/>
+    <p:sldId id="269" r:id="rId19"/>
+    <p:sldId id="272" r:id="rId20"/>
+    <p:sldId id="270" r:id="rId21"/>
+    <p:sldId id="271" r:id="rId22"/>
+    <p:sldId id="273" r:id="rId23"/>
   </p:sldIdLst>
   <p:sldSz cx="12192000" cy="6858000"/>
   <p:notesSz cx="6858000" cy="9144000"/>
@@ -5443,6 +5444,129 @@
           <a:p>
             <a:r>
               <a:rPr lang="en-US" dirty="0" smtClean="0"/>
+              <a:t>Not the Best Solution</a:t>
+            </a:r>
+            <a:endParaRPr lang="en-US" dirty="0"/>
+          </a:p>
+        </p:txBody>
+      </p:sp>
+      <p:sp>
+        <p:nvSpPr>
+          <p:cNvPr id="3" name="Content Placeholder 2"/>
+          <p:cNvSpPr>
+            <a:spLocks noGrp="1"/>
+          </p:cNvSpPr>
+          <p:nvPr>
+            <p:ph idx="1"/>
+          </p:nvPr>
+        </p:nvSpPr>
+        <p:spPr>
+          <a:xfrm>
+            <a:off x="684212" y="685800"/>
+            <a:ext cx="6171047" cy="3615267"/>
+          </a:xfrm>
+        </p:spPr>
+        <p:txBody>
+          <a:bodyPr/>
+          <a:lstStyle/>
+          <a:p>
+            <a:r>
+              <a:rPr lang="en-US" dirty="0" smtClean="0"/>
+              <a:t>Works well for mapping triangles</a:t>
+            </a:r>
+          </a:p>
+          <a:p>
+            <a:r>
+              <a:rPr lang="en-US" dirty="0" smtClean="0"/>
+              <a:t>Done piecewise on other shapes</a:t>
+            </a:r>
+          </a:p>
+          <a:p>
+            <a:r>
+              <a:rPr lang="en-US" dirty="0" smtClean="0"/>
+              <a:t>The transformation is continuous, but there is discontinuity in the first derivative</a:t>
+            </a:r>
+            <a:endParaRPr lang="en-US" dirty="0"/>
+          </a:p>
+        </p:txBody>
+      </p:sp>
+      <p:pic>
+        <p:nvPicPr>
+          <p:cNvPr id="7" name="Picture 6"/>
+          <p:cNvPicPr>
+            <a:picLocks noChangeAspect="1"/>
+          </p:cNvPicPr>
+          <p:nvPr/>
+        </p:nvPicPr>
+        <p:blipFill>
+          <a:blip r:embed="rId2">
+            <a:extLst>
+              <a:ext uri="{28A0092B-C50C-407E-A947-70E740481C1C}">
+                <a14:useLocalDpi xmlns:a14="http://schemas.microsoft.com/office/drawing/2010/main" val="0"/>
+              </a:ext>
+            </a:extLst>
+          </a:blip>
+          <a:stretch>
+            <a:fillRect/>
+          </a:stretch>
+        </p:blipFill>
+        <p:spPr>
+          <a:xfrm>
+            <a:off x="6855259" y="1091045"/>
+            <a:ext cx="4726706" cy="2836719"/>
+          </a:xfrm>
+          <a:prstGeom prst="rect">
+            <a:avLst/>
+          </a:prstGeom>
+        </p:spPr>
+      </p:pic>
+    </p:spTree>
+    <p:extLst>
+      <p:ext uri="{BB962C8B-B14F-4D97-AF65-F5344CB8AC3E}">
+        <p14:creationId xmlns:p14="http://schemas.microsoft.com/office/powerpoint/2010/main" val="4098256161"/>
+      </p:ext>
+    </p:extLst>
+  </p:cSld>
+  <p:clrMapOvr>
+    <a:masterClrMapping/>
+  </p:clrMapOvr>
+</p:sld>
+</file>
+
+<file path=ppt/slides/slide11.xml><?xml version="1.0" encoding="utf-8"?>
+<p:sld xmlns:a="http://schemas.openxmlformats.org/drawingml/2006/main" xmlns:r="http://schemas.openxmlformats.org/officeDocument/2006/relationships" xmlns:p="http://schemas.openxmlformats.org/presentationml/2006/main">
+  <p:cSld>
+    <p:spTree>
+      <p:nvGrpSpPr>
+        <p:cNvPr id="1" name=""/>
+        <p:cNvGrpSpPr/>
+        <p:nvPr/>
+      </p:nvGrpSpPr>
+      <p:grpSpPr>
+        <a:xfrm>
+          <a:off x="0" y="0"/>
+          <a:ext cx="0" cy="0"/>
+          <a:chOff x="0" y="0"/>
+          <a:chExt cx="0" cy="0"/>
+        </a:xfrm>
+      </p:grpSpPr>
+      <p:sp>
+        <p:nvSpPr>
+          <p:cNvPr id="2" name="Title 1"/>
+          <p:cNvSpPr>
+            <a:spLocks noGrp="1"/>
+          </p:cNvSpPr>
+          <p:nvPr>
+            <p:ph type="title"/>
+          </p:nvPr>
+        </p:nvSpPr>
+        <p:spPr/>
+        <p:txBody>
+          <a:bodyPr/>
+          <a:lstStyle/>
+          <a:p>
+            <a:r>
+              <a:rPr lang="en-US" dirty="0" smtClean="0"/>
               <a:t>Bilinear and Perspective</a:t>
             </a:r>
             <a:endParaRPr lang="en-US" dirty="0"/>
@@ -5462,7 +5586,7 @@
 </p:sld>
 </file>
 
-<file path=ppt/slides/slide11.xml><?xml version="1.0" encoding="utf-8"?>
+<file path=ppt/slides/slide12.xml><?xml version="1.0" encoding="utf-8"?>
 <p:sld xmlns:a="http://schemas.openxmlformats.org/drawingml/2006/main" xmlns:r="http://schemas.openxmlformats.org/officeDocument/2006/relationships" xmlns:p="http://schemas.openxmlformats.org/presentationml/2006/main">
   <p:cSld>
     <p:spTree>
@@ -5608,7 +5732,7 @@
 </p:sld>
 </file>
 
-<file path=ppt/slides/slide12.xml><?xml version="1.0" encoding="utf-8"?>
+<file path=ppt/slides/slide13.xml><?xml version="1.0" encoding="utf-8"?>
 <p:sld xmlns:a="http://schemas.openxmlformats.org/drawingml/2006/main" xmlns:r="http://schemas.openxmlformats.org/officeDocument/2006/relationships" xmlns:p="http://schemas.openxmlformats.org/presentationml/2006/main">
   <p:cSld>
     <p:spTree>
@@ -5718,7 +5842,7 @@
 </p:sld>
 </file>
 
-<file path=ppt/slides/slide13.xml><?xml version="1.0" encoding="utf-8"?>
+<file path=ppt/slides/slide14.xml><?xml version="1.0" encoding="utf-8"?>
 <p:sld xmlns:a="http://schemas.openxmlformats.org/drawingml/2006/main" xmlns:r="http://schemas.openxmlformats.org/officeDocument/2006/relationships" xmlns:p="http://schemas.openxmlformats.org/presentationml/2006/main">
   <p:cSld>
     <p:spTree>
@@ -5806,7 +5930,7 @@
 </p:sld>
 </file>
 
-<file path=ppt/slides/slide14.xml><?xml version="1.0" encoding="utf-8"?>
+<file path=ppt/slides/slide15.xml><?xml version="1.0" encoding="utf-8"?>
 <p:sld xmlns:a="http://schemas.openxmlformats.org/drawingml/2006/main" xmlns:r="http://schemas.openxmlformats.org/officeDocument/2006/relationships" xmlns:p="http://schemas.openxmlformats.org/presentationml/2006/main">
   <p:cSld>
     <p:spTree>
@@ -6613,7 +6737,7 @@
 </p:sld>
 </file>
 
-<file path=ppt/slides/slide15.xml><?xml version="1.0" encoding="utf-8"?>
+<file path=ppt/slides/slide16.xml><?xml version="1.0" encoding="utf-8"?>
 <p:sld xmlns:a="http://schemas.openxmlformats.org/drawingml/2006/main" xmlns:r="http://schemas.openxmlformats.org/officeDocument/2006/relationships" xmlns:p="http://schemas.openxmlformats.org/presentationml/2006/main">
   <p:cSld>
     <p:spTree>
@@ -6653,8 +6777,8 @@
           </a:p>
         </p:txBody>
       </p:sp>
-      <mc:AlternateContent xmlns:mc="http://schemas.openxmlformats.org/markup-compatibility/2006">
-        <mc:Choice xmlns:a14="http://schemas.microsoft.com/office/drawing/2010/main" Requires="a14">
+      <mc:AlternateContent xmlns:mc="http://schemas.openxmlformats.org/markup-compatibility/2006" xmlns:a14="http://schemas.microsoft.com/office/drawing/2010/main">
+        <mc:Choice Requires="a14">
           <p:sp>
             <p:nvSpPr>
               <p:cNvPr id="3" name="Content Placeholder 2"/>
@@ -6672,15 +6796,7 @@
               <a:p>
                 <a:r>
                   <a:rPr lang="en-US" dirty="0" smtClean="0"/>
-                  <a:t>The </a:t>
-                </a:r>
-                <a:r>
-                  <a:rPr lang="en-US" dirty="0" smtClean="0"/>
-                  <a:t>Inverse </a:t>
-                </a:r>
-                <a:r>
-                  <a:rPr lang="en-US" dirty="0" smtClean="0"/>
-                  <a:t>is:</a:t>
+                  <a:t>The Inverse is:</a:t>
                 </a:r>
               </a:p>
               <a:p>
@@ -6896,7 +7012,7 @@
             </p:txBody>
           </p:sp>
         </mc:Choice>
-        <mc:Fallback>
+        <mc:Fallback xmlns="">
           <p:sp>
             <p:nvSpPr>
               <p:cNvPr id="3" name="Content Placeholder 2"/>
@@ -6943,7 +7059,7 @@
 </p:sld>
 </file>
 
-<file path=ppt/slides/slide16.xml><?xml version="1.0" encoding="utf-8"?>
+<file path=ppt/slides/slide17.xml><?xml version="1.0" encoding="utf-8"?>
 <p:sld xmlns:a="http://schemas.openxmlformats.org/drawingml/2006/main" xmlns:r="http://schemas.openxmlformats.org/officeDocument/2006/relationships" xmlns:p="http://schemas.openxmlformats.org/presentationml/2006/main">
   <p:cSld>
     <p:spTree>
@@ -7481,7 +7597,7 @@
 </p:sld>
 </file>
 
-<file path=ppt/slides/slide17.xml><?xml version="1.0" encoding="utf-8"?>
+<file path=ppt/slides/slide18.xml><?xml version="1.0" encoding="utf-8"?>
 <p:sld xmlns:a="http://schemas.openxmlformats.org/drawingml/2006/main" xmlns:r="http://schemas.openxmlformats.org/officeDocument/2006/relationships" xmlns:p="http://schemas.openxmlformats.org/presentationml/2006/main">
   <p:cSld>
     <p:spTree>
@@ -8329,7 +8445,7 @@
 </p:sld>
 </file>
 
-<file path=ppt/slides/slide18.xml><?xml version="1.0" encoding="utf-8"?>
+<file path=ppt/slides/slide19.xml><?xml version="1.0" encoding="utf-8"?>
 <p:sld xmlns:a="http://schemas.openxmlformats.org/drawingml/2006/main" xmlns:r="http://schemas.openxmlformats.org/officeDocument/2006/relationships" xmlns:p="http://schemas.openxmlformats.org/presentationml/2006/main">
   <p:cSld>
     <p:spTree>
@@ -10169,90 +10285,6 @@
 </p:sld>
 </file>
 
-<file path=ppt/slides/slide19.xml><?xml version="1.0" encoding="utf-8"?>
-<p:sld xmlns:a="http://schemas.openxmlformats.org/drawingml/2006/main" xmlns:r="http://schemas.openxmlformats.org/officeDocument/2006/relationships" xmlns:p="http://schemas.openxmlformats.org/presentationml/2006/main">
-  <p:cSld>
-    <p:spTree>
-      <p:nvGrpSpPr>
-        <p:cNvPr id="1" name=""/>
-        <p:cNvGrpSpPr/>
-        <p:nvPr/>
-      </p:nvGrpSpPr>
-      <p:grpSpPr>
-        <a:xfrm>
-          <a:off x="0" y="0"/>
-          <a:ext cx="0" cy="0"/>
-          <a:chOff x="0" y="0"/>
-          <a:chExt cx="0" cy="0"/>
-        </a:xfrm>
-      </p:grpSpPr>
-      <p:sp>
-        <p:nvSpPr>
-          <p:cNvPr id="2" name="Title 1"/>
-          <p:cNvSpPr>
-            <a:spLocks noGrp="1"/>
-          </p:cNvSpPr>
-          <p:nvPr>
-            <p:ph type="title"/>
-          </p:nvPr>
-        </p:nvSpPr>
-        <p:spPr/>
-        <p:txBody>
-          <a:bodyPr/>
-          <a:lstStyle/>
-          <a:p>
-            <a:r>
-              <a:rPr lang="en-US" dirty="0" smtClean="0"/>
-              <a:t>Case 2: Quadrilateral to Square</a:t>
-            </a:r>
-            <a:endParaRPr lang="en-US" dirty="0"/>
-          </a:p>
-        </p:txBody>
-      </p:sp>
-      <p:sp>
-        <p:nvSpPr>
-          <p:cNvPr id="3" name="Content Placeholder 2"/>
-          <p:cNvSpPr>
-            <a:spLocks noGrp="1"/>
-          </p:cNvSpPr>
-          <p:nvPr>
-            <p:ph idx="1"/>
-          </p:nvPr>
-        </p:nvSpPr>
-        <p:spPr/>
-        <p:txBody>
-          <a:bodyPr/>
-          <a:lstStyle/>
-          <a:p>
-            <a:r>
-              <a:rPr lang="en-US" dirty="0" smtClean="0"/>
-              <a:t>Do Case 1 then find the inverse matrix (the </a:t>
-            </a:r>
-            <a:r>
-              <a:rPr lang="en-US" dirty="0" err="1" smtClean="0"/>
-              <a:t>Adj</a:t>
-            </a:r>
-            <a:r>
-              <a:rPr lang="en-US" dirty="0" smtClean="0"/>
-              <a:t> of the A you get)</a:t>
-            </a:r>
-            <a:endParaRPr lang="en-US" dirty="0"/>
-          </a:p>
-        </p:txBody>
-      </p:sp>
-    </p:spTree>
-    <p:extLst>
-      <p:ext uri="{BB962C8B-B14F-4D97-AF65-F5344CB8AC3E}">
-        <p14:creationId xmlns:p14="http://schemas.microsoft.com/office/powerpoint/2010/main" val="3974130409"/>
-      </p:ext>
-    </p:extLst>
-  </p:cSld>
-  <p:clrMapOvr>
-    <a:masterClrMapping/>
-  </p:clrMapOvr>
-</p:sld>
-</file>
-
 <file path=ppt/slides/slide2.xml><?xml version="1.0" encoding="utf-8"?>
 <p:sld xmlns:a="http://schemas.openxmlformats.org/drawingml/2006/main" xmlns:r="http://schemas.openxmlformats.org/officeDocument/2006/relationships" xmlns:p="http://schemas.openxmlformats.org/presentationml/2006/main">
   <p:cSld>
@@ -10387,7 +10419,7 @@
           <a:p>
             <a:r>
               <a:rPr lang="en-US" dirty="0" smtClean="0"/>
-              <a:t>Case 3: Quadrilateral to Quadrilateral</a:t>
+              <a:t>Case 2: Quadrilateral to Square</a:t>
             </a:r>
             <a:endParaRPr lang="en-US" dirty="0"/>
           </a:p>
@@ -10410,6 +10442,90 @@
           <a:p>
             <a:r>
               <a:rPr lang="en-US" dirty="0" smtClean="0"/>
+              <a:t>Do Case 1 then find the inverse matrix (the </a:t>
+            </a:r>
+            <a:r>
+              <a:rPr lang="en-US" dirty="0" err="1" smtClean="0"/>
+              <a:t>Adj</a:t>
+            </a:r>
+            <a:r>
+              <a:rPr lang="en-US" dirty="0" smtClean="0"/>
+              <a:t> of the A you get)</a:t>
+            </a:r>
+            <a:endParaRPr lang="en-US" dirty="0"/>
+          </a:p>
+        </p:txBody>
+      </p:sp>
+    </p:spTree>
+    <p:extLst>
+      <p:ext uri="{BB962C8B-B14F-4D97-AF65-F5344CB8AC3E}">
+        <p14:creationId xmlns:p14="http://schemas.microsoft.com/office/powerpoint/2010/main" val="3974130409"/>
+      </p:ext>
+    </p:extLst>
+  </p:cSld>
+  <p:clrMapOvr>
+    <a:masterClrMapping/>
+  </p:clrMapOvr>
+</p:sld>
+</file>
+
+<file path=ppt/slides/slide21.xml><?xml version="1.0" encoding="utf-8"?>
+<p:sld xmlns:a="http://schemas.openxmlformats.org/drawingml/2006/main" xmlns:r="http://schemas.openxmlformats.org/officeDocument/2006/relationships" xmlns:p="http://schemas.openxmlformats.org/presentationml/2006/main">
+  <p:cSld>
+    <p:spTree>
+      <p:nvGrpSpPr>
+        <p:cNvPr id="1" name=""/>
+        <p:cNvGrpSpPr/>
+        <p:nvPr/>
+      </p:nvGrpSpPr>
+      <p:grpSpPr>
+        <a:xfrm>
+          <a:off x="0" y="0"/>
+          <a:ext cx="0" cy="0"/>
+          <a:chOff x="0" y="0"/>
+          <a:chExt cx="0" cy="0"/>
+        </a:xfrm>
+      </p:grpSpPr>
+      <p:sp>
+        <p:nvSpPr>
+          <p:cNvPr id="2" name="Title 1"/>
+          <p:cNvSpPr>
+            <a:spLocks noGrp="1"/>
+          </p:cNvSpPr>
+          <p:nvPr>
+            <p:ph type="title"/>
+          </p:nvPr>
+        </p:nvSpPr>
+        <p:spPr/>
+        <p:txBody>
+          <a:bodyPr/>
+          <a:lstStyle/>
+          <a:p>
+            <a:r>
+              <a:rPr lang="en-US" dirty="0" smtClean="0"/>
+              <a:t>Case 3: Quadrilateral to Quadrilateral</a:t>
+            </a:r>
+            <a:endParaRPr lang="en-US" dirty="0"/>
+          </a:p>
+        </p:txBody>
+      </p:sp>
+      <p:sp>
+        <p:nvSpPr>
+          <p:cNvPr id="3" name="Content Placeholder 2"/>
+          <p:cNvSpPr>
+            <a:spLocks noGrp="1"/>
+          </p:cNvSpPr>
+          <p:nvPr>
+            <p:ph idx="1"/>
+          </p:nvPr>
+        </p:nvSpPr>
+        <p:spPr/>
+        <p:txBody>
+          <a:bodyPr/>
+          <a:lstStyle/>
+          <a:p>
+            <a:r>
+              <a:rPr lang="en-US" dirty="0" smtClean="0"/>
               <a:t>Do case 2 then Case 1</a:t>
             </a:r>
             <a:endParaRPr lang="en-US" dirty="0"/>
@@ -10429,7 +10545,7 @@
 </p:sld>
 </file>
 
-<file path=ppt/slides/slide21.xml><?xml version="1.0" encoding="utf-8"?>
+<file path=ppt/slides/slide22.xml><?xml version="1.0" encoding="utf-8"?>
 <p:sld xmlns:a="http://schemas.openxmlformats.org/drawingml/2006/main" xmlns:r="http://schemas.openxmlformats.org/officeDocument/2006/relationships" xmlns:p="http://schemas.openxmlformats.org/presentationml/2006/main">
   <p:cSld>
     <p:spTree>
@@ -10756,8 +10872,8 @@
           </a:p>
         </p:txBody>
       </p:sp>
-      <mc:AlternateContent xmlns:mc="http://schemas.openxmlformats.org/markup-compatibility/2006">
-        <mc:Choice xmlns:a14="http://schemas.microsoft.com/office/drawing/2010/main" Requires="a14">
+      <mc:AlternateContent xmlns:mc="http://schemas.openxmlformats.org/markup-compatibility/2006" xmlns:a14="http://schemas.microsoft.com/office/drawing/2010/main">
+        <mc:Choice Requires="a14">
           <p:sp>
             <p:nvSpPr>
               <p:cNvPr id="5" name="Content Placeholder 4"/>
@@ -11240,7 +11356,7 @@
             </p:txBody>
           </p:sp>
         </mc:Choice>
-        <mc:Fallback>
+        <mc:Fallback xmlns="">
           <p:sp>
             <p:nvSpPr>
               <p:cNvPr id="5" name="Content Placeholder 4"/>
@@ -11339,8 +11455,8 @@
           </a:p>
         </p:txBody>
       </p:sp>
-      <mc:AlternateContent xmlns:mc="http://schemas.openxmlformats.org/markup-compatibility/2006">
-        <mc:Choice xmlns:a14="http://schemas.microsoft.com/office/drawing/2010/main" Requires="a14">
+      <mc:AlternateContent xmlns:mc="http://schemas.openxmlformats.org/markup-compatibility/2006" xmlns:a14="http://schemas.microsoft.com/office/drawing/2010/main">
+        <mc:Choice Requires="a14">
           <p:graphicFrame>
             <p:nvGraphicFramePr>
               <p:cNvPr id="4" name="Content Placeholder 3"/>
@@ -12911,7 +13027,7 @@
             </a:graphic>
           </p:graphicFrame>
         </mc:Choice>
-        <mc:Fallback>
+        <mc:Fallback xmlns="">
           <p:graphicFrame>
             <p:nvGraphicFramePr>
               <p:cNvPr id="4" name="Content Placeholder 3"/>
@@ -13312,8 +13428,8 @@
           </a:p>
         </p:txBody>
       </p:sp>
-      <mc:AlternateContent xmlns:mc="http://schemas.openxmlformats.org/markup-compatibility/2006">
-        <mc:Choice xmlns:a14="http://schemas.microsoft.com/office/drawing/2010/main" Requires="a14">
+      <mc:AlternateContent xmlns:mc="http://schemas.openxmlformats.org/markup-compatibility/2006" xmlns:a14="http://schemas.microsoft.com/office/drawing/2010/main">
+        <mc:Choice Requires="a14">
           <p:sp>
             <p:nvSpPr>
               <p:cNvPr id="3" name="Content Placeholder 2"/>
@@ -13331,11 +13447,7 @@
               <a:p>
                 <a:r>
                   <a:rPr lang="en-US" dirty="0"/>
-                  <a:t>Forward mapping – Map each pixel </a:t>
-                </a:r>
-                <a:r>
-                  <a:rPr lang="en-US" dirty="0"/>
-                  <a:t>(</a:t>
+                  <a:t>Forward mapping – Map each pixel (</a:t>
                 </a:r>
                 <a:r>
                   <a:rPr lang="en-US" dirty="0" err="1"/>
@@ -13343,11 +13455,7 @@
                 </a:r>
                 <a:r>
                   <a:rPr lang="en-US" dirty="0"/>
-                  <a:t>) </a:t>
-                </a:r>
-                <a:r>
-                  <a:rPr lang="en-US" dirty="0"/>
-                  <a:t>from original image to (</a:t>
+                  <a:t>) from original image to (</a:t>
                 </a:r>
                 <a:r>
                   <a:rPr lang="en-US" dirty="0" err="1"/>
@@ -13497,7 +13605,7 @@
             </p:txBody>
           </p:sp>
         </mc:Choice>
-        <mc:Fallback>
+        <mc:Fallback xmlns="">
           <p:sp>
             <p:nvSpPr>
               <p:cNvPr id="3" name="Content Placeholder 2"/>
@@ -13584,8 +13692,8 @@
           </a:p>
         </p:txBody>
       </p:sp>
-      <mc:AlternateContent xmlns:mc="http://schemas.openxmlformats.org/markup-compatibility/2006">
-        <mc:Choice xmlns:a14="http://schemas.microsoft.com/office/drawing/2010/main" Requires="a14">
+      <mc:AlternateContent xmlns:mc="http://schemas.openxmlformats.org/markup-compatibility/2006" xmlns:a14="http://schemas.microsoft.com/office/drawing/2010/main">
+        <mc:Choice Requires="a14">
           <p:sp>
             <p:nvSpPr>
               <p:cNvPr id="3" name="Content Placeholder 2"/>
@@ -14196,7 +14304,7 @@
             </p:txBody>
           </p:sp>
         </mc:Choice>
-        <mc:Fallback>
+        <mc:Fallback xmlns="">
           <p:sp>
             <p:nvSpPr>
               <p:cNvPr id="3" name="Content Placeholder 2"/>
@@ -14277,80 +14385,7 @@
           <a:p>
             <a:r>
               <a:rPr lang="en-US" dirty="0" smtClean="0"/>
-              <a:t>Not the Best Solution</a:t>
-            </a:r>
-            <a:endParaRPr lang="en-US" dirty="0"/>
-          </a:p>
-        </p:txBody>
-      </p:sp>
-      <p:sp>
-        <p:nvSpPr>
-          <p:cNvPr id="3" name="Content Placeholder 2"/>
-          <p:cNvSpPr>
-            <a:spLocks noGrp="1"/>
-          </p:cNvSpPr>
-          <p:nvPr>
-            <p:ph idx="1"/>
-          </p:nvPr>
-        </p:nvSpPr>
-        <p:spPr>
-          <a:xfrm>
-            <a:off x="684212" y="685800"/>
-            <a:ext cx="6171047" cy="3615267"/>
-          </a:xfrm>
-        </p:spPr>
-        <p:txBody>
-          <a:bodyPr/>
-          <a:lstStyle/>
-          <a:p>
-            <a:r>
-              <a:rPr lang="en-US" dirty="0" smtClean="0"/>
-              <a:t>Works well </a:t>
-            </a:r>
-            <a:r>
-              <a:rPr lang="en-US" dirty="0" smtClean="0"/>
-              <a:t>for mapping</a:t>
-            </a:r>
-            <a:r>
-              <a:rPr lang="en-US" dirty="0" smtClean="0"/>
-              <a:t> triangles</a:t>
-            </a:r>
-            <a:endParaRPr lang="en-US" dirty="0" smtClean="0"/>
-          </a:p>
-          <a:p>
-            <a:r>
-              <a:rPr lang="en-US" dirty="0" smtClean="0"/>
-              <a:t>Done </a:t>
-            </a:r>
-            <a:r>
-              <a:rPr lang="en-US" dirty="0" smtClean="0"/>
-              <a:t>piecewise </a:t>
-            </a:r>
-            <a:r>
-              <a:rPr lang="en-US" dirty="0" smtClean="0"/>
-              <a:t>on other shapes</a:t>
-            </a:r>
-          </a:p>
-          <a:p>
-            <a:r>
-              <a:rPr lang="en-US" dirty="0" smtClean="0"/>
-              <a:t>The transformation is </a:t>
-            </a:r>
-            <a:r>
-              <a:rPr lang="en-US" dirty="0" smtClean="0"/>
-              <a:t>continuous</a:t>
-            </a:r>
-            <a:r>
-              <a:rPr lang="en-US" dirty="0" smtClean="0"/>
-              <a:t>, b</a:t>
-            </a:r>
-            <a:r>
-              <a:rPr lang="en-US" dirty="0" smtClean="0"/>
-              <a:t>ut </a:t>
-            </a:r>
-            <a:r>
-              <a:rPr lang="en-US" dirty="0" smtClean="0"/>
-              <a:t>there is discontinuity in the first derivative</a:t>
+              <a:t>Bilinear Interpolation</a:t>
             </a:r>
             <a:endParaRPr lang="en-US" dirty="0"/>
           </a:p>
@@ -14358,11 +14393,13 @@
       </p:sp>
       <p:pic>
         <p:nvPicPr>
-          <p:cNvPr id="7" name="Picture 6"/>
+          <p:cNvPr id="4" name="Content Placeholder 3"/>
           <p:cNvPicPr>
-            <a:picLocks noChangeAspect="1"/>
+            <a:picLocks noGrp="1" noChangeAspect="1"/>
           </p:cNvPicPr>
-          <p:nvPr/>
+          <p:nvPr>
+            <p:ph idx="1"/>
+          </p:nvPr>
         </p:nvPicPr>
         <p:blipFill>
           <a:blip r:embed="rId2">
@@ -14378,18 +14415,340 @@
         </p:blipFill>
         <p:spPr>
           <a:xfrm>
-            <a:off x="6855259" y="1091045"/>
-            <a:ext cx="4726706" cy="2836719"/>
+            <a:off x="6530479" y="490821"/>
+            <a:ext cx="3658304" cy="3498254"/>
+          </a:xfrm>
+        </p:spPr>
+      </p:pic>
+      <p:sp>
+        <p:nvSpPr>
+          <p:cNvPr id="5" name="Content Placeholder 2"/>
+          <p:cNvSpPr txBox="1">
+            <a:spLocks/>
+          </p:cNvSpPr>
+          <p:nvPr/>
+        </p:nvSpPr>
+        <p:spPr>
+          <a:xfrm>
+            <a:off x="434830" y="373808"/>
+            <a:ext cx="6171047" cy="3615267"/>
           </a:xfrm>
           <a:prstGeom prst="rect">
             <a:avLst/>
           </a:prstGeom>
         </p:spPr>
-      </p:pic>
+        <p:txBody>
+          <a:bodyPr vert="horz" lIns="91440" tIns="45720" rIns="91440" bIns="45720" rtlCol="0" anchor="ctr">
+            <a:normAutofit/>
+          </a:bodyPr>
+          <a:lstStyle>
+            <a:lvl1pPr marL="285750" indent="-285750" algn="l" defTabSz="457200" rtl="0" eaLnBrk="1" latinLnBrk="0" hangingPunct="1">
+              <a:spcBef>
+                <a:spcPct val="20000"/>
+              </a:spcBef>
+              <a:spcAft>
+                <a:spcPts val="600"/>
+              </a:spcAft>
+              <a:buClr>
+                <a:schemeClr val="tx1"/>
+              </a:buClr>
+              <a:buSzPct val="80000"/>
+              <a:buFont typeface="Wingdings 3" panose="05040102010807070707" pitchFamily="18" charset="2"/>
+              <a:buChar char=""/>
+              <a:defRPr sz="2000" kern="1200" cap="none">
+                <a:solidFill>
+                  <a:schemeClr val="bg2">
+                    <a:lumMod val="75000"/>
+                  </a:schemeClr>
+                </a:solidFill>
+                <a:effectLst/>
+                <a:latin typeface="+mn-lt"/>
+                <a:ea typeface="+mn-ea"/>
+                <a:cs typeface="+mn-cs"/>
+              </a:defRPr>
+            </a:lvl1pPr>
+            <a:lvl2pPr marL="742950" indent="-285750" algn="l" defTabSz="457200" rtl="0" eaLnBrk="1" latinLnBrk="0" hangingPunct="1">
+              <a:spcBef>
+                <a:spcPct val="20000"/>
+              </a:spcBef>
+              <a:spcAft>
+                <a:spcPts val="600"/>
+              </a:spcAft>
+              <a:buClr>
+                <a:schemeClr val="tx1"/>
+              </a:buClr>
+              <a:buSzPct val="80000"/>
+              <a:buFont typeface="Wingdings 3" panose="05040102010807070707" pitchFamily="18" charset="2"/>
+              <a:buChar char=""/>
+              <a:defRPr sz="1800" kern="1200" cap="none">
+                <a:solidFill>
+                  <a:schemeClr val="bg2">
+                    <a:lumMod val="75000"/>
+                  </a:schemeClr>
+                </a:solidFill>
+                <a:effectLst/>
+                <a:latin typeface="+mn-lt"/>
+                <a:ea typeface="+mn-ea"/>
+                <a:cs typeface="+mn-cs"/>
+              </a:defRPr>
+            </a:lvl2pPr>
+            <a:lvl3pPr marL="1200150" indent="-285750" algn="l" defTabSz="457200" rtl="0" eaLnBrk="1" latinLnBrk="0" hangingPunct="1">
+              <a:spcBef>
+                <a:spcPct val="20000"/>
+              </a:spcBef>
+              <a:spcAft>
+                <a:spcPts val="600"/>
+              </a:spcAft>
+              <a:buClr>
+                <a:schemeClr val="tx1"/>
+              </a:buClr>
+              <a:buSzPct val="80000"/>
+              <a:buFont typeface="Wingdings 3" panose="05040102010807070707" pitchFamily="18" charset="2"/>
+              <a:buChar char=""/>
+              <a:defRPr sz="1600" kern="1200" cap="none">
+                <a:solidFill>
+                  <a:schemeClr val="bg2">
+                    <a:lumMod val="75000"/>
+                  </a:schemeClr>
+                </a:solidFill>
+                <a:effectLst/>
+                <a:latin typeface="+mn-lt"/>
+                <a:ea typeface="+mn-ea"/>
+                <a:cs typeface="+mn-cs"/>
+              </a:defRPr>
+            </a:lvl3pPr>
+            <a:lvl4pPr marL="1543050" indent="-171450" algn="l" defTabSz="457200" rtl="0" eaLnBrk="1" latinLnBrk="0" hangingPunct="1">
+              <a:spcBef>
+                <a:spcPct val="20000"/>
+              </a:spcBef>
+              <a:spcAft>
+                <a:spcPts val="600"/>
+              </a:spcAft>
+              <a:buClr>
+                <a:schemeClr val="tx1"/>
+              </a:buClr>
+              <a:buSzPct val="80000"/>
+              <a:buFont typeface="Wingdings 3" panose="05040102010807070707" pitchFamily="18" charset="2"/>
+              <a:buChar char=""/>
+              <a:defRPr sz="1400" kern="1200" cap="none">
+                <a:solidFill>
+                  <a:schemeClr val="bg2">
+                    <a:lumMod val="75000"/>
+                  </a:schemeClr>
+                </a:solidFill>
+                <a:effectLst/>
+                <a:latin typeface="+mn-lt"/>
+                <a:ea typeface="+mn-ea"/>
+                <a:cs typeface="+mn-cs"/>
+              </a:defRPr>
+            </a:lvl4pPr>
+            <a:lvl5pPr marL="2000250" indent="-171450" algn="l" defTabSz="457200" rtl="0" eaLnBrk="1" latinLnBrk="0" hangingPunct="1">
+              <a:spcBef>
+                <a:spcPct val="20000"/>
+              </a:spcBef>
+              <a:spcAft>
+                <a:spcPts val="600"/>
+              </a:spcAft>
+              <a:buClr>
+                <a:schemeClr val="tx1"/>
+              </a:buClr>
+              <a:buSzPct val="80000"/>
+              <a:buFont typeface="Wingdings 3" panose="05040102010807070707" pitchFamily="18" charset="2"/>
+              <a:buChar char=""/>
+              <a:defRPr sz="1400" kern="1200" cap="none">
+                <a:solidFill>
+                  <a:schemeClr val="bg2">
+                    <a:lumMod val="75000"/>
+                  </a:schemeClr>
+                </a:solidFill>
+                <a:effectLst/>
+                <a:latin typeface="+mn-lt"/>
+                <a:ea typeface="+mn-ea"/>
+                <a:cs typeface="+mn-cs"/>
+              </a:defRPr>
+            </a:lvl5pPr>
+            <a:lvl6pPr marL="2514600" indent="-228600" algn="l" defTabSz="457200" rtl="0" eaLnBrk="1" latinLnBrk="0" hangingPunct="1">
+              <a:spcBef>
+                <a:spcPct val="20000"/>
+              </a:spcBef>
+              <a:spcAft>
+                <a:spcPts val="600"/>
+              </a:spcAft>
+              <a:buClr>
+                <a:schemeClr val="tx1"/>
+              </a:buClr>
+              <a:buSzPct val="80000"/>
+              <a:buFont typeface="Wingdings 3" panose="05040102010807070707" pitchFamily="18" charset="2"/>
+              <a:buChar char=""/>
+              <a:defRPr sz="1400" kern="1200" cap="none">
+                <a:solidFill>
+                  <a:schemeClr val="bg2">
+                    <a:lumMod val="75000"/>
+                  </a:schemeClr>
+                </a:solidFill>
+                <a:effectLst/>
+                <a:latin typeface="+mn-lt"/>
+                <a:ea typeface="+mn-ea"/>
+                <a:cs typeface="+mn-cs"/>
+              </a:defRPr>
+            </a:lvl6pPr>
+            <a:lvl7pPr marL="2971800" indent="-228600" algn="l" defTabSz="457200" rtl="0" eaLnBrk="1" latinLnBrk="0" hangingPunct="1">
+              <a:spcBef>
+                <a:spcPct val="20000"/>
+              </a:spcBef>
+              <a:spcAft>
+                <a:spcPts val="600"/>
+              </a:spcAft>
+              <a:buClr>
+                <a:schemeClr val="tx1"/>
+              </a:buClr>
+              <a:buSzPct val="80000"/>
+              <a:buFont typeface="Wingdings 3" panose="05040102010807070707" pitchFamily="18" charset="2"/>
+              <a:buChar char=""/>
+              <a:defRPr sz="1400" kern="1200" cap="none">
+                <a:solidFill>
+                  <a:schemeClr val="bg2">
+                    <a:lumMod val="75000"/>
+                  </a:schemeClr>
+                </a:solidFill>
+                <a:effectLst/>
+                <a:latin typeface="+mn-lt"/>
+                <a:ea typeface="+mn-ea"/>
+                <a:cs typeface="+mn-cs"/>
+              </a:defRPr>
+            </a:lvl7pPr>
+            <a:lvl8pPr marL="3429000" indent="-228600" algn="l" defTabSz="457200" rtl="0" eaLnBrk="1" latinLnBrk="0" hangingPunct="1">
+              <a:spcBef>
+                <a:spcPct val="20000"/>
+              </a:spcBef>
+              <a:spcAft>
+                <a:spcPts val="600"/>
+              </a:spcAft>
+              <a:buClr>
+                <a:schemeClr val="tx1"/>
+              </a:buClr>
+              <a:buSzPct val="80000"/>
+              <a:buFont typeface="Wingdings 3" panose="05040102010807070707" pitchFamily="18" charset="2"/>
+              <a:buChar char=""/>
+              <a:defRPr sz="1400" kern="1200" cap="none">
+                <a:solidFill>
+                  <a:schemeClr val="bg2">
+                    <a:lumMod val="75000"/>
+                  </a:schemeClr>
+                </a:solidFill>
+                <a:effectLst/>
+                <a:latin typeface="+mn-lt"/>
+                <a:ea typeface="+mn-ea"/>
+                <a:cs typeface="+mn-cs"/>
+              </a:defRPr>
+            </a:lvl8pPr>
+            <a:lvl9pPr marL="3886200" indent="-228600" algn="l" defTabSz="457200" rtl="0" eaLnBrk="1" latinLnBrk="0" hangingPunct="1">
+              <a:spcBef>
+                <a:spcPct val="20000"/>
+              </a:spcBef>
+              <a:spcAft>
+                <a:spcPts val="600"/>
+              </a:spcAft>
+              <a:buClr>
+                <a:schemeClr val="tx1"/>
+              </a:buClr>
+              <a:buSzPct val="80000"/>
+              <a:buFont typeface="Wingdings 3" panose="05040102010807070707" pitchFamily="18" charset="2"/>
+              <a:buChar char=""/>
+              <a:defRPr sz="1400" kern="1200" cap="none">
+                <a:solidFill>
+                  <a:schemeClr val="bg2">
+                    <a:lumMod val="75000"/>
+                  </a:schemeClr>
+                </a:solidFill>
+                <a:effectLst/>
+                <a:latin typeface="+mn-lt"/>
+                <a:ea typeface="+mn-ea"/>
+                <a:cs typeface="+mn-cs"/>
+              </a:defRPr>
+            </a:lvl9pPr>
+          </a:lstStyle>
+          <a:p>
+            <a:r>
+              <a:rPr lang="pt-BR" dirty="0"/>
+              <a:t>R1 = ((x2 – x)/(x2 – x1))*Q11 + </a:t>
+            </a:r>
+            <a:endParaRPr lang="pt-BR" dirty="0" smtClean="0"/>
+          </a:p>
+          <a:p>
+            <a:pPr marL="0" indent="0">
+              <a:buNone/>
+            </a:pPr>
+            <a:r>
+              <a:rPr lang="pt-BR" dirty="0"/>
+              <a:t>	</a:t>
+            </a:r>
+            <a:r>
+              <a:rPr lang="pt-BR" dirty="0" smtClean="0"/>
+              <a:t>	((</a:t>
+            </a:r>
+            <a:r>
+              <a:rPr lang="pt-BR" dirty="0"/>
+              <a:t>x – x1)/(x2 – x1))*</a:t>
+            </a:r>
+            <a:r>
+              <a:rPr lang="pt-BR" dirty="0" smtClean="0"/>
+              <a:t>Q21</a:t>
+            </a:r>
+          </a:p>
+          <a:p>
+            <a:r>
+              <a:rPr lang="pt-BR" dirty="0"/>
+              <a:t>R2 = ((x2 – x)/(x2 – x1))*Q12 + </a:t>
+            </a:r>
+            <a:endParaRPr lang="pt-BR" dirty="0" smtClean="0"/>
+          </a:p>
+          <a:p>
+            <a:pPr marL="0" indent="0">
+              <a:buNone/>
+            </a:pPr>
+            <a:r>
+              <a:rPr lang="pt-BR" dirty="0"/>
+              <a:t>	</a:t>
+            </a:r>
+            <a:r>
+              <a:rPr lang="pt-BR" dirty="0" smtClean="0"/>
+              <a:t>	((</a:t>
+            </a:r>
+            <a:r>
+              <a:rPr lang="pt-BR" dirty="0"/>
+              <a:t>x – x1)/(x2 – x1))*</a:t>
+            </a:r>
+            <a:r>
+              <a:rPr lang="pt-BR" dirty="0" smtClean="0"/>
+              <a:t>Q22</a:t>
+            </a:r>
+          </a:p>
+          <a:p>
+            <a:r>
+              <a:rPr lang="es-ES" dirty="0"/>
+              <a:t>P = ((y2 – y)/(y2 – y1))*R1 + </a:t>
+            </a:r>
+            <a:endParaRPr lang="es-ES" dirty="0" smtClean="0"/>
+          </a:p>
+          <a:p>
+            <a:pPr lvl="1"/>
+            <a:r>
+              <a:rPr lang="es-ES" dirty="0" smtClean="0"/>
+              <a:t>((</a:t>
+            </a:r>
+            <a:r>
+              <a:rPr lang="es-ES" dirty="0"/>
+              <a:t>y – y1)/(y2 – y1))*R2</a:t>
+            </a:r>
+            <a:endParaRPr lang="pt-BR" dirty="0"/>
+          </a:p>
+        </p:txBody>
+      </p:sp>
     </p:spTree>
     <p:extLst>
       <p:ext uri="{BB962C8B-B14F-4D97-AF65-F5344CB8AC3E}">
-        <p14:creationId xmlns:p14="http://schemas.microsoft.com/office/powerpoint/2010/main" val="4098256161"/>
+        <p14:creationId xmlns:p14="http://schemas.microsoft.com/office/powerpoint/2010/main" val="3985043249"/>
       </p:ext>
     </p:extLst>
   </p:cSld>

--- a/General Morphing.pptx
+++ b/General Morphing.pptx
@@ -14,19 +14,21 @@
     <p:sldId id="277" r:id="rId8"/>
     <p:sldId id="278" r:id="rId9"/>
     <p:sldId id="279" r:id="rId10"/>
-    <p:sldId id="262" r:id="rId11"/>
-    <p:sldId id="260" r:id="rId12"/>
-    <p:sldId id="263" r:id="rId13"/>
-    <p:sldId id="264" r:id="rId14"/>
-    <p:sldId id="266" r:id="rId15"/>
-    <p:sldId id="265" r:id="rId16"/>
-    <p:sldId id="267" r:id="rId17"/>
-    <p:sldId id="268" r:id="rId18"/>
-    <p:sldId id="269" r:id="rId19"/>
-    <p:sldId id="272" r:id="rId20"/>
-    <p:sldId id="270" r:id="rId21"/>
-    <p:sldId id="271" r:id="rId22"/>
-    <p:sldId id="273" r:id="rId23"/>
+    <p:sldId id="280" r:id="rId11"/>
+    <p:sldId id="281" r:id="rId12"/>
+    <p:sldId id="262" r:id="rId13"/>
+    <p:sldId id="260" r:id="rId14"/>
+    <p:sldId id="263" r:id="rId15"/>
+    <p:sldId id="264" r:id="rId16"/>
+    <p:sldId id="266" r:id="rId17"/>
+    <p:sldId id="265" r:id="rId18"/>
+    <p:sldId id="267" r:id="rId19"/>
+    <p:sldId id="268" r:id="rId20"/>
+    <p:sldId id="269" r:id="rId21"/>
+    <p:sldId id="272" r:id="rId22"/>
+    <p:sldId id="270" r:id="rId23"/>
+    <p:sldId id="271" r:id="rId24"/>
+    <p:sldId id="273" r:id="rId25"/>
   </p:sldIdLst>
   <p:sldSz cx="12192000" cy="6858000"/>
   <p:notesSz cx="6858000" cy="9144000"/>
@@ -325,7 +327,7 @@
             <a:fld id="{B61BEF0D-F0BB-DE4B-95CE-6DB70DBA9567}" type="datetimeFigureOut">
               <a:rPr lang="en-US" dirty="0"/>
               <a:pPr/>
-              <a:t>4/28/2015</a:t>
+              <a:t>4/29/2015</a:t>
             </a:fld>
             <a:endParaRPr lang="en-US" dirty="0"/>
           </a:p>
@@ -758,7 +760,7 @@
             <a:fld id="{B61BEF0D-F0BB-DE4B-95CE-6DB70DBA9567}" type="datetimeFigureOut">
               <a:rPr lang="en-US" dirty="0"/>
               <a:pPr/>
-              <a:t>4/28/2015</a:t>
+              <a:t>4/29/2015</a:t>
             </a:fld>
             <a:endParaRPr lang="en-US" dirty="0"/>
           </a:p>
@@ -1005,7 +1007,7 @@
             <a:fld id="{B61BEF0D-F0BB-DE4B-95CE-6DB70DBA9567}" type="datetimeFigureOut">
               <a:rPr lang="en-US" dirty="0"/>
               <a:pPr/>
-              <a:t>4/28/2015</a:t>
+              <a:t>4/29/2015</a:t>
             </a:fld>
             <a:endParaRPr lang="en-US" dirty="0"/>
           </a:p>
@@ -1310,7 +1312,7 @@
             <a:fld id="{B61BEF0D-F0BB-DE4B-95CE-6DB70DBA9567}" type="datetimeFigureOut">
               <a:rPr lang="en-US" dirty="0"/>
               <a:pPr/>
-              <a:t>4/28/2015</a:t>
+              <a:t>4/29/2015</a:t>
             </a:fld>
             <a:endParaRPr lang="en-US" dirty="0"/>
           </a:p>
@@ -1625,7 +1627,7 @@
             <a:fld id="{B61BEF0D-F0BB-DE4B-95CE-6DB70DBA9567}" type="datetimeFigureOut">
               <a:rPr lang="en-US" dirty="0"/>
               <a:pPr/>
-              <a:t>4/28/2015</a:t>
+              <a:t>4/29/2015</a:t>
             </a:fld>
             <a:endParaRPr lang="en-US" dirty="0"/>
           </a:p>
@@ -1924,7 +1926,7 @@
             <a:fld id="{B61BEF0D-F0BB-DE4B-95CE-6DB70DBA9567}" type="datetimeFigureOut">
               <a:rPr lang="en-US" dirty="0"/>
               <a:pPr/>
-              <a:t>4/28/2015</a:t>
+              <a:t>4/29/2015</a:t>
             </a:fld>
             <a:endParaRPr lang="en-US" dirty="0"/>
           </a:p>
@@ -2288,7 +2290,7 @@
             <a:fld id="{B61BEF0D-F0BB-DE4B-95CE-6DB70DBA9567}" type="datetimeFigureOut">
               <a:rPr lang="en-US" dirty="0"/>
               <a:pPr/>
-              <a:t>4/28/2015</a:t>
+              <a:t>4/29/2015</a:t>
             </a:fld>
             <a:endParaRPr lang="en-US" dirty="0"/>
           </a:p>
@@ -2459,7 +2461,7 @@
             <a:fld id="{B61BEF0D-F0BB-DE4B-95CE-6DB70DBA9567}" type="datetimeFigureOut">
               <a:rPr lang="en-US" dirty="0"/>
               <a:pPr/>
-              <a:t>4/28/2015</a:t>
+              <a:t>4/29/2015</a:t>
             </a:fld>
             <a:endParaRPr lang="en-US" dirty="0"/>
           </a:p>
@@ -2636,7 +2638,7 @@
             <a:fld id="{B61BEF0D-F0BB-DE4B-95CE-6DB70DBA9567}" type="datetimeFigureOut">
               <a:rPr lang="en-US" dirty="0"/>
               <a:pPr/>
-              <a:t>4/28/2015</a:t>
+              <a:t>4/29/2015</a:t>
             </a:fld>
             <a:endParaRPr lang="en-US" dirty="0"/>
           </a:p>
@@ -2803,7 +2805,7 @@
             <a:fld id="{B61BEF0D-F0BB-DE4B-95CE-6DB70DBA9567}" type="datetimeFigureOut">
               <a:rPr lang="en-US" dirty="0"/>
               <a:pPr/>
-              <a:t>4/28/2015</a:t>
+              <a:t>4/29/2015</a:t>
             </a:fld>
             <a:endParaRPr lang="en-US" dirty="0"/>
           </a:p>
@@ -3050,7 +3052,7 @@
             <a:fld id="{B61BEF0D-F0BB-DE4B-95CE-6DB70DBA9567}" type="datetimeFigureOut">
               <a:rPr lang="en-US" dirty="0"/>
               <a:pPr/>
-              <a:t>4/28/2015</a:t>
+              <a:t>4/29/2015</a:t>
             </a:fld>
             <a:endParaRPr lang="en-US" dirty="0"/>
           </a:p>
@@ -3283,7 +3285,7 @@
             <a:fld id="{B61BEF0D-F0BB-DE4B-95CE-6DB70DBA9567}" type="datetimeFigureOut">
               <a:rPr lang="en-US" dirty="0"/>
               <a:pPr/>
-              <a:t>4/28/2015</a:t>
+              <a:t>4/29/2015</a:t>
             </a:fld>
             <a:endParaRPr lang="en-US" dirty="0"/>
           </a:p>
@@ -3662,7 +3664,7 @@
             <a:fld id="{B61BEF0D-F0BB-DE4B-95CE-6DB70DBA9567}" type="datetimeFigureOut">
               <a:rPr lang="en-US" dirty="0"/>
               <a:pPr/>
-              <a:t>4/28/2015</a:t>
+              <a:t>4/29/2015</a:t>
             </a:fld>
             <a:endParaRPr lang="en-US" dirty="0"/>
           </a:p>
@@ -3777,7 +3779,7 @@
             <a:fld id="{B61BEF0D-F0BB-DE4B-95CE-6DB70DBA9567}" type="datetimeFigureOut">
               <a:rPr lang="en-US" dirty="0"/>
               <a:pPr/>
-              <a:t>4/28/2015</a:t>
+              <a:t>4/29/2015</a:t>
             </a:fld>
             <a:endParaRPr lang="en-US" dirty="0"/>
           </a:p>
@@ -3869,7 +3871,7 @@
             <a:fld id="{B61BEF0D-F0BB-DE4B-95CE-6DB70DBA9567}" type="datetimeFigureOut">
               <a:rPr lang="en-US" dirty="0"/>
               <a:pPr/>
-              <a:t>4/28/2015</a:t>
+              <a:t>4/29/2015</a:t>
             </a:fld>
             <a:endParaRPr lang="en-US" dirty="0"/>
           </a:p>
@@ -4121,7 +4123,7 @@
             <a:fld id="{B61BEF0D-F0BB-DE4B-95CE-6DB70DBA9567}" type="datetimeFigureOut">
               <a:rPr lang="en-US" dirty="0"/>
               <a:pPr/>
-              <a:t>4/28/2015</a:t>
+              <a:t>4/29/2015</a:t>
             </a:fld>
             <a:endParaRPr lang="en-US" dirty="0"/>
           </a:p>
@@ -4401,7 +4403,7 @@
             <a:fld id="{B61BEF0D-F0BB-DE4B-95CE-6DB70DBA9567}" type="datetimeFigureOut">
               <a:rPr lang="en-US" dirty="0"/>
               <a:pPr/>
-              <a:t>4/28/2015</a:t>
+              <a:t>4/29/2015</a:t>
             </a:fld>
             <a:endParaRPr lang="en-US" dirty="0"/>
           </a:p>
@@ -4804,7 +4806,7 @@
             <a:fld id="{B61BEF0D-F0BB-DE4B-95CE-6DB70DBA9567}" type="datetimeFigureOut">
               <a:rPr lang="en-US" dirty="0"/>
               <a:pPr/>
-              <a:t>4/28/2015</a:t>
+              <a:t>4/29/2015</a:t>
             </a:fld>
             <a:endParaRPr lang="en-US" dirty="0"/>
           </a:p>
@@ -5444,6 +5446,486 @@
           <a:p>
             <a:r>
               <a:rPr lang="en-US" dirty="0" smtClean="0"/>
+              <a:t>Comparison</a:t>
+            </a:r>
+            <a:endParaRPr lang="en-US" dirty="0"/>
+          </a:p>
+        </p:txBody>
+      </p:sp>
+      <p:pic>
+        <p:nvPicPr>
+          <p:cNvPr id="11" name="Picture 10"/>
+          <p:cNvPicPr>
+            <a:picLocks noChangeAspect="1"/>
+          </p:cNvPicPr>
+          <p:nvPr/>
+        </p:nvPicPr>
+        <p:blipFill>
+          <a:blip r:embed="rId2">
+            <a:extLst>
+              <a:ext uri="{28A0092B-C50C-407E-A947-70E740481C1C}">
+                <a14:useLocalDpi xmlns:a14="http://schemas.microsoft.com/office/drawing/2010/main" val="0"/>
+              </a:ext>
+            </a:extLst>
+          </a:blip>
+          <a:stretch>
+            <a:fillRect/>
+          </a:stretch>
+        </p:blipFill>
+        <p:spPr>
+          <a:xfrm>
+            <a:off x="899680" y="1272886"/>
+            <a:ext cx="2038350" cy="2857500"/>
+          </a:xfrm>
+          <a:prstGeom prst="rect">
+            <a:avLst/>
+          </a:prstGeom>
+        </p:spPr>
+      </p:pic>
+      <p:pic>
+        <p:nvPicPr>
+          <p:cNvPr id="14" name="Picture 13"/>
+          <p:cNvPicPr>
+            <a:picLocks noChangeAspect="1"/>
+          </p:cNvPicPr>
+          <p:nvPr/>
+        </p:nvPicPr>
+        <p:blipFill>
+          <a:blip r:embed="rId3">
+            <a:extLst>
+              <a:ext uri="{28A0092B-C50C-407E-A947-70E740481C1C}">
+                <a14:useLocalDpi xmlns:a14="http://schemas.microsoft.com/office/drawing/2010/main" val="0"/>
+              </a:ext>
+            </a:extLst>
+          </a:blip>
+          <a:stretch>
+            <a:fillRect/>
+          </a:stretch>
+        </p:blipFill>
+        <p:spPr>
+          <a:xfrm>
+            <a:off x="4006127" y="683202"/>
+            <a:ext cx="3057525" cy="4286250"/>
+          </a:xfrm>
+          <a:prstGeom prst="rect">
+            <a:avLst/>
+          </a:prstGeom>
+        </p:spPr>
+      </p:pic>
+      <p:pic>
+        <p:nvPicPr>
+          <p:cNvPr id="15" name="Picture 14"/>
+          <p:cNvPicPr>
+            <a:picLocks noChangeAspect="1"/>
+          </p:cNvPicPr>
+          <p:nvPr/>
+        </p:nvPicPr>
+        <p:blipFill>
+          <a:blip r:embed="rId4">
+            <a:extLst>
+              <a:ext uri="{28A0092B-C50C-407E-A947-70E740481C1C}">
+                <a14:useLocalDpi xmlns:a14="http://schemas.microsoft.com/office/drawing/2010/main" val="0"/>
+              </a:ext>
+            </a:extLst>
+          </a:blip>
+          <a:stretch>
+            <a:fillRect/>
+          </a:stretch>
+        </p:blipFill>
+        <p:spPr>
+          <a:xfrm>
+            <a:off x="8327808" y="683202"/>
+            <a:ext cx="3057525" cy="4286250"/>
+          </a:xfrm>
+          <a:prstGeom prst="rect">
+            <a:avLst/>
+          </a:prstGeom>
+        </p:spPr>
+      </p:pic>
+      <p:sp>
+        <p:nvSpPr>
+          <p:cNvPr id="16" name="TextBox 15"/>
+          <p:cNvSpPr txBox="1"/>
+          <p:nvPr/>
+        </p:nvSpPr>
+        <p:spPr>
+          <a:xfrm>
+            <a:off x="1278082" y="683202"/>
+            <a:ext cx="1047082" cy="369332"/>
+          </a:xfrm>
+          <a:prstGeom prst="rect">
+            <a:avLst/>
+          </a:prstGeom>
+          <a:noFill/>
+        </p:spPr>
+        <p:txBody>
+          <a:bodyPr wrap="none" rtlCol="0">
+            <a:spAutoFit/>
+          </a:bodyPr>
+          <a:lstStyle/>
+          <a:p>
+            <a:r>
+              <a:rPr lang="en-US" dirty="0" smtClean="0"/>
+              <a:t>Original</a:t>
+            </a:r>
+            <a:endParaRPr lang="en-US" dirty="0"/>
+          </a:p>
+        </p:txBody>
+      </p:sp>
+      <p:sp>
+        <p:nvSpPr>
+          <p:cNvPr id="17" name="TextBox 16"/>
+          <p:cNvSpPr txBox="1"/>
+          <p:nvPr/>
+        </p:nvSpPr>
+        <p:spPr>
+          <a:xfrm>
+            <a:off x="4006127" y="313870"/>
+            <a:ext cx="974947" cy="369332"/>
+          </a:xfrm>
+          <a:prstGeom prst="rect">
+            <a:avLst/>
+          </a:prstGeom>
+          <a:noFill/>
+        </p:spPr>
+        <p:txBody>
+          <a:bodyPr wrap="none" rtlCol="0">
+            <a:spAutoFit/>
+          </a:bodyPr>
+          <a:lstStyle/>
+          <a:p>
+            <a:r>
+              <a:rPr lang="en-US" dirty="0" smtClean="0"/>
+              <a:t>Bilinear</a:t>
+            </a:r>
+            <a:endParaRPr lang="en-US" dirty="0"/>
+          </a:p>
+        </p:txBody>
+      </p:sp>
+      <p:sp>
+        <p:nvSpPr>
+          <p:cNvPr id="18" name="TextBox 17"/>
+          <p:cNvSpPr txBox="1"/>
+          <p:nvPr/>
+        </p:nvSpPr>
+        <p:spPr>
+          <a:xfrm>
+            <a:off x="8327808" y="313870"/>
+            <a:ext cx="2157963" cy="369332"/>
+          </a:xfrm>
+          <a:prstGeom prst="rect">
+            <a:avLst/>
+          </a:prstGeom>
+          <a:noFill/>
+        </p:spPr>
+        <p:txBody>
+          <a:bodyPr wrap="none" rtlCol="0">
+            <a:spAutoFit/>
+          </a:bodyPr>
+          <a:lstStyle/>
+          <a:p>
+            <a:r>
+              <a:rPr lang="en-US" dirty="0" smtClean="0"/>
+              <a:t>Nearest Neighbor</a:t>
+            </a:r>
+            <a:endParaRPr lang="en-US" dirty="0"/>
+          </a:p>
+        </p:txBody>
+      </p:sp>
+    </p:spTree>
+    <p:extLst>
+      <p:ext uri="{BB962C8B-B14F-4D97-AF65-F5344CB8AC3E}">
+        <p14:creationId xmlns:p14="http://schemas.microsoft.com/office/powerpoint/2010/main" val="2603314414"/>
+      </p:ext>
+    </p:extLst>
+  </p:cSld>
+  <p:clrMapOvr>
+    <a:masterClrMapping/>
+  </p:clrMapOvr>
+  <p:timing>
+    <p:tnLst>
+      <p:par>
+        <p:cTn id="1" dur="indefinite" restart="never" nodeType="tmRoot"/>
+      </p:par>
+    </p:tnLst>
+  </p:timing>
+</p:sld>
+</file>
+
+<file path=ppt/slides/slide11.xml><?xml version="1.0" encoding="utf-8"?>
+<p:sld xmlns:a="http://schemas.openxmlformats.org/drawingml/2006/main" xmlns:r="http://schemas.openxmlformats.org/officeDocument/2006/relationships" xmlns:p="http://schemas.openxmlformats.org/presentationml/2006/main">
+  <p:cSld>
+    <p:spTree>
+      <p:nvGrpSpPr>
+        <p:cNvPr id="1" name=""/>
+        <p:cNvGrpSpPr/>
+        <p:nvPr/>
+      </p:nvGrpSpPr>
+      <p:grpSpPr>
+        <a:xfrm>
+          <a:off x="0" y="0"/>
+          <a:ext cx="0" cy="0"/>
+          <a:chOff x="0" y="0"/>
+          <a:chExt cx="0" cy="0"/>
+        </a:xfrm>
+      </p:grpSpPr>
+      <p:sp>
+        <p:nvSpPr>
+          <p:cNvPr id="2" name="Title 1"/>
+          <p:cNvSpPr>
+            <a:spLocks noGrp="1"/>
+          </p:cNvSpPr>
+          <p:nvPr>
+            <p:ph type="title"/>
+          </p:nvPr>
+        </p:nvSpPr>
+        <p:spPr/>
+        <p:txBody>
+          <a:bodyPr/>
+          <a:lstStyle/>
+          <a:p>
+            <a:r>
+              <a:rPr lang="en-US" dirty="0" smtClean="0"/>
+              <a:t>Comparison</a:t>
+            </a:r>
+            <a:endParaRPr lang="en-US" dirty="0"/>
+          </a:p>
+        </p:txBody>
+      </p:sp>
+      <p:pic>
+        <p:nvPicPr>
+          <p:cNvPr id="11" name="Picture 10"/>
+          <p:cNvPicPr>
+            <a:picLocks noChangeAspect="1"/>
+          </p:cNvPicPr>
+          <p:nvPr/>
+        </p:nvPicPr>
+        <p:blipFill>
+          <a:blip r:embed="rId2">
+            <a:extLst>
+              <a:ext uri="{28A0092B-C50C-407E-A947-70E740481C1C}">
+                <a14:useLocalDpi xmlns:a14="http://schemas.microsoft.com/office/drawing/2010/main" val="0"/>
+              </a:ext>
+            </a:extLst>
+          </a:blip>
+          <a:stretch>
+            <a:fillRect/>
+          </a:stretch>
+        </p:blipFill>
+        <p:spPr>
+          <a:xfrm>
+            <a:off x="899680" y="1272886"/>
+            <a:ext cx="2038350" cy="2857500"/>
+          </a:xfrm>
+          <a:prstGeom prst="rect">
+            <a:avLst/>
+          </a:prstGeom>
+        </p:spPr>
+      </p:pic>
+      <p:sp>
+        <p:nvSpPr>
+          <p:cNvPr id="16" name="TextBox 15"/>
+          <p:cNvSpPr txBox="1"/>
+          <p:nvPr/>
+        </p:nvSpPr>
+        <p:spPr>
+          <a:xfrm>
+            <a:off x="1278082" y="683202"/>
+            <a:ext cx="1047082" cy="369332"/>
+          </a:xfrm>
+          <a:prstGeom prst="rect">
+            <a:avLst/>
+          </a:prstGeom>
+          <a:noFill/>
+        </p:spPr>
+        <p:txBody>
+          <a:bodyPr wrap="none" rtlCol="0">
+            <a:spAutoFit/>
+          </a:bodyPr>
+          <a:lstStyle/>
+          <a:p>
+            <a:r>
+              <a:rPr lang="en-US" dirty="0" smtClean="0"/>
+              <a:t>Original</a:t>
+            </a:r>
+            <a:endParaRPr lang="en-US" dirty="0"/>
+          </a:p>
+        </p:txBody>
+      </p:sp>
+      <p:sp>
+        <p:nvSpPr>
+          <p:cNvPr id="17" name="TextBox 16"/>
+          <p:cNvSpPr txBox="1"/>
+          <p:nvPr/>
+        </p:nvSpPr>
+        <p:spPr>
+          <a:xfrm>
+            <a:off x="4006127" y="683202"/>
+            <a:ext cx="974947" cy="369332"/>
+          </a:xfrm>
+          <a:prstGeom prst="rect">
+            <a:avLst/>
+          </a:prstGeom>
+          <a:noFill/>
+        </p:spPr>
+        <p:txBody>
+          <a:bodyPr wrap="none" rtlCol="0">
+            <a:spAutoFit/>
+          </a:bodyPr>
+          <a:lstStyle/>
+          <a:p>
+            <a:r>
+              <a:rPr lang="en-US" dirty="0" smtClean="0"/>
+              <a:t>Bilinear</a:t>
+            </a:r>
+            <a:endParaRPr lang="en-US" dirty="0"/>
+          </a:p>
+        </p:txBody>
+      </p:sp>
+      <p:sp>
+        <p:nvSpPr>
+          <p:cNvPr id="18" name="TextBox 17"/>
+          <p:cNvSpPr txBox="1"/>
+          <p:nvPr/>
+        </p:nvSpPr>
+        <p:spPr>
+          <a:xfrm>
+            <a:off x="6926407" y="683202"/>
+            <a:ext cx="2157963" cy="369332"/>
+          </a:xfrm>
+          <a:prstGeom prst="rect">
+            <a:avLst/>
+          </a:prstGeom>
+          <a:noFill/>
+        </p:spPr>
+        <p:txBody>
+          <a:bodyPr wrap="none" rtlCol="0">
+            <a:spAutoFit/>
+          </a:bodyPr>
+          <a:lstStyle/>
+          <a:p>
+            <a:r>
+              <a:rPr lang="en-US" dirty="0" smtClean="0"/>
+              <a:t>Nearest Neighbor</a:t>
+            </a:r>
+            <a:endParaRPr lang="en-US" dirty="0"/>
+          </a:p>
+        </p:txBody>
+      </p:sp>
+      <p:pic>
+        <p:nvPicPr>
+          <p:cNvPr id="3" name="Picture 2"/>
+          <p:cNvPicPr>
+            <a:picLocks noChangeAspect="1"/>
+          </p:cNvPicPr>
+          <p:nvPr/>
+        </p:nvPicPr>
+        <p:blipFill>
+          <a:blip r:embed="rId3">
+            <a:extLst>
+              <a:ext uri="{28A0092B-C50C-407E-A947-70E740481C1C}">
+                <a14:useLocalDpi xmlns:a14="http://schemas.microsoft.com/office/drawing/2010/main" val="0"/>
+              </a:ext>
+            </a:extLst>
+          </a:blip>
+          <a:stretch>
+            <a:fillRect/>
+          </a:stretch>
+        </p:blipFill>
+        <p:spPr>
+          <a:xfrm>
+            <a:off x="4006127" y="1272886"/>
+            <a:ext cx="2038350" cy="2857500"/>
+          </a:xfrm>
+          <a:prstGeom prst="rect">
+            <a:avLst/>
+          </a:prstGeom>
+        </p:spPr>
+      </p:pic>
+      <p:pic>
+        <p:nvPicPr>
+          <p:cNvPr id="5" name="Picture 4"/>
+          <p:cNvPicPr>
+            <a:picLocks noChangeAspect="1"/>
+          </p:cNvPicPr>
+          <p:nvPr/>
+        </p:nvPicPr>
+        <p:blipFill>
+          <a:blip r:embed="rId4">
+            <a:extLst>
+              <a:ext uri="{28A0092B-C50C-407E-A947-70E740481C1C}">
+                <a14:useLocalDpi xmlns:a14="http://schemas.microsoft.com/office/drawing/2010/main" val="0"/>
+              </a:ext>
+            </a:extLst>
+          </a:blip>
+          <a:stretch>
+            <a:fillRect/>
+          </a:stretch>
+        </p:blipFill>
+        <p:spPr>
+          <a:xfrm>
+            <a:off x="6926407" y="1272886"/>
+            <a:ext cx="2038350" cy="2857500"/>
+          </a:xfrm>
+          <a:prstGeom prst="rect">
+            <a:avLst/>
+          </a:prstGeom>
+        </p:spPr>
+      </p:pic>
+    </p:spTree>
+    <p:extLst>
+      <p:ext uri="{BB962C8B-B14F-4D97-AF65-F5344CB8AC3E}">
+        <p14:creationId xmlns:p14="http://schemas.microsoft.com/office/powerpoint/2010/main" val="4121669709"/>
+      </p:ext>
+    </p:extLst>
+  </p:cSld>
+  <p:clrMapOvr>
+    <a:masterClrMapping/>
+  </p:clrMapOvr>
+  <p:timing>
+    <p:tnLst>
+      <p:par>
+        <p:cTn id="1" dur="indefinite" restart="never" nodeType="tmRoot"/>
+      </p:par>
+    </p:tnLst>
+  </p:timing>
+</p:sld>
+</file>
+
+<file path=ppt/slides/slide12.xml><?xml version="1.0" encoding="utf-8"?>
+<p:sld xmlns:a="http://schemas.openxmlformats.org/drawingml/2006/main" xmlns:r="http://schemas.openxmlformats.org/officeDocument/2006/relationships" xmlns:p="http://schemas.openxmlformats.org/presentationml/2006/main">
+  <p:cSld>
+    <p:spTree>
+      <p:nvGrpSpPr>
+        <p:cNvPr id="1" name=""/>
+        <p:cNvGrpSpPr/>
+        <p:nvPr/>
+      </p:nvGrpSpPr>
+      <p:grpSpPr>
+        <a:xfrm>
+          <a:off x="0" y="0"/>
+          <a:ext cx="0" cy="0"/>
+          <a:chOff x="0" y="0"/>
+          <a:chExt cx="0" cy="0"/>
+        </a:xfrm>
+      </p:grpSpPr>
+      <p:sp>
+        <p:nvSpPr>
+          <p:cNvPr id="2" name="Title 1"/>
+          <p:cNvSpPr>
+            <a:spLocks noGrp="1"/>
+          </p:cNvSpPr>
+          <p:nvPr>
+            <p:ph type="title"/>
+          </p:nvPr>
+        </p:nvSpPr>
+        <p:spPr/>
+        <p:txBody>
+          <a:bodyPr/>
+          <a:lstStyle/>
+          <a:p>
+            <a:r>
+              <a:rPr lang="en-US" dirty="0" smtClean="0"/>
               <a:t>Not the Best Solution</a:t>
             </a:r>
             <a:endParaRPr lang="en-US" dirty="0"/>
@@ -5530,10 +6012,17 @@
   <p:clrMapOvr>
     <a:masterClrMapping/>
   </p:clrMapOvr>
+  <p:timing>
+    <p:tnLst>
+      <p:par>
+        <p:cTn id="1" dur="indefinite" restart="never" nodeType="tmRoot"/>
+      </p:par>
+    </p:tnLst>
+  </p:timing>
 </p:sld>
 </file>
 
-<file path=ppt/slides/slide11.xml><?xml version="1.0" encoding="utf-8"?>
+<file path=ppt/slides/slide13.xml><?xml version="1.0" encoding="utf-8"?>
 <p:sld xmlns:a="http://schemas.openxmlformats.org/drawingml/2006/main" xmlns:r="http://schemas.openxmlformats.org/officeDocument/2006/relationships" xmlns:p="http://schemas.openxmlformats.org/presentationml/2006/main">
   <p:cSld>
     <p:spTree>
@@ -5586,7 +6075,7 @@
 </p:sld>
 </file>
 
-<file path=ppt/slides/slide12.xml><?xml version="1.0" encoding="utf-8"?>
+<file path=ppt/slides/slide14.xml><?xml version="1.0" encoding="utf-8"?>
 <p:sld xmlns:a="http://schemas.openxmlformats.org/drawingml/2006/main" xmlns:r="http://schemas.openxmlformats.org/officeDocument/2006/relationships" xmlns:p="http://schemas.openxmlformats.org/presentationml/2006/main">
   <p:cSld>
     <p:spTree>
@@ -5732,7 +6221,7 @@
 </p:sld>
 </file>
 
-<file path=ppt/slides/slide13.xml><?xml version="1.0" encoding="utf-8"?>
+<file path=ppt/slides/slide15.xml><?xml version="1.0" encoding="utf-8"?>
 <p:sld xmlns:a="http://schemas.openxmlformats.org/drawingml/2006/main" xmlns:r="http://schemas.openxmlformats.org/officeDocument/2006/relationships" xmlns:p="http://schemas.openxmlformats.org/presentationml/2006/main">
   <p:cSld>
     <p:spTree>
@@ -5842,7 +6331,7 @@
 </p:sld>
 </file>
 
-<file path=ppt/slides/slide14.xml><?xml version="1.0" encoding="utf-8"?>
+<file path=ppt/slides/slide16.xml><?xml version="1.0" encoding="utf-8"?>
 <p:sld xmlns:a="http://schemas.openxmlformats.org/drawingml/2006/main" xmlns:r="http://schemas.openxmlformats.org/officeDocument/2006/relationships" xmlns:p="http://schemas.openxmlformats.org/presentationml/2006/main">
   <p:cSld>
     <p:spTree>
@@ -5930,7 +6419,7 @@
 </p:sld>
 </file>
 
-<file path=ppt/slides/slide15.xml><?xml version="1.0" encoding="utf-8"?>
+<file path=ppt/slides/slide17.xml><?xml version="1.0" encoding="utf-8"?>
 <p:sld xmlns:a="http://schemas.openxmlformats.org/drawingml/2006/main" xmlns:r="http://schemas.openxmlformats.org/officeDocument/2006/relationships" xmlns:p="http://schemas.openxmlformats.org/presentationml/2006/main">
   <p:cSld>
     <p:spTree>
@@ -6737,7 +7226,7 @@
 </p:sld>
 </file>
 
-<file path=ppt/slides/slide16.xml><?xml version="1.0" encoding="utf-8"?>
+<file path=ppt/slides/slide18.xml><?xml version="1.0" encoding="utf-8"?>
 <p:sld xmlns:a="http://schemas.openxmlformats.org/drawingml/2006/main" xmlns:r="http://schemas.openxmlformats.org/officeDocument/2006/relationships" xmlns:p="http://schemas.openxmlformats.org/presentationml/2006/main">
   <p:cSld>
     <p:spTree>
@@ -7059,7 +7548,7 @@
 </p:sld>
 </file>
 
-<file path=ppt/slides/slide17.xml><?xml version="1.0" encoding="utf-8"?>
+<file path=ppt/slides/slide19.xml><?xml version="1.0" encoding="utf-8"?>
 <p:sld xmlns:a="http://schemas.openxmlformats.org/drawingml/2006/main" xmlns:r="http://schemas.openxmlformats.org/officeDocument/2006/relationships" xmlns:p="http://schemas.openxmlformats.org/presentationml/2006/main">
   <p:cSld>
     <p:spTree>
@@ -7597,7 +8086,107 @@
 </p:sld>
 </file>
 
-<file path=ppt/slides/slide18.xml><?xml version="1.0" encoding="utf-8"?>
+<file path=ppt/slides/slide2.xml><?xml version="1.0" encoding="utf-8"?>
+<p:sld xmlns:a="http://schemas.openxmlformats.org/drawingml/2006/main" xmlns:r="http://schemas.openxmlformats.org/officeDocument/2006/relationships" xmlns:p="http://schemas.openxmlformats.org/presentationml/2006/main">
+  <p:cSld>
+    <p:spTree>
+      <p:nvGrpSpPr>
+        <p:cNvPr id="1" name=""/>
+        <p:cNvGrpSpPr/>
+        <p:nvPr/>
+      </p:nvGrpSpPr>
+      <p:grpSpPr>
+        <a:xfrm>
+          <a:off x="0" y="0"/>
+          <a:ext cx="0" cy="0"/>
+          <a:chOff x="0" y="0"/>
+          <a:chExt cx="0" cy="0"/>
+        </a:xfrm>
+      </p:grpSpPr>
+      <p:sp>
+        <p:nvSpPr>
+          <p:cNvPr id="2" name="Title 1"/>
+          <p:cNvSpPr>
+            <a:spLocks noGrp="1"/>
+          </p:cNvSpPr>
+          <p:nvPr>
+            <p:ph type="title"/>
+          </p:nvPr>
+        </p:nvSpPr>
+        <p:spPr/>
+        <p:txBody>
+          <a:bodyPr/>
+          <a:lstStyle/>
+          <a:p>
+            <a:r>
+              <a:rPr lang="en-US" dirty="0" smtClean="0"/>
+              <a:t>The basics</a:t>
+            </a:r>
+            <a:endParaRPr lang="en-US" dirty="0"/>
+          </a:p>
+        </p:txBody>
+      </p:sp>
+      <p:sp>
+        <p:nvSpPr>
+          <p:cNvPr id="3" name="Content Placeholder 2"/>
+          <p:cNvSpPr>
+            <a:spLocks noGrp="1"/>
+          </p:cNvSpPr>
+          <p:nvPr>
+            <p:ph idx="1"/>
+          </p:nvPr>
+        </p:nvSpPr>
+        <p:spPr/>
+        <p:txBody>
+          <a:bodyPr/>
+          <a:lstStyle/>
+          <a:p>
+            <a:r>
+              <a:rPr lang="en-US" dirty="0"/>
+              <a:t>Modify the spatial relationship between pixels in an image</a:t>
+            </a:r>
+          </a:p>
+          <a:p>
+            <a:r>
+              <a:rPr lang="en-US" dirty="0"/>
+              <a:t>Consists of 2 basic operations</a:t>
+            </a:r>
+          </a:p>
+          <a:p>
+            <a:pPr lvl="1"/>
+            <a:r>
+              <a:rPr lang="en-US" dirty="0"/>
+              <a:t>Spatial transformation of coordinates</a:t>
+            </a:r>
+          </a:p>
+          <a:p>
+            <a:pPr lvl="1"/>
+            <a:r>
+              <a:rPr lang="en-US" dirty="0"/>
+              <a:t>Intensity </a:t>
+            </a:r>
+            <a:r>
+              <a:rPr lang="en-US" dirty="0" smtClean="0"/>
+              <a:t>interpolation</a:t>
+            </a:r>
+            <a:endParaRPr lang="en-US" dirty="0"/>
+          </a:p>
+        </p:txBody>
+      </p:sp>
+    </p:spTree>
+    <p:extLst>
+      <p:ext uri="{BB962C8B-B14F-4D97-AF65-F5344CB8AC3E}">
+        <p14:creationId xmlns:p14="http://schemas.microsoft.com/office/powerpoint/2010/main" val="768394349"/>
+      </p:ext>
+    </p:extLst>
+  </p:cSld>
+  <p:clrMapOvr>
+    <a:masterClrMapping/>
+  </p:clrMapOvr>
+</p:sld>
+</file>
+
+<file path=ppt/slides/slide20.xml><?xml version="1.0" encoding="utf-8"?>
 <p:sld xmlns:a="http://schemas.openxmlformats.org/drawingml/2006/main" xmlns:r="http://schemas.openxmlformats.org/officeDocument/2006/relationships" xmlns:p="http://schemas.openxmlformats.org/presentationml/2006/main">
   <p:cSld>
     <p:spTree>
@@ -8445,7 +9034,7 @@
 </p:sld>
 </file>
 
-<file path=ppt/slides/slide19.xml><?xml version="1.0" encoding="utf-8"?>
+<file path=ppt/slides/slide21.xml><?xml version="1.0" encoding="utf-8"?>
 <p:sld xmlns:a="http://schemas.openxmlformats.org/drawingml/2006/main" xmlns:r="http://schemas.openxmlformats.org/officeDocument/2006/relationships" xmlns:p="http://schemas.openxmlformats.org/presentationml/2006/main">
   <p:cSld>
     <p:spTree>
@@ -10285,7 +10874,7 @@
 </p:sld>
 </file>
 
-<file path=ppt/slides/slide2.xml><?xml version="1.0" encoding="utf-8"?>
+<file path=ppt/slides/slide22.xml><?xml version="1.0" encoding="utf-8"?>
 <p:sld xmlns:a="http://schemas.openxmlformats.org/drawingml/2006/main" xmlns:r="http://schemas.openxmlformats.org/officeDocument/2006/relationships" xmlns:p="http://schemas.openxmlformats.org/presentationml/2006/main">
   <p:cSld>
     <p:spTree>
@@ -10319,7 +10908,7 @@
           <a:p>
             <a:r>
               <a:rPr lang="en-US" dirty="0" smtClean="0"/>
-              <a:t>The basics</a:t>
+              <a:t>Case 2: Quadrilateral to Square</a:t>
             </a:r>
             <a:endParaRPr lang="en-US" dirty="0"/>
           </a:p>
@@ -10341,32 +10930,16 @@
           <a:lstStyle/>
           <a:p>
             <a:r>
-              <a:rPr lang="en-US" dirty="0"/>
-              <a:t>Modify the spatial relationship between pixels in an image</a:t>
-            </a:r>
-          </a:p>
-          <a:p>
-            <a:r>
-              <a:rPr lang="en-US" dirty="0"/>
-              <a:t>Consists of 2 basic operations</a:t>
-            </a:r>
-          </a:p>
-          <a:p>
-            <a:pPr lvl="1"/>
-            <a:r>
-              <a:rPr lang="en-US" dirty="0"/>
-              <a:t>Spatial transformation of coordinates</a:t>
-            </a:r>
-          </a:p>
-          <a:p>
-            <a:pPr lvl="1"/>
-            <a:r>
-              <a:rPr lang="en-US" dirty="0"/>
-              <a:t>Intensity </a:t>
-            </a:r>
-            <a:r>
               <a:rPr lang="en-US" dirty="0" smtClean="0"/>
-              <a:t>interpolation</a:t>
+              <a:t>Do Case 1 then find the inverse matrix (the </a:t>
+            </a:r>
+            <a:r>
+              <a:rPr lang="en-US" dirty="0" err="1" smtClean="0"/>
+              <a:t>Adj</a:t>
+            </a:r>
+            <a:r>
+              <a:rPr lang="en-US" dirty="0" smtClean="0"/>
+              <a:t> of the A you get)</a:t>
             </a:r>
             <a:endParaRPr lang="en-US" dirty="0"/>
           </a:p>
@@ -10375,7 +10948,7 @@
     </p:spTree>
     <p:extLst>
       <p:ext uri="{BB962C8B-B14F-4D97-AF65-F5344CB8AC3E}">
-        <p14:creationId xmlns:p14="http://schemas.microsoft.com/office/powerpoint/2010/main" val="768394349"/>
+        <p14:creationId xmlns:p14="http://schemas.microsoft.com/office/powerpoint/2010/main" val="3974130409"/>
       </p:ext>
     </p:extLst>
   </p:cSld>
@@ -10385,7 +10958,7 @@
 </p:sld>
 </file>
 
-<file path=ppt/slides/slide20.xml><?xml version="1.0" encoding="utf-8"?>
+<file path=ppt/slides/slide23.xml><?xml version="1.0" encoding="utf-8"?>
 <p:sld xmlns:a="http://schemas.openxmlformats.org/drawingml/2006/main" xmlns:r="http://schemas.openxmlformats.org/officeDocument/2006/relationships" xmlns:p="http://schemas.openxmlformats.org/presentationml/2006/main">
   <p:cSld>
     <p:spTree>
@@ -10419,7 +10992,7 @@
           <a:p>
             <a:r>
               <a:rPr lang="en-US" dirty="0" smtClean="0"/>
-              <a:t>Case 2: Quadrilateral to Square</a:t>
+              <a:t>Case 3: Quadrilateral to Quadrilateral</a:t>
             </a:r>
             <a:endParaRPr lang="en-US" dirty="0"/>
           </a:p>
@@ -10442,90 +11015,6 @@
           <a:p>
             <a:r>
               <a:rPr lang="en-US" dirty="0" smtClean="0"/>
-              <a:t>Do Case 1 then find the inverse matrix (the </a:t>
-            </a:r>
-            <a:r>
-              <a:rPr lang="en-US" dirty="0" err="1" smtClean="0"/>
-              <a:t>Adj</a:t>
-            </a:r>
-            <a:r>
-              <a:rPr lang="en-US" dirty="0" smtClean="0"/>
-              <a:t> of the A you get)</a:t>
-            </a:r>
-            <a:endParaRPr lang="en-US" dirty="0"/>
-          </a:p>
-        </p:txBody>
-      </p:sp>
-    </p:spTree>
-    <p:extLst>
-      <p:ext uri="{BB962C8B-B14F-4D97-AF65-F5344CB8AC3E}">
-        <p14:creationId xmlns:p14="http://schemas.microsoft.com/office/powerpoint/2010/main" val="3974130409"/>
-      </p:ext>
-    </p:extLst>
-  </p:cSld>
-  <p:clrMapOvr>
-    <a:masterClrMapping/>
-  </p:clrMapOvr>
-</p:sld>
-</file>
-
-<file path=ppt/slides/slide21.xml><?xml version="1.0" encoding="utf-8"?>
-<p:sld xmlns:a="http://schemas.openxmlformats.org/drawingml/2006/main" xmlns:r="http://schemas.openxmlformats.org/officeDocument/2006/relationships" xmlns:p="http://schemas.openxmlformats.org/presentationml/2006/main">
-  <p:cSld>
-    <p:spTree>
-      <p:nvGrpSpPr>
-        <p:cNvPr id="1" name=""/>
-        <p:cNvGrpSpPr/>
-        <p:nvPr/>
-      </p:nvGrpSpPr>
-      <p:grpSpPr>
-        <a:xfrm>
-          <a:off x="0" y="0"/>
-          <a:ext cx="0" cy="0"/>
-          <a:chOff x="0" y="0"/>
-          <a:chExt cx="0" cy="0"/>
-        </a:xfrm>
-      </p:grpSpPr>
-      <p:sp>
-        <p:nvSpPr>
-          <p:cNvPr id="2" name="Title 1"/>
-          <p:cNvSpPr>
-            <a:spLocks noGrp="1"/>
-          </p:cNvSpPr>
-          <p:nvPr>
-            <p:ph type="title"/>
-          </p:nvPr>
-        </p:nvSpPr>
-        <p:spPr/>
-        <p:txBody>
-          <a:bodyPr/>
-          <a:lstStyle/>
-          <a:p>
-            <a:r>
-              <a:rPr lang="en-US" dirty="0" smtClean="0"/>
-              <a:t>Case 3: Quadrilateral to Quadrilateral</a:t>
-            </a:r>
-            <a:endParaRPr lang="en-US" dirty="0"/>
-          </a:p>
-        </p:txBody>
-      </p:sp>
-      <p:sp>
-        <p:nvSpPr>
-          <p:cNvPr id="3" name="Content Placeholder 2"/>
-          <p:cNvSpPr>
-            <a:spLocks noGrp="1"/>
-          </p:cNvSpPr>
-          <p:nvPr>
-            <p:ph idx="1"/>
-          </p:nvPr>
-        </p:nvSpPr>
-        <p:spPr/>
-        <p:txBody>
-          <a:bodyPr/>
-          <a:lstStyle/>
-          <a:p>
-            <a:r>
-              <a:rPr lang="en-US" dirty="0" smtClean="0"/>
               <a:t>Do case 2 then Case 1</a:t>
             </a:r>
             <a:endParaRPr lang="en-US" dirty="0"/>
@@ -10545,7 +11034,7 @@
 </p:sld>
 </file>
 
-<file path=ppt/slides/slide22.xml><?xml version="1.0" encoding="utf-8"?>
+<file path=ppt/slides/slide24.xml><?xml version="1.0" encoding="utf-8"?>
 <p:sld xmlns:a="http://schemas.openxmlformats.org/drawingml/2006/main" xmlns:r="http://schemas.openxmlformats.org/officeDocument/2006/relationships" xmlns:p="http://schemas.openxmlformats.org/presentationml/2006/main">
   <p:cSld>
     <p:spTree>
